--- a/hotelbooking/Group-7(Hotel Booking).pptx
+++ b/hotelbooking/Group-7(Hotel Booking).pptx
@@ -9,29 +9,31 @@
     <p:sldId id="258" r:id="rId3"/>
     <p:sldId id="257" r:id="rId4"/>
     <p:sldId id="268" r:id="rId5"/>
-    <p:sldId id="259" r:id="rId6"/>
-    <p:sldId id="260" r:id="rId7"/>
-    <p:sldId id="283" r:id="rId8"/>
-    <p:sldId id="261" r:id="rId9"/>
-    <p:sldId id="269" r:id="rId10"/>
-    <p:sldId id="270" r:id="rId11"/>
-    <p:sldId id="262" r:id="rId12"/>
-    <p:sldId id="287" r:id="rId13"/>
-    <p:sldId id="264" r:id="rId14"/>
-    <p:sldId id="271" r:id="rId15"/>
-    <p:sldId id="272" r:id="rId16"/>
-    <p:sldId id="274" r:id="rId17"/>
-    <p:sldId id="275" r:id="rId18"/>
-    <p:sldId id="276" r:id="rId19"/>
-    <p:sldId id="278" r:id="rId20"/>
-    <p:sldId id="282" r:id="rId21"/>
-    <p:sldId id="279" r:id="rId22"/>
-    <p:sldId id="284" r:id="rId23"/>
-    <p:sldId id="285" r:id="rId24"/>
-    <p:sldId id="286" r:id="rId25"/>
-    <p:sldId id="280" r:id="rId26"/>
-    <p:sldId id="281" r:id="rId27"/>
-    <p:sldId id="267" r:id="rId28"/>
+    <p:sldId id="288" r:id="rId6"/>
+    <p:sldId id="289" r:id="rId7"/>
+    <p:sldId id="259" r:id="rId8"/>
+    <p:sldId id="260" r:id="rId9"/>
+    <p:sldId id="283" r:id="rId10"/>
+    <p:sldId id="261" r:id="rId11"/>
+    <p:sldId id="269" r:id="rId12"/>
+    <p:sldId id="270" r:id="rId13"/>
+    <p:sldId id="262" r:id="rId14"/>
+    <p:sldId id="287" r:id="rId15"/>
+    <p:sldId id="264" r:id="rId16"/>
+    <p:sldId id="271" r:id="rId17"/>
+    <p:sldId id="272" r:id="rId18"/>
+    <p:sldId id="274" r:id="rId19"/>
+    <p:sldId id="275" r:id="rId20"/>
+    <p:sldId id="276" r:id="rId21"/>
+    <p:sldId id="278" r:id="rId22"/>
+    <p:sldId id="282" r:id="rId23"/>
+    <p:sldId id="279" r:id="rId24"/>
+    <p:sldId id="284" r:id="rId25"/>
+    <p:sldId id="285" r:id="rId26"/>
+    <p:sldId id="286" r:id="rId27"/>
+    <p:sldId id="280" r:id="rId28"/>
+    <p:sldId id="281" r:id="rId29"/>
+    <p:sldId id="267" r:id="rId30"/>
   </p:sldIdLst>
   <p:sldSz cx="12192000" cy="6858000"/>
   <p:notesSz cx="6858000" cy="9144000"/>
@@ -339,7 +341,7 @@
             <a:fld id="{B61BEF0D-F0BB-DE4B-95CE-6DB70DBA9567}" type="datetimeFigureOut">
               <a:rPr lang="en-US" dirty="0"/>
               <a:pPr/>
-              <a:t>11/26/2022</a:t>
+              <a:t>11/27/2022</a:t>
             </a:fld>
             <a:endParaRPr lang="en-US" dirty="0"/>
           </a:p>
@@ -674,7 +676,7 @@
             <a:fld id="{B61BEF0D-F0BB-DE4B-95CE-6DB70DBA9567}" type="datetimeFigureOut">
               <a:rPr lang="en-US" dirty="0"/>
               <a:pPr/>
-              <a:t>11/26/2022</a:t>
+              <a:t>11/27/2022</a:t>
             </a:fld>
             <a:endParaRPr lang="en-US" dirty="0"/>
           </a:p>
@@ -1072,7 +1074,7 @@
             <a:fld id="{B61BEF0D-F0BB-DE4B-95CE-6DB70DBA9567}" type="datetimeFigureOut">
               <a:rPr lang="en-US" dirty="0"/>
               <a:pPr/>
-              <a:t>11/26/2022</a:t>
+              <a:t>11/27/2022</a:t>
             </a:fld>
             <a:endParaRPr lang="en-US" dirty="0"/>
           </a:p>
@@ -1405,7 +1407,7 @@
             <a:fld id="{B61BEF0D-F0BB-DE4B-95CE-6DB70DBA9567}" type="datetimeFigureOut">
               <a:rPr lang="en-US" dirty="0"/>
               <a:pPr/>
-              <a:t>11/26/2022</a:t>
+              <a:t>11/27/2022</a:t>
             </a:fld>
             <a:endParaRPr lang="en-US" dirty="0"/>
           </a:p>
@@ -1722,7 +1724,7 @@
             <a:fld id="{B61BEF0D-F0BB-DE4B-95CE-6DB70DBA9567}" type="datetimeFigureOut">
               <a:rPr lang="en-US" dirty="0"/>
               <a:pPr/>
-              <a:t>11/26/2022</a:t>
+              <a:t>11/27/2022</a:t>
             </a:fld>
             <a:endParaRPr lang="en-US" dirty="0"/>
           </a:p>
@@ -2115,7 +2117,7 @@
             <a:fld id="{B61BEF0D-F0BB-DE4B-95CE-6DB70DBA9567}" type="datetimeFigureOut">
               <a:rPr lang="en-US" dirty="0"/>
               <a:pPr/>
-              <a:t>11/26/2022</a:t>
+              <a:t>11/27/2022</a:t>
             </a:fld>
             <a:endParaRPr lang="en-US" dirty="0"/>
           </a:p>
@@ -2369,7 +2371,7 @@
             <a:fld id="{B61BEF0D-F0BB-DE4B-95CE-6DB70DBA9567}" type="datetimeFigureOut">
               <a:rPr lang="en-US" dirty="0"/>
               <a:pPr/>
-              <a:t>11/26/2022</a:t>
+              <a:t>11/27/2022</a:t>
             </a:fld>
             <a:endParaRPr lang="en-US" dirty="0"/>
           </a:p>
@@ -2628,7 +2630,7 @@
             <a:fld id="{B61BEF0D-F0BB-DE4B-95CE-6DB70DBA9567}" type="datetimeFigureOut">
               <a:rPr lang="en-US" dirty="0"/>
               <a:pPr/>
-              <a:t>11/26/2022</a:t>
+              <a:t>11/27/2022</a:t>
             </a:fld>
             <a:endParaRPr lang="en-US" dirty="0"/>
           </a:p>
@@ -2887,7 +2889,7 @@
             <a:fld id="{B61BEF0D-F0BB-DE4B-95CE-6DB70DBA9567}" type="datetimeFigureOut">
               <a:rPr lang="en-US" dirty="0"/>
               <a:pPr/>
-              <a:t>11/26/2022</a:t>
+              <a:t>11/27/2022</a:t>
             </a:fld>
             <a:endParaRPr lang="en-US" dirty="0"/>
           </a:p>
@@ -3213,7 +3215,7 @@
             <a:fld id="{B61BEF0D-F0BB-DE4B-95CE-6DB70DBA9567}" type="datetimeFigureOut">
               <a:rPr lang="en-US" dirty="0"/>
               <a:pPr/>
-              <a:t>11/26/2022</a:t>
+              <a:t>11/27/2022</a:t>
             </a:fld>
             <a:endParaRPr lang="en-US" dirty="0"/>
           </a:p>
@@ -3533,7 +3535,7 @@
             <a:fld id="{B61BEF0D-F0BB-DE4B-95CE-6DB70DBA9567}" type="datetimeFigureOut">
               <a:rPr lang="en-US" dirty="0"/>
               <a:pPr/>
-              <a:t>11/26/2022</a:t>
+              <a:t>11/27/2022</a:t>
             </a:fld>
             <a:endParaRPr lang="en-US" dirty="0"/>
           </a:p>
@@ -3987,7 +3989,7 @@
             <a:fld id="{B61BEF0D-F0BB-DE4B-95CE-6DB70DBA9567}" type="datetimeFigureOut">
               <a:rPr lang="en-US" dirty="0"/>
               <a:pPr/>
-              <a:t>11/26/2022</a:t>
+              <a:t>11/27/2022</a:t>
             </a:fld>
             <a:endParaRPr lang="en-US" dirty="0"/>
           </a:p>
@@ -4189,7 +4191,7 @@
             <a:fld id="{B61BEF0D-F0BB-DE4B-95CE-6DB70DBA9567}" type="datetimeFigureOut">
               <a:rPr lang="en-US" dirty="0"/>
               <a:pPr/>
-              <a:t>11/26/2022</a:t>
+              <a:t>11/27/2022</a:t>
             </a:fld>
             <a:endParaRPr lang="en-US" dirty="0"/>
           </a:p>
@@ -4363,7 +4365,7 @@
             <a:fld id="{B61BEF0D-F0BB-DE4B-95CE-6DB70DBA9567}" type="datetimeFigureOut">
               <a:rPr lang="en-US" dirty="0"/>
               <a:pPr/>
-              <a:t>11/26/2022</a:t>
+              <a:t>11/27/2022</a:t>
             </a:fld>
             <a:endParaRPr lang="en-US" dirty="0"/>
           </a:p>
@@ -4693,7 +4695,7 @@
             <a:fld id="{B61BEF0D-F0BB-DE4B-95CE-6DB70DBA9567}" type="datetimeFigureOut">
               <a:rPr lang="en-US" dirty="0"/>
               <a:pPr/>
-              <a:t>11/26/2022</a:t>
+              <a:t>11/27/2022</a:t>
             </a:fld>
             <a:endParaRPr lang="en-US" dirty="0"/>
           </a:p>
@@ -5035,7 +5037,7 @@
             <a:fld id="{B61BEF0D-F0BB-DE4B-95CE-6DB70DBA9567}" type="datetimeFigureOut">
               <a:rPr lang="en-US" dirty="0"/>
               <a:pPr/>
-              <a:t>11/26/2022</a:t>
+              <a:t>11/27/2022</a:t>
             </a:fld>
             <a:endParaRPr lang="en-US" dirty="0"/>
           </a:p>
@@ -7149,7 +7151,7 @@
             <a:fld id="{B61BEF0D-F0BB-DE4B-95CE-6DB70DBA9567}" type="datetimeFigureOut">
               <a:rPr lang="en-US" dirty="0"/>
               <a:pPr/>
-              <a:t>11/26/2022</a:t>
+              <a:t>11/27/2022</a:t>
             </a:fld>
             <a:endParaRPr lang="en-US" dirty="0"/>
           </a:p>
@@ -7809,7 +7811,7 @@
                   </a:schemeClr>
                 </a:solidFill>
               </a:rPr>
-              <a:t>4) Delete customer from room.</a:t>
+              <a:t>2) Display Empty Rooms.</a:t>
             </a:r>
             <a:br>
               <a:rPr lang="en-US" b="1" dirty="0">
@@ -7842,7 +7844,7 @@
         </p:nvSpPr>
         <p:spPr>
           <a:xfrm>
-            <a:off x="309242" y="1334933"/>
+            <a:off x="332490" y="906942"/>
             <a:ext cx="11179872" cy="4006222"/>
           </a:xfrm>
         </p:spPr>
@@ -7875,12 +7877,64 @@
           </a:p>
         </p:txBody>
       </p:sp>
+      <p:sp>
+        <p:nvSpPr>
+          <p:cNvPr id="5" name="Oval 4">
+            <a:extLst>
+              <a:ext uri="{FF2B5EF4-FFF2-40B4-BE49-F238E27FC236}">
+                <a16:creationId xmlns:a16="http://schemas.microsoft.com/office/drawing/2014/main" id="{A75180D5-7686-4AD7-9E3E-B56A2FAE51F1}"/>
+              </a:ext>
+            </a:extLst>
+          </p:cNvPr>
+          <p:cNvSpPr/>
+          <p:nvPr/>
+        </p:nvSpPr>
+        <p:spPr>
+          <a:xfrm>
+            <a:off x="3357702" y="4180114"/>
+            <a:ext cx="457200" cy="241526"/>
+          </a:xfrm>
+          <a:prstGeom prst="ellipse">
+            <a:avLst/>
+          </a:prstGeom>
+          <a:noFill/>
+          <a:ln>
+            <a:solidFill>
+              <a:schemeClr val="bg1"/>
+            </a:solidFill>
+          </a:ln>
+        </p:spPr>
+        <p:style>
+          <a:lnRef idx="2">
+            <a:schemeClr val="accent1">
+              <a:shade val="50000"/>
+            </a:schemeClr>
+          </a:lnRef>
+          <a:fillRef idx="1">
+            <a:schemeClr val="accent1"/>
+          </a:fillRef>
+          <a:effectRef idx="0">
+            <a:schemeClr val="accent1"/>
+          </a:effectRef>
+          <a:fontRef idx="minor">
+            <a:schemeClr val="lt1"/>
+          </a:fontRef>
+        </p:style>
+        <p:txBody>
+          <a:bodyPr rtlCol="0" anchor="ctr"/>
+          <a:lstStyle/>
+          <a:p>
+            <a:pPr algn="ctr"/>
+            <a:endParaRPr lang="en-US"/>
+          </a:p>
+        </p:txBody>
+      </p:sp>
       <p:pic>
         <p:nvPicPr>
           <p:cNvPr id="6" name="Picture 5">
             <a:extLst>
               <a:ext uri="{FF2B5EF4-FFF2-40B4-BE49-F238E27FC236}">
-                <a16:creationId xmlns:a16="http://schemas.microsoft.com/office/drawing/2014/main" id="{3C0EB417-5DED-6F2E-10EF-BDE3582AC9A4}"/>
+                <a16:creationId xmlns:a16="http://schemas.microsoft.com/office/drawing/2014/main" id="{650586BB-1F3B-8882-2BC2-C4B6628CE853}"/>
               </a:ext>
             </a:extLst>
           </p:cNvPr>
@@ -7896,8 +7950,8 @@
         </p:blipFill>
         <p:spPr>
           <a:xfrm>
-            <a:off x="2311494" y="1685161"/>
-            <a:ext cx="5936577" cy="3687690"/>
+            <a:off x="2199512" y="1273647"/>
+            <a:ext cx="6422256" cy="4964444"/>
           </a:xfrm>
           <a:prstGeom prst="rect">
             <a:avLst/>
@@ -7909,7 +7963,7 @@
           <p:cNvPr id="8" name="Oval 7">
             <a:extLst>
               <a:ext uri="{FF2B5EF4-FFF2-40B4-BE49-F238E27FC236}">
-                <a16:creationId xmlns:a16="http://schemas.microsoft.com/office/drawing/2014/main" id="{41735DDC-10A1-52A5-4E5B-B9878858C741}"/>
+                <a16:creationId xmlns:a16="http://schemas.microsoft.com/office/drawing/2014/main" id="{AD80E964-F5D1-FF84-C8C8-34873B08C4C5}"/>
               </a:ext>
             </a:extLst>
           </p:cNvPr>
@@ -7918,8 +7972,8 @@
         </p:nvSpPr>
         <p:spPr>
           <a:xfrm>
-            <a:off x="2231451" y="3799004"/>
-            <a:ext cx="433123" cy="181317"/>
+            <a:off x="2199512" y="3610334"/>
+            <a:ext cx="488782" cy="189226"/>
           </a:xfrm>
           <a:prstGeom prst="ellipse">
             <a:avLst/>
@@ -7958,10 +8012,10 @@
       </p:sp>
       <p:sp>
         <p:nvSpPr>
-          <p:cNvPr id="9" name="Oval 8">
+          <p:cNvPr id="9" name="Flowchart: Process 8">
             <a:extLst>
               <a:ext uri="{FF2B5EF4-FFF2-40B4-BE49-F238E27FC236}">
-                <a16:creationId xmlns:a16="http://schemas.microsoft.com/office/drawing/2014/main" id="{7C8B1D83-0AF5-E3A3-457F-622262374ADA}"/>
+                <a16:creationId xmlns:a16="http://schemas.microsoft.com/office/drawing/2014/main" id="{EE54D5B4-F6FD-7625-BA03-18404CE98CE5}"/>
               </a:ext>
             </a:extLst>
           </p:cNvPr>
@@ -7970,60 +8024,8 @@
         </p:nvSpPr>
         <p:spPr>
           <a:xfrm>
-            <a:off x="2231452" y="4150094"/>
-            <a:ext cx="488782" cy="181317"/>
-          </a:xfrm>
-          <a:prstGeom prst="ellipse">
-            <a:avLst/>
-          </a:prstGeom>
-          <a:noFill/>
-          <a:ln>
-            <a:solidFill>
-              <a:srgbClr val="FF0000"/>
-            </a:solidFill>
-          </a:ln>
-        </p:spPr>
-        <p:style>
-          <a:lnRef idx="2">
-            <a:schemeClr val="dk1">
-              <a:shade val="50000"/>
-            </a:schemeClr>
-          </a:lnRef>
-          <a:fillRef idx="1">
-            <a:schemeClr val="dk1"/>
-          </a:fillRef>
-          <a:effectRef idx="0">
-            <a:schemeClr val="dk1"/>
-          </a:effectRef>
-          <a:fontRef idx="minor">
-            <a:schemeClr val="lt1"/>
-          </a:fontRef>
-        </p:style>
-        <p:txBody>
-          <a:bodyPr rtlCol="0" anchor="ctr"/>
-          <a:lstStyle/>
-          <a:p>
-            <a:pPr algn="ctr"/>
-            <a:endParaRPr lang="en-US"/>
-          </a:p>
-        </p:txBody>
-      </p:sp>
-      <p:sp>
-        <p:nvSpPr>
-          <p:cNvPr id="10" name="Flowchart: Process 9">
-            <a:extLst>
-              <a:ext uri="{FF2B5EF4-FFF2-40B4-BE49-F238E27FC236}">
-                <a16:creationId xmlns:a16="http://schemas.microsoft.com/office/drawing/2014/main" id="{0C0C5778-2CCE-3F3A-658A-AB3F5F2D8124}"/>
-              </a:ext>
-            </a:extLst>
-          </p:cNvPr>
-          <p:cNvSpPr/>
-          <p:nvPr/>
-        </p:nvSpPr>
-        <p:spPr>
-          <a:xfrm>
-            <a:off x="2311494" y="4331411"/>
-            <a:ext cx="1251838" cy="169773"/>
+            <a:off x="2286601" y="3848463"/>
+            <a:ext cx="1299701" cy="1447069"/>
           </a:xfrm>
           <a:prstGeom prst="flowChartProcess">
             <a:avLst/>
@@ -8060,10 +8062,69 @@
           </a:p>
         </p:txBody>
       </p:sp>
+      <p:sp>
+        <p:nvSpPr>
+          <p:cNvPr id="10" name="Speech Bubble: Oval 9">
+            <a:extLst>
+              <a:ext uri="{FF2B5EF4-FFF2-40B4-BE49-F238E27FC236}">
+                <a16:creationId xmlns:a16="http://schemas.microsoft.com/office/drawing/2014/main" id="{3E874CAB-476E-F37B-19DF-20D168854E7E}"/>
+              </a:ext>
+            </a:extLst>
+          </p:cNvPr>
+          <p:cNvSpPr/>
+          <p:nvPr/>
+        </p:nvSpPr>
+        <p:spPr>
+          <a:xfrm rot="1772190">
+            <a:off x="3565139" y="3430707"/>
+            <a:ext cx="914400" cy="548480"/>
+          </a:xfrm>
+          <a:prstGeom prst="wedgeEllipseCallout">
+            <a:avLst/>
+          </a:prstGeom>
+          <a:noFill/>
+          <a:ln>
+            <a:solidFill>
+              <a:srgbClr val="FF0000"/>
+            </a:solidFill>
+          </a:ln>
+        </p:spPr>
+        <p:style>
+          <a:lnRef idx="2">
+            <a:schemeClr val="accent1">
+              <a:shade val="50000"/>
+            </a:schemeClr>
+          </a:lnRef>
+          <a:fillRef idx="1">
+            <a:schemeClr val="accent1"/>
+          </a:fillRef>
+          <a:effectRef idx="0">
+            <a:schemeClr val="accent1"/>
+          </a:effectRef>
+          <a:fontRef idx="minor">
+            <a:schemeClr val="lt1"/>
+          </a:fontRef>
+        </p:style>
+        <p:txBody>
+          <a:bodyPr rtlCol="0" anchor="ctr"/>
+          <a:lstStyle/>
+          <a:p>
+            <a:pPr algn="ctr"/>
+            <a:r>
+              <a:rPr lang="en-US" sz="800" b="1" dirty="0">
+                <a:solidFill>
+                  <a:schemeClr val="tx1"/>
+                </a:solidFill>
+              </a:rPr>
+              <a:t>This empty room show</a:t>
+            </a:r>
+          </a:p>
+        </p:txBody>
+      </p:sp>
     </p:spTree>
     <p:extLst>
       <p:ext uri="{BB962C8B-B14F-4D97-AF65-F5344CB8AC3E}">
-        <p14:creationId xmlns:p14="http://schemas.microsoft.com/office/powerpoint/2010/main" val="2904333431"/>
+        <p14:creationId xmlns:p14="http://schemas.microsoft.com/office/powerpoint/2010/main" val="4276730033"/>
       </p:ext>
     </p:extLst>
   </p:cSld>
@@ -8114,28 +8175,28 @@
         </p:nvSpPr>
         <p:spPr>
           <a:xfrm>
-            <a:off x="1685639" y="482076"/>
-            <a:ext cx="9821091" cy="1358069"/>
+            <a:off x="1589101" y="619909"/>
+            <a:ext cx="9358098" cy="653738"/>
           </a:xfrm>
         </p:spPr>
         <p:txBody>
           <a:bodyPr>
-            <a:normAutofit/>
+            <a:normAutofit fontScale="90000"/>
           </a:bodyPr>
           <a:lstStyle/>
           <a:p>
             <a:r>
-              <a:rPr lang="en-US" sz="3200" b="1" i="1" dirty="0">
+              <a:rPr lang="en-US" b="1" i="1" dirty="0">
                 <a:solidFill>
                   <a:schemeClr val="accent2">
                     <a:lumMod val="50000"/>
                   </a:schemeClr>
                 </a:solidFill>
               </a:rPr>
-              <a:t>5) Find room from customer name.</a:t>
+              <a:t>3) View all Rooms.</a:t>
             </a:r>
             <a:br>
-              <a:rPr lang="en-US" sz="3200" b="1" dirty="0">
+              <a:rPr lang="en-US" b="1" dirty="0">
                 <a:solidFill>
                   <a:schemeClr val="accent2">
                     <a:lumMod val="50000"/>
@@ -8143,29 +8204,74 @@
                 </a:solidFill>
               </a:rPr>
             </a:br>
-            <a:endParaRPr lang="en-US" sz="3200" b="1" i="1" dirty="0">
+            <a:endParaRPr lang="en-US" b="1" dirty="0">
               <a:solidFill>
-                <a:srgbClr val="00B050"/>
+                <a:schemeClr val="accent2">
+                  <a:lumMod val="50000"/>
+                </a:schemeClr>
               </a:solidFill>
             </a:endParaRPr>
           </a:p>
         </p:txBody>
       </p:sp>
+      <p:sp>
+        <p:nvSpPr>
+          <p:cNvPr id="3" name="Content Placeholder 2"/>
+          <p:cNvSpPr>
+            <a:spLocks noGrp="1"/>
+          </p:cNvSpPr>
+          <p:nvPr>
+            <p:ph idx="1"/>
+          </p:nvPr>
+        </p:nvSpPr>
+        <p:spPr>
+          <a:xfrm>
+            <a:off x="309242" y="1334933"/>
+            <a:ext cx="11179872" cy="4006222"/>
+          </a:xfrm>
+        </p:spPr>
+        <p:txBody>
+          <a:bodyPr/>
+          <a:lstStyle/>
+          <a:p>
+            <a:pPr marL="0" indent="0">
+              <a:buNone/>
+            </a:pPr>
+            <a:endParaRPr lang="en-US" b="1" dirty="0">
+              <a:solidFill>
+                <a:schemeClr val="accent6">
+                  <a:lumMod val="50000"/>
+                </a:schemeClr>
+              </a:solidFill>
+            </a:endParaRPr>
+          </a:p>
+          <a:p>
+            <a:pPr marL="0" indent="0">
+              <a:buNone/>
+            </a:pPr>
+            <a:endParaRPr lang="en-US" dirty="0"/>
+          </a:p>
+          <a:p>
+            <a:pPr marL="0" indent="0">
+              <a:buNone/>
+            </a:pPr>
+            <a:endParaRPr lang="en-US" dirty="0"/>
+          </a:p>
+        </p:txBody>
+      </p:sp>
       <p:pic>
         <p:nvPicPr>
-          <p:cNvPr id="11" name="Content Placeholder 10">
+          <p:cNvPr id="6" name="Picture 5">
             <a:extLst>
               <a:ext uri="{FF2B5EF4-FFF2-40B4-BE49-F238E27FC236}">
-                <a16:creationId xmlns:a16="http://schemas.microsoft.com/office/drawing/2014/main" id="{8C1E325A-B780-3C04-638B-84CD925AD17F}"/>
+                <a16:creationId xmlns:a16="http://schemas.microsoft.com/office/drawing/2014/main" id="{604D5438-92A4-91D4-3209-5B3AD223DBFB}"/>
               </a:ext>
             </a:extLst>
           </p:cNvPr>
           <p:cNvPicPr>
-            <a:picLocks noGrp="1" noChangeAspect="1"/>
+            <a:picLocks noChangeAspect="1"/>
           </p:cNvPicPr>
-          <p:nvPr>
-            <p:ph idx="1"/>
-          </p:nvPr>
+          <p:nvPr/>
         </p:nvPicPr>
         <p:blipFill>
           <a:blip r:embed="rId2"/>
@@ -8174,17 +8280,20 @@
         </p:blipFill>
         <p:spPr>
           <a:xfrm>
-            <a:off x="913975" y="1457001"/>
-            <a:ext cx="6569954" cy="4417605"/>
-          </a:xfrm>
+            <a:off x="2403225" y="1366374"/>
+            <a:ext cx="6146132" cy="5144496"/>
+          </a:xfrm>
+          <a:prstGeom prst="rect">
+            <a:avLst/>
+          </a:prstGeom>
         </p:spPr>
       </p:pic>
       <p:sp>
         <p:nvSpPr>
-          <p:cNvPr id="12" name="Oval 11">
+          <p:cNvPr id="8" name="Oval 7">
             <a:extLst>
               <a:ext uri="{FF2B5EF4-FFF2-40B4-BE49-F238E27FC236}">
-                <a16:creationId xmlns:a16="http://schemas.microsoft.com/office/drawing/2014/main" id="{7F7B0F52-7C1D-5837-09BA-16B230432902}"/>
+                <a16:creationId xmlns:a16="http://schemas.microsoft.com/office/drawing/2014/main" id="{16DE61EE-77DF-8F12-17AD-16374362C6E3}"/>
               </a:ext>
             </a:extLst>
           </p:cNvPr>
@@ -8193,8 +8302,8 @@
         </p:nvSpPr>
         <p:spPr>
           <a:xfrm>
-            <a:off x="860803" y="4014735"/>
-            <a:ext cx="488782" cy="173183"/>
+            <a:off x="2403225" y="3655813"/>
+            <a:ext cx="488782" cy="189226"/>
           </a:xfrm>
           <a:prstGeom prst="ellipse">
             <a:avLst/>
@@ -8233,10 +8342,10 @@
       </p:sp>
       <p:sp>
         <p:nvSpPr>
-          <p:cNvPr id="13" name="Oval 12">
+          <p:cNvPr id="9" name="Flowchart: Process 8">
             <a:extLst>
               <a:ext uri="{FF2B5EF4-FFF2-40B4-BE49-F238E27FC236}">
-                <a16:creationId xmlns:a16="http://schemas.microsoft.com/office/drawing/2014/main" id="{CDD5AE00-C2BF-DF3C-A4FF-A949443E217B}"/>
+                <a16:creationId xmlns:a16="http://schemas.microsoft.com/office/drawing/2014/main" id="{A92673DA-F862-5906-CA43-8C8F3FD8C4E6}"/>
               </a:ext>
             </a:extLst>
           </p:cNvPr>
@@ -8245,60 +8354,8 @@
         </p:nvSpPr>
         <p:spPr>
           <a:xfrm>
-            <a:off x="959350" y="4397879"/>
-            <a:ext cx="769546" cy="184644"/>
-          </a:xfrm>
-          <a:prstGeom prst="ellipse">
-            <a:avLst/>
-          </a:prstGeom>
-          <a:noFill/>
-          <a:ln>
-            <a:solidFill>
-              <a:srgbClr val="FF0000"/>
-            </a:solidFill>
-          </a:ln>
-        </p:spPr>
-        <p:style>
-          <a:lnRef idx="2">
-            <a:schemeClr val="dk1">
-              <a:shade val="50000"/>
-            </a:schemeClr>
-          </a:lnRef>
-          <a:fillRef idx="1">
-            <a:schemeClr val="dk1"/>
-          </a:fillRef>
-          <a:effectRef idx="0">
-            <a:schemeClr val="dk1"/>
-          </a:effectRef>
-          <a:fontRef idx="minor">
-            <a:schemeClr val="lt1"/>
-          </a:fontRef>
-        </p:style>
-        <p:txBody>
-          <a:bodyPr rtlCol="0" anchor="ctr"/>
-          <a:lstStyle/>
-          <a:p>
-            <a:pPr algn="ctr"/>
-            <a:endParaRPr lang="en-US"/>
-          </a:p>
-        </p:txBody>
-      </p:sp>
-      <p:sp>
-        <p:nvSpPr>
-          <p:cNvPr id="14" name="Flowchart: Process 13">
-            <a:extLst>
-              <a:ext uri="{FF2B5EF4-FFF2-40B4-BE49-F238E27FC236}">
-                <a16:creationId xmlns:a16="http://schemas.microsoft.com/office/drawing/2014/main" id="{0019F8B5-47E1-859F-4DE4-5AE2D1F0AE0C}"/>
-              </a:ext>
-            </a:extLst>
-          </p:cNvPr>
-          <p:cNvSpPr/>
-          <p:nvPr/>
-        </p:nvSpPr>
-        <p:spPr>
-          <a:xfrm>
-            <a:off x="913975" y="4569196"/>
-            <a:ext cx="4006817" cy="184644"/>
+            <a:off x="2547405" y="3876481"/>
+            <a:ext cx="1807779" cy="1615146"/>
           </a:xfrm>
           <a:prstGeom prst="flowChartProcess">
             <a:avLst/>
@@ -8335,42 +8392,12 @@
           </a:p>
         </p:txBody>
       </p:sp>
-      <p:pic>
-        <p:nvPicPr>
-          <p:cNvPr id="4" name="Picture 3">
+      <p:sp>
+        <p:nvSpPr>
+          <p:cNvPr id="10" name="Speech Bubble: Oval 9">
             <a:extLst>
               <a:ext uri="{FF2B5EF4-FFF2-40B4-BE49-F238E27FC236}">
-                <a16:creationId xmlns:a16="http://schemas.microsoft.com/office/drawing/2014/main" id="{612BE8A6-DEC4-EFCE-E596-3EC0F43C6B7E}"/>
-              </a:ext>
-            </a:extLst>
-          </p:cNvPr>
-          <p:cNvPicPr>
-            <a:picLocks noChangeAspect="1"/>
-          </p:cNvPicPr>
-          <p:nvPr/>
-        </p:nvPicPr>
-        <p:blipFill>
-          <a:blip r:embed="rId3"/>
-          <a:stretch>
-            <a:fillRect/>
-          </a:stretch>
-        </p:blipFill>
-        <p:spPr>
-          <a:xfrm>
-            <a:off x="7537101" y="1457001"/>
-            <a:ext cx="4510355" cy="4176428"/>
-          </a:xfrm>
-          <a:prstGeom prst="rect">
-            <a:avLst/>
-          </a:prstGeom>
-        </p:spPr>
-      </p:pic>
-      <p:sp>
-        <p:nvSpPr>
-          <p:cNvPr id="5" name="Flowchart: Process 4">
-            <a:extLst>
-              <a:ext uri="{FF2B5EF4-FFF2-40B4-BE49-F238E27FC236}">
-                <a16:creationId xmlns:a16="http://schemas.microsoft.com/office/drawing/2014/main" id="{410A50AD-8230-E042-84B1-EEC4BCD4C785}"/>
+                <a16:creationId xmlns:a16="http://schemas.microsoft.com/office/drawing/2014/main" id="{298FF4CC-947C-0B90-EF03-26DCAF9FB344}"/>
               </a:ext>
             </a:extLst>
           </p:cNvPr>
@@ -8378,11 +8405,11 @@
           <p:nvPr/>
         </p:nvSpPr>
         <p:spPr>
-          <a:xfrm>
-            <a:off x="7529305" y="4397878"/>
-            <a:ext cx="2698778" cy="355961"/>
-          </a:xfrm>
-          <a:prstGeom prst="flowChartProcess">
+          <a:xfrm rot="1772190">
+            <a:off x="4288136" y="3381573"/>
+            <a:ext cx="914400" cy="548480"/>
+          </a:xfrm>
+          <a:prstGeom prst="wedgeEllipseCallout">
             <a:avLst/>
           </a:prstGeom>
           <a:noFill/>
@@ -8413,14 +8440,21 @@
           <a:lstStyle/>
           <a:p>
             <a:pPr algn="ctr"/>
-            <a:endParaRPr lang="en-US"/>
+            <a:r>
+              <a:rPr lang="en-US" sz="800" b="1" dirty="0">
+                <a:solidFill>
+                  <a:schemeClr val="tx1"/>
+                </a:solidFill>
+              </a:rPr>
+              <a:t>This all room show</a:t>
+            </a:r>
           </a:p>
         </p:txBody>
       </p:sp>
     </p:spTree>
     <p:extLst>
       <p:ext uri="{BB962C8B-B14F-4D97-AF65-F5344CB8AC3E}">
-        <p14:creationId xmlns:p14="http://schemas.microsoft.com/office/powerpoint/2010/main" val="2358054689"/>
+        <p14:creationId xmlns:p14="http://schemas.microsoft.com/office/powerpoint/2010/main" val="2411429098"/>
       </p:ext>
     </p:extLst>
   </p:cSld>
@@ -8471,28 +8505,28 @@
         </p:nvSpPr>
         <p:spPr>
           <a:xfrm>
-            <a:off x="1685639" y="482076"/>
-            <a:ext cx="9821091" cy="1358069"/>
+            <a:off x="1589101" y="619909"/>
+            <a:ext cx="9358098" cy="653738"/>
           </a:xfrm>
         </p:spPr>
         <p:txBody>
           <a:bodyPr>
-            <a:normAutofit/>
+            <a:normAutofit fontScale="90000"/>
           </a:bodyPr>
           <a:lstStyle/>
           <a:p>
             <a:r>
-              <a:rPr lang="en-US" sz="3200" b="1" i="1" dirty="0">
+              <a:rPr lang="en-US" b="1" i="1" dirty="0">
                 <a:solidFill>
                   <a:schemeClr val="accent2">
                     <a:lumMod val="50000"/>
                   </a:schemeClr>
                 </a:solidFill>
               </a:rPr>
-              <a:t>6) Update customer name.</a:t>
+              <a:t>4) Delete customer from room.</a:t>
             </a:r>
             <a:br>
-              <a:rPr lang="en-US" sz="3200" b="1" dirty="0">
+              <a:rPr lang="en-US" b="1" dirty="0">
                 <a:solidFill>
                   <a:schemeClr val="accent2">
                     <a:lumMod val="50000"/>
@@ -8500,29 +8534,74 @@
                 </a:solidFill>
               </a:rPr>
             </a:br>
-            <a:endParaRPr lang="en-US" sz="3200" b="1" i="1" dirty="0">
+            <a:endParaRPr lang="en-US" b="1" dirty="0">
               <a:solidFill>
-                <a:srgbClr val="00B050"/>
+                <a:schemeClr val="accent2">
+                  <a:lumMod val="50000"/>
+                </a:schemeClr>
               </a:solidFill>
             </a:endParaRPr>
           </a:p>
         </p:txBody>
       </p:sp>
+      <p:sp>
+        <p:nvSpPr>
+          <p:cNvPr id="3" name="Content Placeholder 2"/>
+          <p:cNvSpPr>
+            <a:spLocks noGrp="1"/>
+          </p:cNvSpPr>
+          <p:nvPr>
+            <p:ph idx="1"/>
+          </p:nvPr>
+        </p:nvSpPr>
+        <p:spPr>
+          <a:xfrm>
+            <a:off x="309242" y="1334933"/>
+            <a:ext cx="11179872" cy="4006222"/>
+          </a:xfrm>
+        </p:spPr>
+        <p:txBody>
+          <a:bodyPr/>
+          <a:lstStyle/>
+          <a:p>
+            <a:pPr marL="0" indent="0">
+              <a:buNone/>
+            </a:pPr>
+            <a:endParaRPr lang="en-US" b="1" dirty="0">
+              <a:solidFill>
+                <a:schemeClr val="accent6">
+                  <a:lumMod val="50000"/>
+                </a:schemeClr>
+              </a:solidFill>
+            </a:endParaRPr>
+          </a:p>
+          <a:p>
+            <a:pPr marL="0" indent="0">
+              <a:buNone/>
+            </a:pPr>
+            <a:endParaRPr lang="en-US" dirty="0"/>
+          </a:p>
+          <a:p>
+            <a:pPr marL="0" indent="0">
+              <a:buNone/>
+            </a:pPr>
+            <a:endParaRPr lang="en-US" dirty="0"/>
+          </a:p>
+        </p:txBody>
+      </p:sp>
       <p:pic>
         <p:nvPicPr>
-          <p:cNvPr id="11" name="Content Placeholder 10">
+          <p:cNvPr id="6" name="Picture 5">
             <a:extLst>
               <a:ext uri="{FF2B5EF4-FFF2-40B4-BE49-F238E27FC236}">
-                <a16:creationId xmlns:a16="http://schemas.microsoft.com/office/drawing/2014/main" id="{8C1E325A-B780-3C04-638B-84CD925AD17F}"/>
+                <a16:creationId xmlns:a16="http://schemas.microsoft.com/office/drawing/2014/main" id="{3C0EB417-5DED-6F2E-10EF-BDE3582AC9A4}"/>
               </a:ext>
             </a:extLst>
           </p:cNvPr>
           <p:cNvPicPr>
-            <a:picLocks noGrp="1" noChangeAspect="1"/>
+            <a:picLocks noChangeAspect="1"/>
           </p:cNvPicPr>
-          <p:nvPr>
-            <p:ph idx="1"/>
-          </p:nvPr>
+          <p:nvPr/>
         </p:nvPicPr>
         <p:blipFill>
           <a:blip r:embed="rId2"/>
@@ -8531,17 +8610,20 @@
         </p:blipFill>
         <p:spPr>
           <a:xfrm>
-            <a:off x="1144913" y="1457001"/>
-            <a:ext cx="6202890" cy="4417605"/>
-          </a:xfrm>
+            <a:off x="2311494" y="1685161"/>
+            <a:ext cx="5936577" cy="3687690"/>
+          </a:xfrm>
+          <a:prstGeom prst="rect">
+            <a:avLst/>
+          </a:prstGeom>
         </p:spPr>
       </p:pic>
       <p:sp>
         <p:nvSpPr>
-          <p:cNvPr id="12" name="Oval 11">
+          <p:cNvPr id="8" name="Oval 7">
             <a:extLst>
               <a:ext uri="{FF2B5EF4-FFF2-40B4-BE49-F238E27FC236}">
-                <a16:creationId xmlns:a16="http://schemas.microsoft.com/office/drawing/2014/main" id="{7F7B0F52-7C1D-5837-09BA-16B230432902}"/>
+                <a16:creationId xmlns:a16="http://schemas.microsoft.com/office/drawing/2014/main" id="{41735DDC-10A1-52A5-4E5B-B9878858C741}"/>
               </a:ext>
             </a:extLst>
           </p:cNvPr>
@@ -8550,8 +8632,8 @@
         </p:nvSpPr>
         <p:spPr>
           <a:xfrm>
-            <a:off x="1097507" y="3720353"/>
-            <a:ext cx="453387" cy="259976"/>
+            <a:off x="2231451" y="3799004"/>
+            <a:ext cx="433123" cy="181317"/>
           </a:xfrm>
           <a:prstGeom prst="ellipse">
             <a:avLst/>
@@ -8590,10 +8672,10 @@
       </p:sp>
       <p:sp>
         <p:nvSpPr>
-          <p:cNvPr id="13" name="Oval 12">
+          <p:cNvPr id="9" name="Oval 8">
             <a:extLst>
               <a:ext uri="{FF2B5EF4-FFF2-40B4-BE49-F238E27FC236}">
-                <a16:creationId xmlns:a16="http://schemas.microsoft.com/office/drawing/2014/main" id="{CDD5AE00-C2BF-DF3C-A4FF-A949443E217B}"/>
+                <a16:creationId xmlns:a16="http://schemas.microsoft.com/office/drawing/2014/main" id="{7C8B1D83-0AF5-E3A3-457F-622262374ADA}"/>
               </a:ext>
             </a:extLst>
           </p:cNvPr>
@@ -8602,8 +8684,8 @@
         </p:nvSpPr>
         <p:spPr>
           <a:xfrm>
-            <a:off x="1166121" y="4103497"/>
-            <a:ext cx="769546" cy="259976"/>
+            <a:off x="2231452" y="4150094"/>
+            <a:ext cx="488782" cy="181317"/>
           </a:xfrm>
           <a:prstGeom prst="ellipse">
             <a:avLst/>
@@ -8642,10 +8724,10 @@
       </p:sp>
       <p:sp>
         <p:nvSpPr>
-          <p:cNvPr id="14" name="Flowchart: Process 13">
+          <p:cNvPr id="10" name="Flowchart: Process 9">
             <a:extLst>
               <a:ext uri="{FF2B5EF4-FFF2-40B4-BE49-F238E27FC236}">
-                <a16:creationId xmlns:a16="http://schemas.microsoft.com/office/drawing/2014/main" id="{0019F8B5-47E1-859F-4DE4-5AE2D1F0AE0C}"/>
+                <a16:creationId xmlns:a16="http://schemas.microsoft.com/office/drawing/2014/main" id="{0C0C5778-2CCE-3F3A-658A-AB3F5F2D8124}"/>
               </a:ext>
             </a:extLst>
           </p:cNvPr>
@@ -8654,8 +8736,8 @@
         </p:nvSpPr>
         <p:spPr>
           <a:xfrm>
-            <a:off x="1166121" y="4688540"/>
-            <a:ext cx="1935667" cy="152401"/>
+            <a:off x="2311494" y="4331411"/>
+            <a:ext cx="1251838" cy="169773"/>
           </a:xfrm>
           <a:prstGeom prst="flowChartProcess">
             <a:avLst/>
@@ -8692,143 +8774,10 @@
           </a:p>
         </p:txBody>
       </p:sp>
-      <p:pic>
-        <p:nvPicPr>
-          <p:cNvPr id="4" name="Picture 3">
-            <a:extLst>
-              <a:ext uri="{FF2B5EF4-FFF2-40B4-BE49-F238E27FC236}">
-                <a16:creationId xmlns:a16="http://schemas.microsoft.com/office/drawing/2014/main" id="{612BE8A6-DEC4-EFCE-E596-3EC0F43C6B7E}"/>
-              </a:ext>
-            </a:extLst>
-          </p:cNvPr>
-          <p:cNvPicPr>
-            <a:picLocks noChangeAspect="1"/>
-          </p:cNvPicPr>
-          <p:nvPr/>
-        </p:nvPicPr>
-        <p:blipFill>
-          <a:blip r:embed="rId3"/>
-          <a:srcRect/>
-          <a:stretch/>
-        </p:blipFill>
-        <p:spPr>
-          <a:xfrm>
-            <a:off x="7537101" y="2032095"/>
-            <a:ext cx="4510355" cy="3026240"/>
-          </a:xfrm>
-          <a:prstGeom prst="rect">
-            <a:avLst/>
-          </a:prstGeom>
-        </p:spPr>
-      </p:pic>
-      <p:sp>
-        <p:nvSpPr>
-          <p:cNvPr id="5" name="Flowchart: Process 4">
-            <a:extLst>
-              <a:ext uri="{FF2B5EF4-FFF2-40B4-BE49-F238E27FC236}">
-                <a16:creationId xmlns:a16="http://schemas.microsoft.com/office/drawing/2014/main" id="{410A50AD-8230-E042-84B1-EEC4BCD4C785}"/>
-              </a:ext>
-            </a:extLst>
-          </p:cNvPr>
-          <p:cNvSpPr/>
-          <p:nvPr/>
-        </p:nvSpPr>
-        <p:spPr>
-          <a:xfrm>
-            <a:off x="7537101" y="4164353"/>
-            <a:ext cx="2043307" cy="138263"/>
-          </a:xfrm>
-          <a:prstGeom prst="flowChartProcess">
-            <a:avLst/>
-          </a:prstGeom>
-          <a:noFill/>
-          <a:ln>
-            <a:solidFill>
-              <a:srgbClr val="FF0000"/>
-            </a:solidFill>
-          </a:ln>
-        </p:spPr>
-        <p:style>
-          <a:lnRef idx="2">
-            <a:schemeClr val="accent1">
-              <a:shade val="50000"/>
-            </a:schemeClr>
-          </a:lnRef>
-          <a:fillRef idx="1">
-            <a:schemeClr val="accent1"/>
-          </a:fillRef>
-          <a:effectRef idx="0">
-            <a:schemeClr val="accent1"/>
-          </a:effectRef>
-          <a:fontRef idx="minor">
-            <a:schemeClr val="lt1"/>
-          </a:fontRef>
-        </p:style>
-        <p:txBody>
-          <a:bodyPr rtlCol="0" anchor="ctr"/>
-          <a:lstStyle/>
-          <a:p>
-            <a:pPr algn="ctr"/>
-            <a:endParaRPr lang="en-US"/>
-          </a:p>
-        </p:txBody>
-      </p:sp>
-      <p:sp>
-        <p:nvSpPr>
-          <p:cNvPr id="3" name="Oval 2">
-            <a:extLst>
-              <a:ext uri="{FF2B5EF4-FFF2-40B4-BE49-F238E27FC236}">
-                <a16:creationId xmlns:a16="http://schemas.microsoft.com/office/drawing/2014/main" id="{6ED0BD4C-0984-70F4-24FA-5D7FDA7B4CFD}"/>
-              </a:ext>
-            </a:extLst>
-          </p:cNvPr>
-          <p:cNvSpPr/>
-          <p:nvPr/>
-        </p:nvSpPr>
-        <p:spPr>
-          <a:xfrm>
-            <a:off x="1144913" y="4428564"/>
-            <a:ext cx="769546" cy="259976"/>
-          </a:xfrm>
-          <a:prstGeom prst="ellipse">
-            <a:avLst/>
-          </a:prstGeom>
-          <a:noFill/>
-          <a:ln>
-            <a:solidFill>
-              <a:srgbClr val="FF0000"/>
-            </a:solidFill>
-          </a:ln>
-        </p:spPr>
-        <p:style>
-          <a:lnRef idx="2">
-            <a:schemeClr val="dk1">
-              <a:shade val="50000"/>
-            </a:schemeClr>
-          </a:lnRef>
-          <a:fillRef idx="1">
-            <a:schemeClr val="dk1"/>
-          </a:fillRef>
-          <a:effectRef idx="0">
-            <a:schemeClr val="dk1"/>
-          </a:effectRef>
-          <a:fontRef idx="minor">
-            <a:schemeClr val="lt1"/>
-          </a:fontRef>
-        </p:style>
-        <p:txBody>
-          <a:bodyPr rtlCol="0" anchor="ctr"/>
-          <a:lstStyle/>
-          <a:p>
-            <a:pPr algn="ctr"/>
-            <a:endParaRPr lang="en-US"/>
-          </a:p>
-        </p:txBody>
-      </p:sp>
     </p:spTree>
     <p:extLst>
       <p:ext uri="{BB962C8B-B14F-4D97-AF65-F5344CB8AC3E}">
-        <p14:creationId xmlns:p14="http://schemas.microsoft.com/office/powerpoint/2010/main" val="3449313154"/>
+        <p14:creationId xmlns:p14="http://schemas.microsoft.com/office/powerpoint/2010/main" val="2904333431"/>
       </p:ext>
     </p:extLst>
   </p:cSld>
@@ -8879,8 +8828,8 @@
         </p:nvSpPr>
         <p:spPr>
           <a:xfrm>
-            <a:off x="1692067" y="615564"/>
-            <a:ext cx="8906691" cy="862858"/>
+            <a:off x="1685639" y="482076"/>
+            <a:ext cx="9821091" cy="1358069"/>
           </a:xfrm>
         </p:spPr>
         <p:txBody>
@@ -8897,138 +8846,59 @@
                   </a:schemeClr>
                 </a:solidFill>
               </a:rPr>
-              <a:t>7) Store program data in to file.</a:t>
-            </a:r>
-          </a:p>
-        </p:txBody>
-      </p:sp>
-      <p:sp>
-        <p:nvSpPr>
-          <p:cNvPr id="6" name="Content Placeholder 5">
+              <a:t>5) Find room from customer name.</a:t>
+            </a:r>
+            <a:br>
+              <a:rPr lang="en-US" sz="3200" b="1" dirty="0">
+                <a:solidFill>
+                  <a:schemeClr val="accent2">
+                    <a:lumMod val="50000"/>
+                  </a:schemeClr>
+                </a:solidFill>
+              </a:rPr>
+            </a:br>
+            <a:endParaRPr lang="en-US" sz="3200" b="1" i="1" dirty="0">
+              <a:solidFill>
+                <a:srgbClr val="00B050"/>
+              </a:solidFill>
+            </a:endParaRPr>
+          </a:p>
+        </p:txBody>
+      </p:sp>
+      <p:pic>
+        <p:nvPicPr>
+          <p:cNvPr id="11" name="Content Placeholder 10">
             <a:extLst>
               <a:ext uri="{FF2B5EF4-FFF2-40B4-BE49-F238E27FC236}">
-                <a16:creationId xmlns:a16="http://schemas.microsoft.com/office/drawing/2014/main" id="{5AFA0186-0FCD-4C24-B699-5027ACFCB981}"/>
-              </a:ext>
-            </a:extLst>
-          </p:cNvPr>
-          <p:cNvSpPr>
-            <a:spLocks noGrp="1"/>
-          </p:cNvSpPr>
-          <p:nvPr>
-            <p:ph idx="1"/>
-          </p:nvPr>
-        </p:nvSpPr>
-        <p:spPr>
-          <a:xfrm>
-            <a:off x="900372" y="1478422"/>
-            <a:ext cx="8915400" cy="3777622"/>
-          </a:xfrm>
-        </p:spPr>
-        <p:txBody>
-          <a:bodyPr/>
-          <a:lstStyle/>
-          <a:p>
-            <a:r>
-              <a:rPr lang="en-US" dirty="0"/>
-              <a:t>If we want all information save in a file.</a:t>
-            </a:r>
-          </a:p>
-          <a:p>
-            <a:r>
-              <a:rPr lang="en-US" dirty="0"/>
-              <a:t>1</a:t>
-            </a:r>
-            <a:r>
-              <a:rPr lang="en-US" baseline="30000" dirty="0"/>
-              <a:t>st</a:t>
-            </a:r>
-            <a:r>
-              <a:rPr lang="en-US" dirty="0"/>
-              <a:t> we create a empty file</a:t>
-            </a:r>
-          </a:p>
-          <a:p>
-            <a:endParaRPr lang="en-US" dirty="0"/>
-          </a:p>
-          <a:p>
-            <a:endParaRPr lang="en-US" dirty="0"/>
-          </a:p>
-          <a:p>
-            <a:endParaRPr lang="en-US" dirty="0"/>
-          </a:p>
-          <a:p>
-            <a:endParaRPr lang="en-US" dirty="0"/>
-          </a:p>
-          <a:p>
-            <a:endParaRPr lang="en-US" dirty="0"/>
-          </a:p>
-          <a:p>
-            <a:endParaRPr lang="en-US" dirty="0"/>
-          </a:p>
-          <a:p>
-            <a:endParaRPr lang="en-US" dirty="0"/>
-          </a:p>
-          <a:p>
-            <a:endParaRPr lang="en-US" dirty="0"/>
-          </a:p>
-          <a:p>
-            <a:endParaRPr lang="en-US" dirty="0"/>
-          </a:p>
-          <a:p>
-            <a:endParaRPr lang="en-US" dirty="0"/>
-          </a:p>
-          <a:p>
-            <a:endParaRPr lang="en-US" dirty="0"/>
-          </a:p>
-          <a:p>
-            <a:endParaRPr lang="en-US" dirty="0"/>
-          </a:p>
-          <a:p>
-            <a:endParaRPr lang="en-US" dirty="0"/>
-          </a:p>
-          <a:p>
-            <a:pPr marL="0" indent="0">
-              <a:buNone/>
-            </a:pPr>
-            <a:endParaRPr lang="en-US" dirty="0"/>
-          </a:p>
-        </p:txBody>
-      </p:sp>
-      <p:pic>
-        <p:nvPicPr>
-          <p:cNvPr id="8" name="Picture 7">
-            <a:extLst>
-              <a:ext uri="{FF2B5EF4-FFF2-40B4-BE49-F238E27FC236}">
-                <a16:creationId xmlns:a16="http://schemas.microsoft.com/office/drawing/2014/main" id="{154EC0F5-7E23-4FC4-8704-4416C2474B39}"/>
+                <a16:creationId xmlns:a16="http://schemas.microsoft.com/office/drawing/2014/main" id="{8C1E325A-B780-3C04-638B-84CD925AD17F}"/>
               </a:ext>
             </a:extLst>
           </p:cNvPr>
           <p:cNvPicPr>
-            <a:picLocks noChangeAspect="1"/>
+            <a:picLocks noGrp="1" noChangeAspect="1"/>
           </p:cNvPicPr>
-          <p:nvPr/>
+          <p:nvPr>
+            <p:ph idx="1"/>
+          </p:nvPr>
         </p:nvPicPr>
-        <p:blipFill rotWithShape="1">
+        <p:blipFill>
           <a:blip r:embed="rId2"/>
-          <a:srcRect t="126" b="-935"/>
+          <a:srcRect/>
           <a:stretch/>
         </p:blipFill>
         <p:spPr>
           <a:xfrm>
-            <a:off x="2245274" y="2414332"/>
-            <a:ext cx="3426253" cy="3426354"/>
-          </a:xfrm>
-          <a:prstGeom prst="rect">
-            <a:avLst/>
-          </a:prstGeom>
+            <a:off x="913975" y="1457001"/>
+            <a:ext cx="6569954" cy="4417605"/>
+          </a:xfrm>
         </p:spPr>
       </p:pic>
       <p:sp>
         <p:nvSpPr>
-          <p:cNvPr id="3" name="Speech Bubble: Oval 2">
+          <p:cNvPr id="12" name="Oval 11">
             <a:extLst>
               <a:ext uri="{FF2B5EF4-FFF2-40B4-BE49-F238E27FC236}">
-                <a16:creationId xmlns:a16="http://schemas.microsoft.com/office/drawing/2014/main" id="{625F56B4-80BB-7218-9929-EF7F5AC94CBF}"/>
+                <a16:creationId xmlns:a16="http://schemas.microsoft.com/office/drawing/2014/main" id="{7F7B0F52-7C1D-5837-09BA-16B230432902}"/>
               </a:ext>
             </a:extLst>
           </p:cNvPr>
@@ -9036,11 +8906,115 @@
           <p:nvPr/>
         </p:nvSpPr>
         <p:spPr>
-          <a:xfrm rot="16200000">
-            <a:off x="1491638" y="2482780"/>
-            <a:ext cx="759938" cy="398084"/>
-          </a:xfrm>
-          <a:prstGeom prst="wedgeEllipseCallout">
+          <a:xfrm>
+            <a:off x="860803" y="4014735"/>
+            <a:ext cx="488782" cy="173183"/>
+          </a:xfrm>
+          <a:prstGeom prst="ellipse">
+            <a:avLst/>
+          </a:prstGeom>
+          <a:noFill/>
+          <a:ln>
+            <a:solidFill>
+              <a:srgbClr val="FF0000"/>
+            </a:solidFill>
+          </a:ln>
+        </p:spPr>
+        <p:style>
+          <a:lnRef idx="2">
+            <a:schemeClr val="dk1">
+              <a:shade val="50000"/>
+            </a:schemeClr>
+          </a:lnRef>
+          <a:fillRef idx="1">
+            <a:schemeClr val="dk1"/>
+          </a:fillRef>
+          <a:effectRef idx="0">
+            <a:schemeClr val="dk1"/>
+          </a:effectRef>
+          <a:fontRef idx="minor">
+            <a:schemeClr val="lt1"/>
+          </a:fontRef>
+        </p:style>
+        <p:txBody>
+          <a:bodyPr rtlCol="0" anchor="ctr"/>
+          <a:lstStyle/>
+          <a:p>
+            <a:pPr algn="ctr"/>
+            <a:endParaRPr lang="en-US"/>
+          </a:p>
+        </p:txBody>
+      </p:sp>
+      <p:sp>
+        <p:nvSpPr>
+          <p:cNvPr id="13" name="Oval 12">
+            <a:extLst>
+              <a:ext uri="{FF2B5EF4-FFF2-40B4-BE49-F238E27FC236}">
+                <a16:creationId xmlns:a16="http://schemas.microsoft.com/office/drawing/2014/main" id="{CDD5AE00-C2BF-DF3C-A4FF-A949443E217B}"/>
+              </a:ext>
+            </a:extLst>
+          </p:cNvPr>
+          <p:cNvSpPr/>
+          <p:nvPr/>
+        </p:nvSpPr>
+        <p:spPr>
+          <a:xfrm>
+            <a:off x="959350" y="4397879"/>
+            <a:ext cx="769546" cy="184644"/>
+          </a:xfrm>
+          <a:prstGeom prst="ellipse">
+            <a:avLst/>
+          </a:prstGeom>
+          <a:noFill/>
+          <a:ln>
+            <a:solidFill>
+              <a:srgbClr val="FF0000"/>
+            </a:solidFill>
+          </a:ln>
+        </p:spPr>
+        <p:style>
+          <a:lnRef idx="2">
+            <a:schemeClr val="dk1">
+              <a:shade val="50000"/>
+            </a:schemeClr>
+          </a:lnRef>
+          <a:fillRef idx="1">
+            <a:schemeClr val="dk1"/>
+          </a:fillRef>
+          <a:effectRef idx="0">
+            <a:schemeClr val="dk1"/>
+          </a:effectRef>
+          <a:fontRef idx="minor">
+            <a:schemeClr val="lt1"/>
+          </a:fontRef>
+        </p:style>
+        <p:txBody>
+          <a:bodyPr rtlCol="0" anchor="ctr"/>
+          <a:lstStyle/>
+          <a:p>
+            <a:pPr algn="ctr"/>
+            <a:endParaRPr lang="en-US"/>
+          </a:p>
+        </p:txBody>
+      </p:sp>
+      <p:sp>
+        <p:nvSpPr>
+          <p:cNvPr id="14" name="Flowchart: Process 13">
+            <a:extLst>
+              <a:ext uri="{FF2B5EF4-FFF2-40B4-BE49-F238E27FC236}">
+                <a16:creationId xmlns:a16="http://schemas.microsoft.com/office/drawing/2014/main" id="{0019F8B5-47E1-859F-4DE4-5AE2D1F0AE0C}"/>
+              </a:ext>
+            </a:extLst>
+          </p:cNvPr>
+          <p:cNvSpPr/>
+          <p:nvPr/>
+        </p:nvSpPr>
+        <p:spPr>
+          <a:xfrm>
+            <a:off x="913975" y="4569196"/>
+            <a:ext cx="4006817" cy="184644"/>
+          </a:xfrm>
+          <a:prstGeom prst="flowChartProcess">
             <a:avLst/>
           </a:prstGeom>
           <a:noFill/>
@@ -9071,21 +9045,96 @@
           <a:lstStyle/>
           <a:p>
             <a:pPr algn="ctr"/>
-            <a:r>
-              <a:rPr lang="en-US" sz="800" b="1" dirty="0">
-                <a:solidFill>
-                  <a:schemeClr val="tx1"/>
-                </a:solidFill>
-              </a:rPr>
-              <a:t>File is empty</a:t>
-            </a:r>
+            <a:endParaRPr lang="en-US"/>
+          </a:p>
+        </p:txBody>
+      </p:sp>
+      <p:pic>
+        <p:nvPicPr>
+          <p:cNvPr id="4" name="Picture 3">
+            <a:extLst>
+              <a:ext uri="{FF2B5EF4-FFF2-40B4-BE49-F238E27FC236}">
+                <a16:creationId xmlns:a16="http://schemas.microsoft.com/office/drawing/2014/main" id="{612BE8A6-DEC4-EFCE-E596-3EC0F43C6B7E}"/>
+              </a:ext>
+            </a:extLst>
+          </p:cNvPr>
+          <p:cNvPicPr>
+            <a:picLocks noChangeAspect="1"/>
+          </p:cNvPicPr>
+          <p:nvPr/>
+        </p:nvPicPr>
+        <p:blipFill>
+          <a:blip r:embed="rId3"/>
+          <a:stretch>
+            <a:fillRect/>
+          </a:stretch>
+        </p:blipFill>
+        <p:spPr>
+          <a:xfrm>
+            <a:off x="7537101" y="1457001"/>
+            <a:ext cx="4510355" cy="4176428"/>
+          </a:xfrm>
+          <a:prstGeom prst="rect">
+            <a:avLst/>
+          </a:prstGeom>
+        </p:spPr>
+      </p:pic>
+      <p:sp>
+        <p:nvSpPr>
+          <p:cNvPr id="5" name="Flowchart: Process 4">
+            <a:extLst>
+              <a:ext uri="{FF2B5EF4-FFF2-40B4-BE49-F238E27FC236}">
+                <a16:creationId xmlns:a16="http://schemas.microsoft.com/office/drawing/2014/main" id="{410A50AD-8230-E042-84B1-EEC4BCD4C785}"/>
+              </a:ext>
+            </a:extLst>
+          </p:cNvPr>
+          <p:cNvSpPr/>
+          <p:nvPr/>
+        </p:nvSpPr>
+        <p:spPr>
+          <a:xfrm>
+            <a:off x="7529305" y="4397878"/>
+            <a:ext cx="2698778" cy="355961"/>
+          </a:xfrm>
+          <a:prstGeom prst="flowChartProcess">
+            <a:avLst/>
+          </a:prstGeom>
+          <a:noFill/>
+          <a:ln>
+            <a:solidFill>
+              <a:srgbClr val="FF0000"/>
+            </a:solidFill>
+          </a:ln>
+        </p:spPr>
+        <p:style>
+          <a:lnRef idx="2">
+            <a:schemeClr val="accent1">
+              <a:shade val="50000"/>
+            </a:schemeClr>
+          </a:lnRef>
+          <a:fillRef idx="1">
+            <a:schemeClr val="accent1"/>
+          </a:fillRef>
+          <a:effectRef idx="0">
+            <a:schemeClr val="accent1"/>
+          </a:effectRef>
+          <a:fontRef idx="minor">
+            <a:schemeClr val="lt1"/>
+          </a:fontRef>
+        </p:style>
+        <p:txBody>
+          <a:bodyPr rtlCol="0" anchor="ctr"/>
+          <a:lstStyle/>
+          <a:p>
+            <a:pPr algn="ctr"/>
+            <a:endParaRPr lang="en-US"/>
           </a:p>
         </p:txBody>
       </p:sp>
     </p:spTree>
     <p:extLst>
       <p:ext uri="{BB962C8B-B14F-4D97-AF65-F5344CB8AC3E}">
-        <p14:creationId xmlns:p14="http://schemas.microsoft.com/office/powerpoint/2010/main" val="3946121285"/>
+        <p14:creationId xmlns:p14="http://schemas.microsoft.com/office/powerpoint/2010/main" val="2358054689"/>
       </p:ext>
     </p:extLst>
   </p:cSld>
@@ -9126,95 +9175,68 @@
       </p:grpSpPr>
       <p:sp>
         <p:nvSpPr>
-          <p:cNvPr id="6" name="Content Placeholder 5">
-            <a:extLst>
-              <a:ext uri="{FF2B5EF4-FFF2-40B4-BE49-F238E27FC236}">
-                <a16:creationId xmlns:a16="http://schemas.microsoft.com/office/drawing/2014/main" id="{5AFA0186-0FCD-4C24-B699-5027ACFCB981}"/>
-              </a:ext>
-            </a:extLst>
-          </p:cNvPr>
+          <p:cNvPr id="2" name="Title 1"/>
           <p:cNvSpPr>
             <a:spLocks noGrp="1"/>
           </p:cNvSpPr>
           <p:nvPr>
-            <p:ph idx="1"/>
+            <p:ph type="title"/>
           </p:nvPr>
         </p:nvSpPr>
         <p:spPr>
           <a:xfrm>
-            <a:off x="900372" y="1478422"/>
-            <a:ext cx="8915400" cy="3777622"/>
-          </a:xfrm>
-        </p:spPr>
-        <p:txBody>
-          <a:bodyPr/>
-          <a:lstStyle/>
-          <a:p>
-            <a:r>
-              <a:rPr lang="en-US" dirty="0"/>
-              <a:t>Then we save all the information</a:t>
-            </a:r>
-          </a:p>
-          <a:p>
-            <a:endParaRPr lang="en-US" dirty="0"/>
-          </a:p>
-          <a:p>
-            <a:endParaRPr lang="en-US" dirty="0"/>
-          </a:p>
-          <a:p>
-            <a:endParaRPr lang="en-US" dirty="0"/>
-          </a:p>
-          <a:p>
-            <a:endParaRPr lang="en-US" dirty="0"/>
-          </a:p>
-          <a:p>
-            <a:endParaRPr lang="en-US" dirty="0"/>
-          </a:p>
-          <a:p>
-            <a:endParaRPr lang="en-US" dirty="0"/>
-          </a:p>
-          <a:p>
-            <a:endParaRPr lang="en-US" dirty="0"/>
-          </a:p>
-          <a:p>
-            <a:endParaRPr lang="en-US" dirty="0"/>
-          </a:p>
-          <a:p>
-            <a:endParaRPr lang="en-US" dirty="0"/>
-          </a:p>
-          <a:p>
-            <a:endParaRPr lang="en-US" dirty="0"/>
-          </a:p>
-          <a:p>
-            <a:endParaRPr lang="en-US" dirty="0"/>
-          </a:p>
-          <a:p>
-            <a:endParaRPr lang="en-US" dirty="0"/>
-          </a:p>
-          <a:p>
-            <a:endParaRPr lang="en-US" dirty="0"/>
-          </a:p>
-          <a:p>
-            <a:pPr marL="0" indent="0">
-              <a:buNone/>
-            </a:pPr>
-            <a:endParaRPr lang="en-US" dirty="0"/>
+            <a:off x="1685639" y="482076"/>
+            <a:ext cx="9821091" cy="1358069"/>
+          </a:xfrm>
+        </p:spPr>
+        <p:txBody>
+          <a:bodyPr>
+            <a:normAutofit/>
+          </a:bodyPr>
+          <a:lstStyle/>
+          <a:p>
+            <a:r>
+              <a:rPr lang="en-US" sz="3200" b="1" i="1" dirty="0">
+                <a:solidFill>
+                  <a:schemeClr val="accent2">
+                    <a:lumMod val="50000"/>
+                  </a:schemeClr>
+                </a:solidFill>
+              </a:rPr>
+              <a:t>6) Update customer name.</a:t>
+            </a:r>
+            <a:br>
+              <a:rPr lang="en-US" sz="3200" b="1" dirty="0">
+                <a:solidFill>
+                  <a:schemeClr val="accent2">
+                    <a:lumMod val="50000"/>
+                  </a:schemeClr>
+                </a:solidFill>
+              </a:rPr>
+            </a:br>
+            <a:endParaRPr lang="en-US" sz="3200" b="1" i="1" dirty="0">
+              <a:solidFill>
+                <a:srgbClr val="00B050"/>
+              </a:solidFill>
+            </a:endParaRPr>
           </a:p>
         </p:txBody>
       </p:sp>
       <p:pic>
         <p:nvPicPr>
-          <p:cNvPr id="5" name="Picture 4">
+          <p:cNvPr id="11" name="Content Placeholder 10">
             <a:extLst>
               <a:ext uri="{FF2B5EF4-FFF2-40B4-BE49-F238E27FC236}">
-                <a16:creationId xmlns:a16="http://schemas.microsoft.com/office/drawing/2014/main" id="{74BF5910-71F7-D330-D74B-C6A53D29B194}"/>
+                <a16:creationId xmlns:a16="http://schemas.microsoft.com/office/drawing/2014/main" id="{8C1E325A-B780-3C04-638B-84CD925AD17F}"/>
               </a:ext>
             </a:extLst>
           </p:cNvPr>
           <p:cNvPicPr>
-            <a:picLocks noChangeAspect="1"/>
+            <a:picLocks noGrp="1" noChangeAspect="1"/>
           </p:cNvPicPr>
-          <p:nvPr/>
+          <p:nvPr>
+            <p:ph idx="1"/>
+          </p:nvPr>
         </p:nvPicPr>
         <p:blipFill>
           <a:blip r:embed="rId2"/>
@@ -9223,20 +9245,17 @@
         </p:blipFill>
         <p:spPr>
           <a:xfrm>
-            <a:off x="1817997" y="2215299"/>
-            <a:ext cx="6134283" cy="3593941"/>
-          </a:xfrm>
-          <a:prstGeom prst="rect">
-            <a:avLst/>
-          </a:prstGeom>
+            <a:off x="1144913" y="1457001"/>
+            <a:ext cx="6202890" cy="4417605"/>
+          </a:xfrm>
         </p:spPr>
       </p:pic>
       <p:sp>
         <p:nvSpPr>
-          <p:cNvPr id="7" name="Oval 6">
+          <p:cNvPr id="12" name="Oval 11">
             <a:extLst>
               <a:ext uri="{FF2B5EF4-FFF2-40B4-BE49-F238E27FC236}">
-                <a16:creationId xmlns:a16="http://schemas.microsoft.com/office/drawing/2014/main" id="{F2EADC0D-64EC-F431-8832-CACB8892A455}"/>
+                <a16:creationId xmlns:a16="http://schemas.microsoft.com/office/drawing/2014/main" id="{7F7B0F52-7C1D-5837-09BA-16B230432902}"/>
               </a:ext>
             </a:extLst>
           </p:cNvPr>
@@ -9245,8 +9264,8 @@
         </p:nvSpPr>
         <p:spPr>
           <a:xfrm>
-            <a:off x="1743458" y="4542681"/>
-            <a:ext cx="488782" cy="173183"/>
+            <a:off x="1097507" y="3720353"/>
+            <a:ext cx="453387" cy="259976"/>
           </a:xfrm>
           <a:prstGeom prst="ellipse">
             <a:avLst/>
@@ -9285,10 +9304,10 @@
       </p:sp>
       <p:sp>
         <p:nvSpPr>
-          <p:cNvPr id="9" name="Flowchart: Process 8">
+          <p:cNvPr id="13" name="Oval 12">
             <a:extLst>
               <a:ext uri="{FF2B5EF4-FFF2-40B4-BE49-F238E27FC236}">
-                <a16:creationId xmlns:a16="http://schemas.microsoft.com/office/drawing/2014/main" id="{746EAA79-B18C-77A9-C52A-19773D4A01B0}"/>
+                <a16:creationId xmlns:a16="http://schemas.microsoft.com/office/drawing/2014/main" id="{CDD5AE00-C2BF-DF3C-A4FF-A949443E217B}"/>
               </a:ext>
             </a:extLst>
           </p:cNvPr>
@@ -9297,8 +9316,60 @@
         </p:nvSpPr>
         <p:spPr>
           <a:xfrm>
-            <a:off x="1743458" y="4715864"/>
-            <a:ext cx="2244080" cy="173183"/>
+            <a:off x="1166121" y="4103497"/>
+            <a:ext cx="769546" cy="259976"/>
+          </a:xfrm>
+          <a:prstGeom prst="ellipse">
+            <a:avLst/>
+          </a:prstGeom>
+          <a:noFill/>
+          <a:ln>
+            <a:solidFill>
+              <a:srgbClr val="FF0000"/>
+            </a:solidFill>
+          </a:ln>
+        </p:spPr>
+        <p:style>
+          <a:lnRef idx="2">
+            <a:schemeClr val="dk1">
+              <a:shade val="50000"/>
+            </a:schemeClr>
+          </a:lnRef>
+          <a:fillRef idx="1">
+            <a:schemeClr val="dk1"/>
+          </a:fillRef>
+          <a:effectRef idx="0">
+            <a:schemeClr val="dk1"/>
+          </a:effectRef>
+          <a:fontRef idx="minor">
+            <a:schemeClr val="lt1"/>
+          </a:fontRef>
+        </p:style>
+        <p:txBody>
+          <a:bodyPr rtlCol="0" anchor="ctr"/>
+          <a:lstStyle/>
+          <a:p>
+            <a:pPr algn="ctr"/>
+            <a:endParaRPr lang="en-US"/>
+          </a:p>
+        </p:txBody>
+      </p:sp>
+      <p:sp>
+        <p:nvSpPr>
+          <p:cNvPr id="14" name="Flowchart: Process 13">
+            <a:extLst>
+              <a:ext uri="{FF2B5EF4-FFF2-40B4-BE49-F238E27FC236}">
+                <a16:creationId xmlns:a16="http://schemas.microsoft.com/office/drawing/2014/main" id="{0019F8B5-47E1-859F-4DE4-5AE2D1F0AE0C}"/>
+              </a:ext>
+            </a:extLst>
+          </p:cNvPr>
+          <p:cNvSpPr/>
+          <p:nvPr/>
+        </p:nvSpPr>
+        <p:spPr>
+          <a:xfrm>
+            <a:off x="1166121" y="4688540"/>
+            <a:ext cx="1935667" cy="152401"/>
           </a:xfrm>
           <a:prstGeom prst="flowChartProcess">
             <a:avLst/>
@@ -9335,10 +9406,143 @@
           </a:p>
         </p:txBody>
       </p:sp>
+      <p:pic>
+        <p:nvPicPr>
+          <p:cNvPr id="4" name="Picture 3">
+            <a:extLst>
+              <a:ext uri="{FF2B5EF4-FFF2-40B4-BE49-F238E27FC236}">
+                <a16:creationId xmlns:a16="http://schemas.microsoft.com/office/drawing/2014/main" id="{612BE8A6-DEC4-EFCE-E596-3EC0F43C6B7E}"/>
+              </a:ext>
+            </a:extLst>
+          </p:cNvPr>
+          <p:cNvPicPr>
+            <a:picLocks noChangeAspect="1"/>
+          </p:cNvPicPr>
+          <p:nvPr/>
+        </p:nvPicPr>
+        <p:blipFill>
+          <a:blip r:embed="rId3"/>
+          <a:srcRect/>
+          <a:stretch/>
+        </p:blipFill>
+        <p:spPr>
+          <a:xfrm>
+            <a:off x="7537101" y="2032095"/>
+            <a:ext cx="4510355" cy="3026240"/>
+          </a:xfrm>
+          <a:prstGeom prst="rect">
+            <a:avLst/>
+          </a:prstGeom>
+        </p:spPr>
+      </p:pic>
+      <p:sp>
+        <p:nvSpPr>
+          <p:cNvPr id="5" name="Flowchart: Process 4">
+            <a:extLst>
+              <a:ext uri="{FF2B5EF4-FFF2-40B4-BE49-F238E27FC236}">
+                <a16:creationId xmlns:a16="http://schemas.microsoft.com/office/drawing/2014/main" id="{410A50AD-8230-E042-84B1-EEC4BCD4C785}"/>
+              </a:ext>
+            </a:extLst>
+          </p:cNvPr>
+          <p:cNvSpPr/>
+          <p:nvPr/>
+        </p:nvSpPr>
+        <p:spPr>
+          <a:xfrm>
+            <a:off x="7537101" y="4164353"/>
+            <a:ext cx="2043307" cy="138263"/>
+          </a:xfrm>
+          <a:prstGeom prst="flowChartProcess">
+            <a:avLst/>
+          </a:prstGeom>
+          <a:noFill/>
+          <a:ln>
+            <a:solidFill>
+              <a:srgbClr val="FF0000"/>
+            </a:solidFill>
+          </a:ln>
+        </p:spPr>
+        <p:style>
+          <a:lnRef idx="2">
+            <a:schemeClr val="accent1">
+              <a:shade val="50000"/>
+            </a:schemeClr>
+          </a:lnRef>
+          <a:fillRef idx="1">
+            <a:schemeClr val="accent1"/>
+          </a:fillRef>
+          <a:effectRef idx="0">
+            <a:schemeClr val="accent1"/>
+          </a:effectRef>
+          <a:fontRef idx="minor">
+            <a:schemeClr val="lt1"/>
+          </a:fontRef>
+        </p:style>
+        <p:txBody>
+          <a:bodyPr rtlCol="0" anchor="ctr"/>
+          <a:lstStyle/>
+          <a:p>
+            <a:pPr algn="ctr"/>
+            <a:endParaRPr lang="en-US"/>
+          </a:p>
+        </p:txBody>
+      </p:sp>
+      <p:sp>
+        <p:nvSpPr>
+          <p:cNvPr id="3" name="Oval 2">
+            <a:extLst>
+              <a:ext uri="{FF2B5EF4-FFF2-40B4-BE49-F238E27FC236}">
+                <a16:creationId xmlns:a16="http://schemas.microsoft.com/office/drawing/2014/main" id="{6ED0BD4C-0984-70F4-24FA-5D7FDA7B4CFD}"/>
+              </a:ext>
+            </a:extLst>
+          </p:cNvPr>
+          <p:cNvSpPr/>
+          <p:nvPr/>
+        </p:nvSpPr>
+        <p:spPr>
+          <a:xfrm>
+            <a:off x="1144913" y="4428564"/>
+            <a:ext cx="769546" cy="259976"/>
+          </a:xfrm>
+          <a:prstGeom prst="ellipse">
+            <a:avLst/>
+          </a:prstGeom>
+          <a:noFill/>
+          <a:ln>
+            <a:solidFill>
+              <a:srgbClr val="FF0000"/>
+            </a:solidFill>
+          </a:ln>
+        </p:spPr>
+        <p:style>
+          <a:lnRef idx="2">
+            <a:schemeClr val="dk1">
+              <a:shade val="50000"/>
+            </a:schemeClr>
+          </a:lnRef>
+          <a:fillRef idx="1">
+            <a:schemeClr val="dk1"/>
+          </a:fillRef>
+          <a:effectRef idx="0">
+            <a:schemeClr val="dk1"/>
+          </a:effectRef>
+          <a:fontRef idx="minor">
+            <a:schemeClr val="lt1"/>
+          </a:fontRef>
+        </p:style>
+        <p:txBody>
+          <a:bodyPr rtlCol="0" anchor="ctr"/>
+          <a:lstStyle/>
+          <a:p>
+            <a:pPr algn="ctr"/>
+            <a:endParaRPr lang="en-US"/>
+          </a:p>
+        </p:txBody>
+      </p:sp>
     </p:spTree>
     <p:extLst>
       <p:ext uri="{BB962C8B-B14F-4D97-AF65-F5344CB8AC3E}">
-        <p14:creationId xmlns:p14="http://schemas.microsoft.com/office/powerpoint/2010/main" val="2318417587"/>
+        <p14:creationId xmlns:p14="http://schemas.microsoft.com/office/powerpoint/2010/main" val="3449313154"/>
       </p:ext>
     </p:extLst>
   </p:cSld>
@@ -9379,6 +9583,41 @@
       </p:grpSpPr>
       <p:sp>
         <p:nvSpPr>
+          <p:cNvPr id="2" name="Title 1"/>
+          <p:cNvSpPr>
+            <a:spLocks noGrp="1"/>
+          </p:cNvSpPr>
+          <p:nvPr>
+            <p:ph type="title"/>
+          </p:nvPr>
+        </p:nvSpPr>
+        <p:spPr>
+          <a:xfrm>
+            <a:off x="1692067" y="615564"/>
+            <a:ext cx="8906691" cy="862858"/>
+          </a:xfrm>
+        </p:spPr>
+        <p:txBody>
+          <a:bodyPr>
+            <a:normAutofit/>
+          </a:bodyPr>
+          <a:lstStyle/>
+          <a:p>
+            <a:r>
+              <a:rPr lang="en-US" sz="3200" b="1" i="1" dirty="0">
+                <a:solidFill>
+                  <a:schemeClr val="accent2">
+                    <a:lumMod val="50000"/>
+                  </a:schemeClr>
+                </a:solidFill>
+              </a:rPr>
+              <a:t>7) Store program data in to file.</a:t>
+            </a:r>
+          </a:p>
+        </p:txBody>
+      </p:sp>
+      <p:sp>
+        <p:nvSpPr>
           <p:cNvPr id="6" name="Content Placeholder 5">
             <a:extLst>
               <a:ext uri="{FF2B5EF4-FFF2-40B4-BE49-F238E27FC236}">
@@ -9405,8 +9644,61 @@
           <a:p>
             <a:r>
               <a:rPr lang="en-US" dirty="0"/>
-              <a:t>Then we see all the information save  on a File.</a:t>
-            </a:r>
+              <a:t>If we want all information save in a file.</a:t>
+            </a:r>
+          </a:p>
+          <a:p>
+            <a:r>
+              <a:rPr lang="en-US" dirty="0"/>
+              <a:t>1</a:t>
+            </a:r>
+            <a:r>
+              <a:rPr lang="en-US" baseline="30000" dirty="0"/>
+              <a:t>st</a:t>
+            </a:r>
+            <a:r>
+              <a:rPr lang="en-US" dirty="0"/>
+              <a:t> we create a empty file</a:t>
+            </a:r>
+          </a:p>
+          <a:p>
+            <a:endParaRPr lang="en-US" dirty="0"/>
+          </a:p>
+          <a:p>
+            <a:endParaRPr lang="en-US" dirty="0"/>
+          </a:p>
+          <a:p>
+            <a:endParaRPr lang="en-US" dirty="0"/>
+          </a:p>
+          <a:p>
+            <a:endParaRPr lang="en-US" dirty="0"/>
+          </a:p>
+          <a:p>
+            <a:endParaRPr lang="en-US" dirty="0"/>
+          </a:p>
+          <a:p>
+            <a:endParaRPr lang="en-US" dirty="0"/>
+          </a:p>
+          <a:p>
+            <a:endParaRPr lang="en-US" dirty="0"/>
+          </a:p>
+          <a:p>
+            <a:endParaRPr lang="en-US" dirty="0"/>
+          </a:p>
+          <a:p>
+            <a:endParaRPr lang="en-US" dirty="0"/>
+          </a:p>
+          <a:p>
+            <a:endParaRPr lang="en-US" dirty="0"/>
+          </a:p>
+          <a:p>
+            <a:endParaRPr lang="en-US" dirty="0"/>
+          </a:p>
+          <a:p>
+            <a:endParaRPr lang="en-US" dirty="0"/>
+          </a:p>
+          <a:p>
+            <a:endParaRPr lang="en-US" dirty="0"/>
           </a:p>
           <a:p>
             <a:pPr marL="0" indent="0">
@@ -9414,59 +9706,14 @@
             </a:pPr>
             <a:endParaRPr lang="en-US" dirty="0"/>
           </a:p>
-          <a:p>
-            <a:endParaRPr lang="en-US" dirty="0"/>
-          </a:p>
-          <a:p>
-            <a:pPr marL="0" indent="0">
-              <a:buNone/>
-            </a:pPr>
-            <a:endParaRPr lang="en-US" dirty="0"/>
-          </a:p>
-          <a:p>
-            <a:endParaRPr lang="en-US" dirty="0"/>
-          </a:p>
-          <a:p>
-            <a:endParaRPr lang="en-US" dirty="0"/>
-          </a:p>
-          <a:p>
-            <a:endParaRPr lang="en-US" dirty="0"/>
-          </a:p>
-          <a:p>
-            <a:endParaRPr lang="en-US" dirty="0"/>
-          </a:p>
-          <a:p>
-            <a:endParaRPr lang="en-US" dirty="0"/>
-          </a:p>
-          <a:p>
-            <a:endParaRPr lang="en-US" dirty="0"/>
-          </a:p>
-          <a:p>
-            <a:endParaRPr lang="en-US" dirty="0"/>
-          </a:p>
-          <a:p>
-            <a:endParaRPr lang="en-US" dirty="0"/>
-          </a:p>
-          <a:p>
-            <a:endParaRPr lang="en-US" dirty="0"/>
-          </a:p>
-          <a:p>
-            <a:endParaRPr lang="en-US" dirty="0"/>
-          </a:p>
-          <a:p>
-            <a:pPr marL="0" indent="0">
-              <a:buNone/>
-            </a:pPr>
-            <a:endParaRPr lang="en-US" dirty="0"/>
-          </a:p>
         </p:txBody>
       </p:sp>
       <p:pic>
         <p:nvPicPr>
-          <p:cNvPr id="3" name="Picture 2">
+          <p:cNvPr id="8" name="Picture 7">
             <a:extLst>
               <a:ext uri="{FF2B5EF4-FFF2-40B4-BE49-F238E27FC236}">
-                <a16:creationId xmlns:a16="http://schemas.microsoft.com/office/drawing/2014/main" id="{993EC579-7051-3883-4393-72ED40FFBBEE}"/>
+                <a16:creationId xmlns:a16="http://schemas.microsoft.com/office/drawing/2014/main" id="{154EC0F5-7E23-4FC4-8704-4416C2474B39}"/>
               </a:ext>
             </a:extLst>
           </p:cNvPr>
@@ -9475,25 +9722,84 @@
           </p:cNvPicPr>
           <p:nvPr/>
         </p:nvPicPr>
-        <p:blipFill>
+        <p:blipFill rotWithShape="1">
           <a:blip r:embed="rId2"/>
-          <a:srcRect/>
+          <a:srcRect t="126" b="-935"/>
           <a:stretch/>
         </p:blipFill>
         <p:spPr>
           <a:xfrm>
-            <a:off x="3402561" y="2011680"/>
-            <a:ext cx="3951093" cy="4467430"/>
+            <a:off x="2245274" y="2414332"/>
+            <a:ext cx="3426253" cy="3426354"/>
           </a:xfrm>
           <a:prstGeom prst="rect">
             <a:avLst/>
           </a:prstGeom>
         </p:spPr>
       </p:pic>
+      <p:sp>
+        <p:nvSpPr>
+          <p:cNvPr id="3" name="Speech Bubble: Oval 2">
+            <a:extLst>
+              <a:ext uri="{FF2B5EF4-FFF2-40B4-BE49-F238E27FC236}">
+                <a16:creationId xmlns:a16="http://schemas.microsoft.com/office/drawing/2014/main" id="{625F56B4-80BB-7218-9929-EF7F5AC94CBF}"/>
+              </a:ext>
+            </a:extLst>
+          </p:cNvPr>
+          <p:cNvSpPr/>
+          <p:nvPr/>
+        </p:nvSpPr>
+        <p:spPr>
+          <a:xfrm rot="16200000">
+            <a:off x="1491638" y="2482780"/>
+            <a:ext cx="759938" cy="398084"/>
+          </a:xfrm>
+          <a:prstGeom prst="wedgeEllipseCallout">
+            <a:avLst/>
+          </a:prstGeom>
+          <a:noFill/>
+          <a:ln>
+            <a:solidFill>
+              <a:srgbClr val="FF0000"/>
+            </a:solidFill>
+          </a:ln>
+        </p:spPr>
+        <p:style>
+          <a:lnRef idx="2">
+            <a:schemeClr val="accent1">
+              <a:shade val="50000"/>
+            </a:schemeClr>
+          </a:lnRef>
+          <a:fillRef idx="1">
+            <a:schemeClr val="accent1"/>
+          </a:fillRef>
+          <a:effectRef idx="0">
+            <a:schemeClr val="accent1"/>
+          </a:effectRef>
+          <a:fontRef idx="minor">
+            <a:schemeClr val="lt1"/>
+          </a:fontRef>
+        </p:style>
+        <p:txBody>
+          <a:bodyPr rtlCol="0" anchor="ctr"/>
+          <a:lstStyle/>
+          <a:p>
+            <a:pPr algn="ctr"/>
+            <a:r>
+              <a:rPr lang="en-US" sz="800" b="1" dirty="0">
+                <a:solidFill>
+                  <a:schemeClr val="tx1"/>
+                </a:solidFill>
+              </a:rPr>
+              <a:t>File is empty</a:t>
+            </a:r>
+          </a:p>
+        </p:txBody>
+      </p:sp>
     </p:spTree>
     <p:extLst>
       <p:ext uri="{BB962C8B-B14F-4D97-AF65-F5344CB8AC3E}">
-        <p14:creationId xmlns:p14="http://schemas.microsoft.com/office/powerpoint/2010/main" val="1992046669"/>
+        <p14:creationId xmlns:p14="http://schemas.microsoft.com/office/powerpoint/2010/main" val="3946121285"/>
       </p:ext>
     </p:extLst>
   </p:cSld>
@@ -9534,41 +9840,6 @@
       </p:grpSpPr>
       <p:sp>
         <p:nvSpPr>
-          <p:cNvPr id="2" name="Title 1"/>
-          <p:cNvSpPr>
-            <a:spLocks noGrp="1"/>
-          </p:cNvSpPr>
-          <p:nvPr>
-            <p:ph type="title"/>
-          </p:nvPr>
-        </p:nvSpPr>
-        <p:spPr>
-          <a:xfrm>
-            <a:off x="1692067" y="615564"/>
-            <a:ext cx="8906691" cy="862858"/>
-          </a:xfrm>
-        </p:spPr>
-        <p:txBody>
-          <a:bodyPr>
-            <a:normAutofit/>
-          </a:bodyPr>
-          <a:lstStyle/>
-          <a:p>
-            <a:r>
-              <a:rPr lang="en-US" sz="3200" b="1" i="1" dirty="0">
-                <a:solidFill>
-                  <a:schemeClr val="accent2">
-                    <a:lumMod val="50000"/>
-                  </a:schemeClr>
-                </a:solidFill>
-              </a:rPr>
-              <a:t>8) Load program data from file.</a:t>
-            </a:r>
-          </a:p>
-        </p:txBody>
-      </p:sp>
-      <p:sp>
-        <p:nvSpPr>
           <p:cNvPr id="6" name="Content Placeholder 5">
             <a:extLst>
               <a:ext uri="{FF2B5EF4-FFF2-40B4-BE49-F238E27FC236}">
@@ -9595,27 +9866,7 @@
           <a:p>
             <a:r>
               <a:rPr lang="en-US" dirty="0"/>
-              <a:t>If we want input from the file.</a:t>
-            </a:r>
-          </a:p>
-          <a:p>
-            <a:r>
-              <a:rPr lang="en-US" dirty="0"/>
-              <a:t>1</a:t>
-            </a:r>
-            <a:r>
-              <a:rPr lang="en-US" baseline="30000" dirty="0"/>
-              <a:t>st</a:t>
-            </a:r>
-            <a:r>
-              <a:rPr lang="en-US" dirty="0"/>
-              <a:t> we create a empty file.</a:t>
-            </a:r>
-          </a:p>
-          <a:p>
-            <a:r>
-              <a:rPr lang="en-US" dirty="0"/>
-              <a:t>Then give  some input.</a:t>
+              <a:t>Then we save all the information</a:t>
             </a:r>
           </a:p>
           <a:p>
@@ -9667,10 +9918,10 @@
       </p:sp>
       <p:pic>
         <p:nvPicPr>
-          <p:cNvPr id="8" name="Picture 7">
+          <p:cNvPr id="5" name="Picture 4">
             <a:extLst>
               <a:ext uri="{FF2B5EF4-FFF2-40B4-BE49-F238E27FC236}">
-                <a16:creationId xmlns:a16="http://schemas.microsoft.com/office/drawing/2014/main" id="{154EC0F5-7E23-4FC4-8704-4416C2474B39}"/>
+                <a16:creationId xmlns:a16="http://schemas.microsoft.com/office/drawing/2014/main" id="{74BF5910-71F7-D330-D74B-C6A53D29B194}"/>
               </a:ext>
             </a:extLst>
           </p:cNvPr>
@@ -9681,23 +9932,127 @@
         </p:nvPicPr>
         <p:blipFill>
           <a:blip r:embed="rId2"/>
-          <a:srcRect t="1146" b="1146"/>
+          <a:srcRect/>
           <a:stretch/>
         </p:blipFill>
         <p:spPr>
           <a:xfrm>
-            <a:off x="2792415" y="2692548"/>
-            <a:ext cx="3426253" cy="3426354"/>
+            <a:off x="1817997" y="2215299"/>
+            <a:ext cx="6134283" cy="3593941"/>
           </a:xfrm>
           <a:prstGeom prst="rect">
             <a:avLst/>
           </a:prstGeom>
         </p:spPr>
       </p:pic>
+      <p:sp>
+        <p:nvSpPr>
+          <p:cNvPr id="7" name="Oval 6">
+            <a:extLst>
+              <a:ext uri="{FF2B5EF4-FFF2-40B4-BE49-F238E27FC236}">
+                <a16:creationId xmlns:a16="http://schemas.microsoft.com/office/drawing/2014/main" id="{F2EADC0D-64EC-F431-8832-CACB8892A455}"/>
+              </a:ext>
+            </a:extLst>
+          </p:cNvPr>
+          <p:cNvSpPr/>
+          <p:nvPr/>
+        </p:nvSpPr>
+        <p:spPr>
+          <a:xfrm>
+            <a:off x="1743458" y="4542681"/>
+            <a:ext cx="488782" cy="173183"/>
+          </a:xfrm>
+          <a:prstGeom prst="ellipse">
+            <a:avLst/>
+          </a:prstGeom>
+          <a:noFill/>
+          <a:ln>
+            <a:solidFill>
+              <a:srgbClr val="FF0000"/>
+            </a:solidFill>
+          </a:ln>
+        </p:spPr>
+        <p:style>
+          <a:lnRef idx="2">
+            <a:schemeClr val="dk1">
+              <a:shade val="50000"/>
+            </a:schemeClr>
+          </a:lnRef>
+          <a:fillRef idx="1">
+            <a:schemeClr val="dk1"/>
+          </a:fillRef>
+          <a:effectRef idx="0">
+            <a:schemeClr val="dk1"/>
+          </a:effectRef>
+          <a:fontRef idx="minor">
+            <a:schemeClr val="lt1"/>
+          </a:fontRef>
+        </p:style>
+        <p:txBody>
+          <a:bodyPr rtlCol="0" anchor="ctr"/>
+          <a:lstStyle/>
+          <a:p>
+            <a:pPr algn="ctr"/>
+            <a:endParaRPr lang="en-US"/>
+          </a:p>
+        </p:txBody>
+      </p:sp>
+      <p:sp>
+        <p:nvSpPr>
+          <p:cNvPr id="9" name="Flowchart: Process 8">
+            <a:extLst>
+              <a:ext uri="{FF2B5EF4-FFF2-40B4-BE49-F238E27FC236}">
+                <a16:creationId xmlns:a16="http://schemas.microsoft.com/office/drawing/2014/main" id="{746EAA79-B18C-77A9-C52A-19773D4A01B0}"/>
+              </a:ext>
+            </a:extLst>
+          </p:cNvPr>
+          <p:cNvSpPr/>
+          <p:nvPr/>
+        </p:nvSpPr>
+        <p:spPr>
+          <a:xfrm>
+            <a:off x="1743458" y="4715864"/>
+            <a:ext cx="2244080" cy="173183"/>
+          </a:xfrm>
+          <a:prstGeom prst="flowChartProcess">
+            <a:avLst/>
+          </a:prstGeom>
+          <a:noFill/>
+          <a:ln>
+            <a:solidFill>
+              <a:srgbClr val="FF0000"/>
+            </a:solidFill>
+          </a:ln>
+        </p:spPr>
+        <p:style>
+          <a:lnRef idx="2">
+            <a:schemeClr val="accent1">
+              <a:shade val="50000"/>
+            </a:schemeClr>
+          </a:lnRef>
+          <a:fillRef idx="1">
+            <a:schemeClr val="accent1"/>
+          </a:fillRef>
+          <a:effectRef idx="0">
+            <a:schemeClr val="accent1"/>
+          </a:effectRef>
+          <a:fontRef idx="minor">
+            <a:schemeClr val="lt1"/>
+          </a:fontRef>
+        </p:style>
+        <p:txBody>
+          <a:bodyPr rtlCol="0" anchor="ctr"/>
+          <a:lstStyle/>
+          <a:p>
+            <a:pPr algn="ctr"/>
+            <a:endParaRPr lang="en-US"/>
+          </a:p>
+        </p:txBody>
+      </p:sp>
     </p:spTree>
     <p:extLst>
       <p:ext uri="{BB962C8B-B14F-4D97-AF65-F5344CB8AC3E}">
-        <p14:creationId xmlns:p14="http://schemas.microsoft.com/office/powerpoint/2010/main" val="225308596"/>
+        <p14:creationId xmlns:p14="http://schemas.microsoft.com/office/powerpoint/2010/main" val="2318417587"/>
       </p:ext>
     </p:extLst>
   </p:cSld>
@@ -9764,8 +10119,17 @@
           <a:p>
             <a:r>
               <a:rPr lang="en-US" dirty="0"/>
-              <a:t>Then we input the data from the file</a:t>
-            </a:r>
+              <a:t>Then we see all the information save  on a File.</a:t>
+            </a:r>
+          </a:p>
+          <a:p>
+            <a:pPr marL="0" indent="0">
+              <a:buNone/>
+            </a:pPr>
+            <a:endParaRPr lang="en-US" dirty="0"/>
+          </a:p>
+          <a:p>
+            <a:endParaRPr lang="en-US" dirty="0"/>
           </a:p>
           <a:p>
             <a:pPr marL="0" indent="0">
@@ -9832,122 +10196,18 @@
         </p:blipFill>
         <p:spPr>
           <a:xfrm>
-            <a:off x="2584898" y="2073743"/>
-            <a:ext cx="5304749" cy="3319045"/>
+            <a:off x="3402561" y="2011680"/>
+            <a:ext cx="3951093" cy="4467430"/>
           </a:xfrm>
           <a:prstGeom prst="rect">
             <a:avLst/>
           </a:prstGeom>
         </p:spPr>
       </p:pic>
-      <p:sp>
-        <p:nvSpPr>
-          <p:cNvPr id="2" name="Oval 1">
-            <a:extLst>
-              <a:ext uri="{FF2B5EF4-FFF2-40B4-BE49-F238E27FC236}">
-                <a16:creationId xmlns:a16="http://schemas.microsoft.com/office/drawing/2014/main" id="{F1CD3555-1C31-210A-FBF9-F29193AD2147}"/>
-              </a:ext>
-            </a:extLst>
-          </p:cNvPr>
-          <p:cNvSpPr/>
-          <p:nvPr/>
-        </p:nvSpPr>
-        <p:spPr>
-          <a:xfrm>
-            <a:off x="2513617" y="4067973"/>
-            <a:ext cx="488782" cy="173183"/>
-          </a:xfrm>
-          <a:prstGeom prst="ellipse">
-            <a:avLst/>
-          </a:prstGeom>
-          <a:noFill/>
-          <a:ln>
-            <a:solidFill>
-              <a:srgbClr val="FF0000"/>
-            </a:solidFill>
-          </a:ln>
-        </p:spPr>
-        <p:style>
-          <a:lnRef idx="2">
-            <a:schemeClr val="dk1">
-              <a:shade val="50000"/>
-            </a:schemeClr>
-          </a:lnRef>
-          <a:fillRef idx="1">
-            <a:schemeClr val="dk1"/>
-          </a:fillRef>
-          <a:effectRef idx="0">
-            <a:schemeClr val="dk1"/>
-          </a:effectRef>
-          <a:fontRef idx="minor">
-            <a:schemeClr val="lt1"/>
-          </a:fontRef>
-        </p:style>
-        <p:txBody>
-          <a:bodyPr rtlCol="0" anchor="ctr"/>
-          <a:lstStyle/>
-          <a:p>
-            <a:pPr algn="ctr"/>
-            <a:endParaRPr lang="en-US"/>
-          </a:p>
-        </p:txBody>
-      </p:sp>
-      <p:sp>
-        <p:nvSpPr>
-          <p:cNvPr id="4" name="Flowchart: Process 3">
-            <a:extLst>
-              <a:ext uri="{FF2B5EF4-FFF2-40B4-BE49-F238E27FC236}">
-                <a16:creationId xmlns:a16="http://schemas.microsoft.com/office/drawing/2014/main" id="{0E4F6AF9-76F4-2B9F-9CBB-879C2489C0A3}"/>
-              </a:ext>
-            </a:extLst>
-          </p:cNvPr>
-          <p:cNvSpPr/>
-          <p:nvPr/>
-        </p:nvSpPr>
-        <p:spPr>
-          <a:xfrm>
-            <a:off x="2584898" y="4248262"/>
-            <a:ext cx="1682302" cy="173183"/>
-          </a:xfrm>
-          <a:prstGeom prst="flowChartProcess">
-            <a:avLst/>
-          </a:prstGeom>
-          <a:noFill/>
-          <a:ln>
-            <a:solidFill>
-              <a:srgbClr val="FF0000"/>
-            </a:solidFill>
-          </a:ln>
-        </p:spPr>
-        <p:style>
-          <a:lnRef idx="2">
-            <a:schemeClr val="accent1">
-              <a:shade val="50000"/>
-            </a:schemeClr>
-          </a:lnRef>
-          <a:fillRef idx="1">
-            <a:schemeClr val="accent1"/>
-          </a:fillRef>
-          <a:effectRef idx="0">
-            <a:schemeClr val="accent1"/>
-          </a:effectRef>
-          <a:fontRef idx="minor">
-            <a:schemeClr val="lt1"/>
-          </a:fontRef>
-        </p:style>
-        <p:txBody>
-          <a:bodyPr rtlCol="0" anchor="ctr"/>
-          <a:lstStyle/>
-          <a:p>
-            <a:pPr algn="ctr"/>
-            <a:endParaRPr lang="en-US"/>
-          </a:p>
-        </p:txBody>
-      </p:sp>
     </p:spTree>
     <p:extLst>
       <p:ext uri="{BB962C8B-B14F-4D97-AF65-F5344CB8AC3E}">
-        <p14:creationId xmlns:p14="http://schemas.microsoft.com/office/powerpoint/2010/main" val="3919103965"/>
+        <p14:creationId xmlns:p14="http://schemas.microsoft.com/office/powerpoint/2010/main" val="1992046669"/>
       </p:ext>
     </p:extLst>
   </p:cSld>
@@ -9988,6 +10248,41 @@
       </p:grpSpPr>
       <p:sp>
         <p:nvSpPr>
+          <p:cNvPr id="2" name="Title 1"/>
+          <p:cNvSpPr>
+            <a:spLocks noGrp="1"/>
+          </p:cNvSpPr>
+          <p:nvPr>
+            <p:ph type="title"/>
+          </p:nvPr>
+        </p:nvSpPr>
+        <p:spPr>
+          <a:xfrm>
+            <a:off x="1692067" y="615564"/>
+            <a:ext cx="8906691" cy="862858"/>
+          </a:xfrm>
+        </p:spPr>
+        <p:txBody>
+          <a:bodyPr>
+            <a:normAutofit/>
+          </a:bodyPr>
+          <a:lstStyle/>
+          <a:p>
+            <a:r>
+              <a:rPr lang="en-US" sz="3200" b="1" i="1" dirty="0">
+                <a:solidFill>
+                  <a:schemeClr val="accent2">
+                    <a:lumMod val="50000"/>
+                  </a:schemeClr>
+                </a:solidFill>
+              </a:rPr>
+              <a:t>8) Load program data from file.</a:t>
+            </a:r>
+          </a:p>
+        </p:txBody>
+      </p:sp>
+      <p:sp>
+        <p:nvSpPr>
           <p:cNvPr id="6" name="Content Placeholder 5">
             <a:extLst>
               <a:ext uri="{FF2B5EF4-FFF2-40B4-BE49-F238E27FC236}">
@@ -10014,8 +10309,67 @@
           <a:p>
             <a:r>
               <a:rPr lang="en-US" dirty="0"/>
-              <a:t>Now we can see that view rooms.</a:t>
-            </a:r>
+              <a:t>If we want input from the file.</a:t>
+            </a:r>
+          </a:p>
+          <a:p>
+            <a:r>
+              <a:rPr lang="en-US" dirty="0"/>
+              <a:t>1</a:t>
+            </a:r>
+            <a:r>
+              <a:rPr lang="en-US" baseline="30000" dirty="0"/>
+              <a:t>st</a:t>
+            </a:r>
+            <a:r>
+              <a:rPr lang="en-US" dirty="0"/>
+              <a:t> we create a empty file.</a:t>
+            </a:r>
+          </a:p>
+          <a:p>
+            <a:r>
+              <a:rPr lang="en-US" dirty="0"/>
+              <a:t>Then give  some input.</a:t>
+            </a:r>
+          </a:p>
+          <a:p>
+            <a:endParaRPr lang="en-US" dirty="0"/>
+          </a:p>
+          <a:p>
+            <a:endParaRPr lang="en-US" dirty="0"/>
+          </a:p>
+          <a:p>
+            <a:endParaRPr lang="en-US" dirty="0"/>
+          </a:p>
+          <a:p>
+            <a:endParaRPr lang="en-US" dirty="0"/>
+          </a:p>
+          <a:p>
+            <a:endParaRPr lang="en-US" dirty="0"/>
+          </a:p>
+          <a:p>
+            <a:endParaRPr lang="en-US" dirty="0"/>
+          </a:p>
+          <a:p>
+            <a:endParaRPr lang="en-US" dirty="0"/>
+          </a:p>
+          <a:p>
+            <a:endParaRPr lang="en-US" dirty="0"/>
+          </a:p>
+          <a:p>
+            <a:endParaRPr lang="en-US" dirty="0"/>
+          </a:p>
+          <a:p>
+            <a:endParaRPr lang="en-US" dirty="0"/>
+          </a:p>
+          <a:p>
+            <a:endParaRPr lang="en-US" dirty="0"/>
+          </a:p>
+          <a:p>
+            <a:endParaRPr lang="en-US" dirty="0"/>
+          </a:p>
+          <a:p>
+            <a:endParaRPr lang="en-US" dirty="0"/>
           </a:p>
           <a:p>
             <a:pPr marL="0" indent="0">
@@ -10023,50 +10377,14 @@
             </a:pPr>
             <a:endParaRPr lang="en-US" dirty="0"/>
           </a:p>
-          <a:p>
-            <a:endParaRPr lang="en-US" dirty="0"/>
-          </a:p>
-          <a:p>
-            <a:endParaRPr lang="en-US" dirty="0"/>
-          </a:p>
-          <a:p>
-            <a:endParaRPr lang="en-US" dirty="0"/>
-          </a:p>
-          <a:p>
-            <a:endParaRPr lang="en-US" dirty="0"/>
-          </a:p>
-          <a:p>
-            <a:endParaRPr lang="en-US" dirty="0"/>
-          </a:p>
-          <a:p>
-            <a:endParaRPr lang="en-US" dirty="0"/>
-          </a:p>
-          <a:p>
-            <a:endParaRPr lang="en-US" dirty="0"/>
-          </a:p>
-          <a:p>
-            <a:endParaRPr lang="en-US" dirty="0"/>
-          </a:p>
-          <a:p>
-            <a:endParaRPr lang="en-US" dirty="0"/>
-          </a:p>
-          <a:p>
-            <a:endParaRPr lang="en-US" dirty="0"/>
-          </a:p>
-          <a:p>
-            <a:pPr marL="0" indent="0">
-              <a:buNone/>
-            </a:pPr>
-            <a:endParaRPr lang="en-US" dirty="0"/>
-          </a:p>
         </p:txBody>
       </p:sp>
       <p:pic>
         <p:nvPicPr>
-          <p:cNvPr id="3" name="Picture 2">
+          <p:cNvPr id="8" name="Picture 7">
             <a:extLst>
               <a:ext uri="{FF2B5EF4-FFF2-40B4-BE49-F238E27FC236}">
-                <a16:creationId xmlns:a16="http://schemas.microsoft.com/office/drawing/2014/main" id="{993EC579-7051-3883-4393-72ED40FFBBEE}"/>
+                <a16:creationId xmlns:a16="http://schemas.microsoft.com/office/drawing/2014/main" id="{154EC0F5-7E23-4FC4-8704-4416C2474B39}"/>
               </a:ext>
             </a:extLst>
           </p:cNvPr>
@@ -10077,127 +10395,23 @@
         </p:nvPicPr>
         <p:blipFill>
           <a:blip r:embed="rId2"/>
-          <a:srcRect/>
+          <a:srcRect t="1146" b="1146"/>
           <a:stretch/>
         </p:blipFill>
         <p:spPr>
           <a:xfrm>
-            <a:off x="2655213" y="2093965"/>
-            <a:ext cx="5405718" cy="4439882"/>
+            <a:off x="2792415" y="2692548"/>
+            <a:ext cx="3426253" cy="3426354"/>
           </a:xfrm>
           <a:prstGeom prst="rect">
             <a:avLst/>
           </a:prstGeom>
         </p:spPr>
       </p:pic>
-      <p:sp>
-        <p:nvSpPr>
-          <p:cNvPr id="2" name="Oval 1">
-            <a:extLst>
-              <a:ext uri="{FF2B5EF4-FFF2-40B4-BE49-F238E27FC236}">
-                <a16:creationId xmlns:a16="http://schemas.microsoft.com/office/drawing/2014/main" id="{F1CD3555-1C31-210A-FBF9-F29193AD2147}"/>
-              </a:ext>
-            </a:extLst>
-          </p:cNvPr>
-          <p:cNvSpPr/>
-          <p:nvPr/>
-        </p:nvSpPr>
-        <p:spPr>
-          <a:xfrm>
-            <a:off x="2842459" y="4066009"/>
-            <a:ext cx="488782" cy="157794"/>
-          </a:xfrm>
-          <a:prstGeom prst="ellipse">
-            <a:avLst/>
-          </a:prstGeom>
-          <a:noFill/>
-          <a:ln>
-            <a:solidFill>
-              <a:srgbClr val="FF0000"/>
-            </a:solidFill>
-          </a:ln>
-        </p:spPr>
-        <p:style>
-          <a:lnRef idx="2">
-            <a:schemeClr val="dk1">
-              <a:shade val="50000"/>
-            </a:schemeClr>
-          </a:lnRef>
-          <a:fillRef idx="1">
-            <a:schemeClr val="dk1"/>
-          </a:fillRef>
-          <a:effectRef idx="0">
-            <a:schemeClr val="dk1"/>
-          </a:effectRef>
-          <a:fontRef idx="minor">
-            <a:schemeClr val="lt1"/>
-          </a:fontRef>
-        </p:style>
-        <p:txBody>
-          <a:bodyPr rtlCol="0" anchor="ctr"/>
-          <a:lstStyle/>
-          <a:p>
-            <a:pPr algn="ctr"/>
-            <a:endParaRPr lang="en-US"/>
-          </a:p>
-        </p:txBody>
-      </p:sp>
-      <p:sp>
-        <p:nvSpPr>
-          <p:cNvPr id="4" name="Flowchart: Process 3">
-            <a:extLst>
-              <a:ext uri="{FF2B5EF4-FFF2-40B4-BE49-F238E27FC236}">
-                <a16:creationId xmlns:a16="http://schemas.microsoft.com/office/drawing/2014/main" id="{C8146427-2362-C0DE-E06C-B6C71147580F}"/>
-              </a:ext>
-            </a:extLst>
-          </p:cNvPr>
-          <p:cNvSpPr/>
-          <p:nvPr/>
-        </p:nvSpPr>
-        <p:spPr>
-          <a:xfrm>
-            <a:off x="2948476" y="4223803"/>
-            <a:ext cx="1471124" cy="1343279"/>
-          </a:xfrm>
-          <a:prstGeom prst="flowChartProcess">
-            <a:avLst/>
-          </a:prstGeom>
-          <a:noFill/>
-          <a:ln>
-            <a:solidFill>
-              <a:srgbClr val="FF0000"/>
-            </a:solidFill>
-          </a:ln>
-        </p:spPr>
-        <p:style>
-          <a:lnRef idx="2">
-            <a:schemeClr val="accent1">
-              <a:shade val="50000"/>
-            </a:schemeClr>
-          </a:lnRef>
-          <a:fillRef idx="1">
-            <a:schemeClr val="accent1"/>
-          </a:fillRef>
-          <a:effectRef idx="0">
-            <a:schemeClr val="accent1"/>
-          </a:effectRef>
-          <a:fontRef idx="minor">
-            <a:schemeClr val="lt1"/>
-          </a:fontRef>
-        </p:style>
-        <p:txBody>
-          <a:bodyPr rtlCol="0" anchor="ctr"/>
-          <a:lstStyle/>
-          <a:p>
-            <a:pPr algn="ctr"/>
-            <a:endParaRPr lang="en-US"/>
-          </a:p>
-        </p:txBody>
-      </p:sp>
     </p:spTree>
     <p:extLst>
       <p:ext uri="{BB962C8B-B14F-4D97-AF65-F5344CB8AC3E}">
-        <p14:creationId xmlns:p14="http://schemas.microsoft.com/office/powerpoint/2010/main" val="586359278"/>
+        <p14:creationId xmlns:p14="http://schemas.microsoft.com/office/powerpoint/2010/main" val="225308596"/>
       </p:ext>
     </p:extLst>
   </p:cSld>
@@ -10238,41 +10452,6 @@
       </p:grpSpPr>
       <p:sp>
         <p:nvSpPr>
-          <p:cNvPr id="2" name="Title 1"/>
-          <p:cNvSpPr>
-            <a:spLocks noGrp="1"/>
-          </p:cNvSpPr>
-          <p:nvPr>
-            <p:ph type="title"/>
-          </p:nvPr>
-        </p:nvSpPr>
-        <p:spPr>
-          <a:xfrm>
-            <a:off x="1692067" y="615564"/>
-            <a:ext cx="8906691" cy="862858"/>
-          </a:xfrm>
-        </p:spPr>
-        <p:txBody>
-          <a:bodyPr>
-            <a:normAutofit/>
-          </a:bodyPr>
-          <a:lstStyle/>
-          <a:p>
-            <a:r>
-              <a:rPr lang="en-US" sz="3200" b="1" i="1" dirty="0">
-                <a:solidFill>
-                  <a:schemeClr val="accent2">
-                    <a:lumMod val="50000"/>
-                  </a:schemeClr>
-                </a:solidFill>
-              </a:rPr>
-              <a:t>9)If we choice another  invalid option.</a:t>
-            </a:r>
-          </a:p>
-        </p:txBody>
-      </p:sp>
-      <p:sp>
-        <p:nvSpPr>
           <p:cNvPr id="6" name="Content Placeholder 5">
             <a:extLst>
               <a:ext uri="{FF2B5EF4-FFF2-40B4-BE49-F238E27FC236}">
@@ -10297,6 +10476,12 @@
           <a:bodyPr/>
           <a:lstStyle/>
           <a:p>
+            <a:r>
+              <a:rPr lang="en-US" dirty="0"/>
+              <a:t>Then we input the data from the file</a:t>
+            </a:r>
+          </a:p>
+          <a:p>
             <a:pPr marL="0" indent="0">
               <a:buNone/>
             </a:pPr>
@@ -10333,15 +10518,6 @@
             <a:endParaRPr lang="en-US" dirty="0"/>
           </a:p>
           <a:p>
-            <a:endParaRPr lang="en-US" dirty="0"/>
-          </a:p>
-          <a:p>
-            <a:endParaRPr lang="en-US" dirty="0"/>
-          </a:p>
-          <a:p>
-            <a:endParaRPr lang="en-US" dirty="0"/>
-          </a:p>
-          <a:p>
             <a:pPr marL="0" indent="0">
               <a:buNone/>
             </a:pPr>
@@ -10351,10 +10527,10 @@
       </p:sp>
       <p:pic>
         <p:nvPicPr>
-          <p:cNvPr id="8" name="Picture 7">
+          <p:cNvPr id="3" name="Picture 2">
             <a:extLst>
               <a:ext uri="{FF2B5EF4-FFF2-40B4-BE49-F238E27FC236}">
-                <a16:creationId xmlns:a16="http://schemas.microsoft.com/office/drawing/2014/main" id="{154EC0F5-7E23-4FC4-8704-4416C2474B39}"/>
+                <a16:creationId xmlns:a16="http://schemas.microsoft.com/office/drawing/2014/main" id="{993EC579-7051-3883-4393-72ED40FFBBEE}"/>
               </a:ext>
             </a:extLst>
           </p:cNvPr>
@@ -10365,13 +10541,13 @@
         </p:nvPicPr>
         <p:blipFill>
           <a:blip r:embed="rId2"/>
-          <a:srcRect t="252" b="252"/>
+          <a:srcRect/>
           <a:stretch/>
         </p:blipFill>
         <p:spPr>
           <a:xfrm>
-            <a:off x="1887446" y="1654056"/>
-            <a:ext cx="6056026" cy="3426354"/>
+            <a:off x="2584898" y="2073743"/>
+            <a:ext cx="5304749" cy="3319045"/>
           </a:xfrm>
           <a:prstGeom prst="rect">
             <a:avLst/>
@@ -10380,10 +10556,10 @@
       </p:pic>
       <p:sp>
         <p:nvSpPr>
-          <p:cNvPr id="3" name="Oval 2">
+          <p:cNvPr id="2" name="Oval 1">
             <a:extLst>
               <a:ext uri="{FF2B5EF4-FFF2-40B4-BE49-F238E27FC236}">
-                <a16:creationId xmlns:a16="http://schemas.microsoft.com/office/drawing/2014/main" id="{DAF161C9-2474-15FD-1B69-6B2DACB769B8}"/>
+                <a16:creationId xmlns:a16="http://schemas.microsoft.com/office/drawing/2014/main" id="{F1CD3555-1C31-210A-FBF9-F29193AD2147}"/>
               </a:ext>
             </a:extLst>
           </p:cNvPr>
@@ -10392,8 +10568,8 @@
         </p:nvSpPr>
         <p:spPr>
           <a:xfrm>
-            <a:off x="1824693" y="3844889"/>
-            <a:ext cx="488782" cy="157794"/>
+            <a:off x="2513617" y="4067973"/>
+            <a:ext cx="488782" cy="173183"/>
           </a:xfrm>
           <a:prstGeom prst="ellipse">
             <a:avLst/>
@@ -10435,7 +10611,7 @@
           <p:cNvPr id="4" name="Flowchart: Process 3">
             <a:extLst>
               <a:ext uri="{FF2B5EF4-FFF2-40B4-BE49-F238E27FC236}">
-                <a16:creationId xmlns:a16="http://schemas.microsoft.com/office/drawing/2014/main" id="{F74B142D-33B6-E382-AD34-1972FAC115A7}"/>
+                <a16:creationId xmlns:a16="http://schemas.microsoft.com/office/drawing/2014/main" id="{0E4F6AF9-76F4-2B9F-9CBB-879C2489C0A3}"/>
               </a:ext>
             </a:extLst>
           </p:cNvPr>
@@ -10444,8 +10620,8 @@
         </p:nvSpPr>
         <p:spPr>
           <a:xfrm>
-            <a:off x="1887446" y="4020523"/>
-            <a:ext cx="1512414" cy="157794"/>
+            <a:off x="2584898" y="4248262"/>
+            <a:ext cx="1682302" cy="173183"/>
           </a:xfrm>
           <a:prstGeom prst="flowChartProcess">
             <a:avLst/>
@@ -10485,7 +10661,7 @@
     </p:spTree>
     <p:extLst>
       <p:ext uri="{BB962C8B-B14F-4D97-AF65-F5344CB8AC3E}">
-        <p14:creationId xmlns:p14="http://schemas.microsoft.com/office/powerpoint/2010/main" val="2837991704"/>
+        <p14:creationId xmlns:p14="http://schemas.microsoft.com/office/powerpoint/2010/main" val="3919103965"/>
       </p:ext>
     </p:extLst>
   </p:cSld>
@@ -10746,45 +10922,6 @@
       </p:grpSpPr>
       <p:sp>
         <p:nvSpPr>
-          <p:cNvPr id="2" name="Title 1"/>
-          <p:cNvSpPr>
-            <a:spLocks noGrp="1"/>
-          </p:cNvSpPr>
-          <p:nvPr>
-            <p:ph type="title"/>
-          </p:nvPr>
-        </p:nvSpPr>
-        <p:spPr>
-          <a:xfrm>
-            <a:off x="1692067" y="615564"/>
-            <a:ext cx="8906691" cy="862858"/>
-          </a:xfrm>
-        </p:spPr>
-        <p:txBody>
-          <a:bodyPr>
-            <a:normAutofit/>
-          </a:bodyPr>
-          <a:lstStyle/>
-          <a:p>
-            <a:pPr marL="457200" indent="-457200">
-              <a:buFont typeface="Wingdings" panose="05000000000000000000" pitchFamily="2" charset="2"/>
-              <a:buChar char="ü"/>
-            </a:pPr>
-            <a:r>
-              <a:rPr lang="en-US" sz="3200" b="1" i="1" dirty="0">
-                <a:solidFill>
-                  <a:schemeClr val="accent2">
-                    <a:lumMod val="50000"/>
-                  </a:schemeClr>
-                </a:solidFill>
-              </a:rPr>
-              <a:t>Option select</a:t>
-            </a:r>
-          </a:p>
-        </p:txBody>
-      </p:sp>
-      <p:sp>
-        <p:nvSpPr>
           <p:cNvPr id="6" name="Content Placeholder 5">
             <a:extLst>
               <a:ext uri="{FF2B5EF4-FFF2-40B4-BE49-F238E27FC236}">
@@ -10809,6 +10946,12 @@
           <a:bodyPr/>
           <a:lstStyle/>
           <a:p>
+            <a:r>
+              <a:rPr lang="en-US" dirty="0"/>
+              <a:t>Now we can see that view rooms.</a:t>
+            </a:r>
+          </a:p>
+          <a:p>
             <a:pPr marL="0" indent="0">
               <a:buNone/>
             </a:pPr>
@@ -10845,15 +10988,6 @@
             <a:endParaRPr lang="en-US" dirty="0"/>
           </a:p>
           <a:p>
-            <a:endParaRPr lang="en-US" dirty="0"/>
-          </a:p>
-          <a:p>
-            <a:endParaRPr lang="en-US" dirty="0"/>
-          </a:p>
-          <a:p>
-            <a:endParaRPr lang="en-US" dirty="0"/>
-          </a:p>
-          <a:p>
             <a:pPr marL="0" indent="0">
               <a:buNone/>
             </a:pPr>
@@ -10863,10 +10997,10 @@
       </p:sp>
       <p:pic>
         <p:nvPicPr>
-          <p:cNvPr id="8" name="Picture 7">
+          <p:cNvPr id="3" name="Picture 2">
             <a:extLst>
               <a:ext uri="{FF2B5EF4-FFF2-40B4-BE49-F238E27FC236}">
-                <a16:creationId xmlns:a16="http://schemas.microsoft.com/office/drawing/2014/main" id="{154EC0F5-7E23-4FC4-8704-4416C2474B39}"/>
+                <a16:creationId xmlns:a16="http://schemas.microsoft.com/office/drawing/2014/main" id="{993EC579-7051-3883-4393-72ED40FFBBEE}"/>
               </a:ext>
             </a:extLst>
           </p:cNvPr>
@@ -10877,13 +11011,13 @@
         </p:nvPicPr>
         <p:blipFill>
           <a:blip r:embed="rId2"/>
-          <a:srcRect l="4846" r="4846"/>
+          <a:srcRect/>
           <a:stretch/>
         </p:blipFill>
         <p:spPr>
           <a:xfrm>
-            <a:off x="1843791" y="1601956"/>
-            <a:ext cx="6056026" cy="3426354"/>
+            <a:off x="2655213" y="2093965"/>
+            <a:ext cx="5405718" cy="4439882"/>
           </a:xfrm>
           <a:prstGeom prst="rect">
             <a:avLst/>
@@ -10892,10 +11026,10 @@
       </p:pic>
       <p:sp>
         <p:nvSpPr>
-          <p:cNvPr id="3" name="Oval 2">
+          <p:cNvPr id="2" name="Oval 1">
             <a:extLst>
               <a:ext uri="{FF2B5EF4-FFF2-40B4-BE49-F238E27FC236}">
-                <a16:creationId xmlns:a16="http://schemas.microsoft.com/office/drawing/2014/main" id="{DAF161C9-2474-15FD-1B69-6B2DACB769B8}"/>
+                <a16:creationId xmlns:a16="http://schemas.microsoft.com/office/drawing/2014/main" id="{F1CD3555-1C31-210A-FBF9-F29193AD2147}"/>
               </a:ext>
             </a:extLst>
           </p:cNvPr>
@@ -10904,7 +11038,7 @@
         </p:nvSpPr>
         <p:spPr>
           <a:xfrm>
-            <a:off x="1692067" y="2608909"/>
+            <a:off x="2842459" y="4066009"/>
             <a:ext cx="488782" cy="157794"/>
           </a:xfrm>
           <a:prstGeom prst="ellipse">
@@ -10944,10 +11078,10 @@
       </p:sp>
       <p:sp>
         <p:nvSpPr>
-          <p:cNvPr id="5" name="Oval 4">
+          <p:cNvPr id="4" name="Flowchart: Process 3">
             <a:extLst>
               <a:ext uri="{FF2B5EF4-FFF2-40B4-BE49-F238E27FC236}">
-                <a16:creationId xmlns:a16="http://schemas.microsoft.com/office/drawing/2014/main" id="{25D2CE24-02F2-7D24-E01B-D93A793D2F8E}"/>
+                <a16:creationId xmlns:a16="http://schemas.microsoft.com/office/drawing/2014/main" id="{C8146427-2362-C0DE-E06C-B6C71147580F}"/>
               </a:ext>
             </a:extLst>
           </p:cNvPr>
@@ -10956,10 +11090,10 @@
         </p:nvSpPr>
         <p:spPr>
           <a:xfrm>
-            <a:off x="1692067" y="3660815"/>
-            <a:ext cx="488782" cy="157794"/>
-          </a:xfrm>
-          <a:prstGeom prst="ellipse">
+            <a:off x="2948476" y="4223803"/>
+            <a:ext cx="1471124" cy="1343279"/>
+          </a:xfrm>
+          <a:prstGeom prst="flowChartProcess">
             <a:avLst/>
           </a:prstGeom>
           <a:noFill/>
@@ -10971,15 +11105,15 @@
         </p:spPr>
         <p:style>
           <a:lnRef idx="2">
-            <a:schemeClr val="dk1">
+            <a:schemeClr val="accent1">
               <a:shade val="50000"/>
             </a:schemeClr>
           </a:lnRef>
           <a:fillRef idx="1">
-            <a:schemeClr val="dk1"/>
+            <a:schemeClr val="accent1"/>
           </a:fillRef>
           <a:effectRef idx="0">
-            <a:schemeClr val="dk1"/>
+            <a:schemeClr val="accent1"/>
           </a:effectRef>
           <a:fontRef idx="minor">
             <a:schemeClr val="lt1"/>
@@ -10997,7 +11131,7 @@
     </p:spTree>
     <p:extLst>
       <p:ext uri="{BB962C8B-B14F-4D97-AF65-F5344CB8AC3E}">
-        <p14:creationId xmlns:p14="http://schemas.microsoft.com/office/powerpoint/2010/main" val="1412544208"/>
+        <p14:creationId xmlns:p14="http://schemas.microsoft.com/office/powerpoint/2010/main" val="586359278"/>
       </p:ext>
     </p:extLst>
   </p:cSld>
@@ -11038,13 +11172,7 @@
       </p:grpSpPr>
       <p:sp>
         <p:nvSpPr>
-          <p:cNvPr id="2" name="Title 1">
-            <a:extLst>
-              <a:ext uri="{FF2B5EF4-FFF2-40B4-BE49-F238E27FC236}">
-                <a16:creationId xmlns:a16="http://schemas.microsoft.com/office/drawing/2014/main" id="{0FC0B987-20A2-924B-6B2E-DAAA5147C6CD}"/>
-              </a:ext>
-            </a:extLst>
-          </p:cNvPr>
+          <p:cNvPr id="2" name="Title 1"/>
           <p:cNvSpPr>
             <a:spLocks noGrp="1"/>
           </p:cNvSpPr>
@@ -11054,39 +11182,35 @@
         </p:nvSpPr>
         <p:spPr>
           <a:xfrm>
-            <a:off x="1636443" y="689207"/>
-            <a:ext cx="8318309" cy="515142"/>
+            <a:off x="1692067" y="615564"/>
+            <a:ext cx="8906691" cy="862858"/>
           </a:xfrm>
         </p:spPr>
         <p:txBody>
           <a:bodyPr>
-            <a:noAutofit/>
+            <a:normAutofit/>
           </a:bodyPr>
           <a:lstStyle/>
           <a:p>
-            <a:pPr marL="457200" indent="-457200">
-              <a:buFont typeface="Arial" panose="020B0604020202020204" pitchFamily="34" charset="0"/>
-              <a:buChar char="•"/>
-            </a:pPr>
-            <a:r>
-              <a:rPr lang="en-US" sz="3200" b="1" dirty="0">
+            <a:r>
+              <a:rPr lang="en-US" sz="3200" b="1" i="1" dirty="0">
                 <a:solidFill>
                   <a:schemeClr val="accent2">
                     <a:lumMod val="50000"/>
                   </a:schemeClr>
                 </a:solidFill>
               </a:rPr>
-              <a:t>Error Handling</a:t>
-            </a:r>
-          </a:p>
-        </p:txBody>
-      </p:sp>
-      <p:sp>
-        <p:nvSpPr>
-          <p:cNvPr id="3" name="Content Placeholder 2">
+              <a:t>9)If we choice another  invalid option.</a:t>
+            </a:r>
+          </a:p>
+        </p:txBody>
+      </p:sp>
+      <p:sp>
+        <p:nvSpPr>
+          <p:cNvPr id="6" name="Content Placeholder 5">
             <a:extLst>
               <a:ext uri="{FF2B5EF4-FFF2-40B4-BE49-F238E27FC236}">
-                <a16:creationId xmlns:a16="http://schemas.microsoft.com/office/drawing/2014/main" id="{DD8673D8-AF5B-C7D0-5EDA-0DEECED8D4E7}"/>
+                <a16:creationId xmlns:a16="http://schemas.microsoft.com/office/drawing/2014/main" id="{5AFA0186-0FCD-4C24-B699-5027ACFCB981}"/>
               </a:ext>
             </a:extLst>
           </p:cNvPr>
@@ -11099,33 +11223,72 @@
         </p:nvSpPr>
         <p:spPr>
           <a:xfrm>
-            <a:off x="1039352" y="1540189"/>
+            <a:off x="900372" y="1478422"/>
             <a:ext cx="8915400" cy="3777622"/>
           </a:xfrm>
         </p:spPr>
         <p:txBody>
           <a:bodyPr/>
           <a:lstStyle/>
-          <a:p>
-            <a:r>
-              <a:rPr lang="en-US" dirty="0"/>
-              <a:t>We use error handling in this here-&gt;</a:t>
-            </a:r>
-          </a:p>
           <a:p>
             <a:pPr marL="0" indent="0">
               <a:buNone/>
             </a:pPr>
             <a:endParaRPr lang="en-US" dirty="0"/>
           </a:p>
+          <a:p>
+            <a:endParaRPr lang="en-US" dirty="0"/>
+          </a:p>
+          <a:p>
+            <a:endParaRPr lang="en-US" dirty="0"/>
+          </a:p>
+          <a:p>
+            <a:endParaRPr lang="en-US" dirty="0"/>
+          </a:p>
+          <a:p>
+            <a:endParaRPr lang="en-US" dirty="0"/>
+          </a:p>
+          <a:p>
+            <a:endParaRPr lang="en-US" dirty="0"/>
+          </a:p>
+          <a:p>
+            <a:endParaRPr lang="en-US" dirty="0"/>
+          </a:p>
+          <a:p>
+            <a:endParaRPr lang="en-US" dirty="0"/>
+          </a:p>
+          <a:p>
+            <a:endParaRPr lang="en-US" dirty="0"/>
+          </a:p>
+          <a:p>
+            <a:endParaRPr lang="en-US" dirty="0"/>
+          </a:p>
+          <a:p>
+            <a:endParaRPr lang="en-US" dirty="0"/>
+          </a:p>
+          <a:p>
+            <a:endParaRPr lang="en-US" dirty="0"/>
+          </a:p>
+          <a:p>
+            <a:endParaRPr lang="en-US" dirty="0"/>
+          </a:p>
+          <a:p>
+            <a:endParaRPr lang="en-US" dirty="0"/>
+          </a:p>
+          <a:p>
+            <a:pPr marL="0" indent="0">
+              <a:buNone/>
+            </a:pPr>
+            <a:endParaRPr lang="en-US" dirty="0"/>
+          </a:p>
         </p:txBody>
       </p:sp>
       <p:pic>
         <p:nvPicPr>
-          <p:cNvPr id="5" name="Picture 4">
+          <p:cNvPr id="8" name="Picture 7">
             <a:extLst>
               <a:ext uri="{FF2B5EF4-FFF2-40B4-BE49-F238E27FC236}">
-                <a16:creationId xmlns:a16="http://schemas.microsoft.com/office/drawing/2014/main" id="{501A5D62-111D-0B2F-0C61-F9133B7DF072}"/>
+                <a16:creationId xmlns:a16="http://schemas.microsoft.com/office/drawing/2014/main" id="{154EC0F5-7E23-4FC4-8704-4416C2474B39}"/>
               </a:ext>
             </a:extLst>
           </p:cNvPr>
@@ -11136,14 +11299,13 @@
         </p:nvPicPr>
         <p:blipFill>
           <a:blip r:embed="rId2"/>
-          <a:stretch>
-            <a:fillRect/>
-          </a:stretch>
+          <a:srcRect t="252" b="252"/>
+          <a:stretch/>
         </p:blipFill>
         <p:spPr>
           <a:xfrm>
-            <a:off x="2113614" y="1995674"/>
-            <a:ext cx="6656382" cy="4173119"/>
+            <a:off x="1887446" y="1654056"/>
+            <a:ext cx="6056026" cy="3426354"/>
           </a:xfrm>
           <a:prstGeom prst="rect">
             <a:avLst/>
@@ -11152,10 +11314,10 @@
       </p:pic>
       <p:sp>
         <p:nvSpPr>
-          <p:cNvPr id="7" name="Arrow: Down 6">
+          <p:cNvPr id="3" name="Oval 2">
             <a:extLst>
               <a:ext uri="{FF2B5EF4-FFF2-40B4-BE49-F238E27FC236}">
-                <a16:creationId xmlns:a16="http://schemas.microsoft.com/office/drawing/2014/main" id="{13FA93DA-4143-8F9D-C41C-D9500F245B40}"/>
+                <a16:creationId xmlns:a16="http://schemas.microsoft.com/office/drawing/2014/main" id="{DAF161C9-2474-15FD-1B69-6B2DACB769B8}"/>
               </a:ext>
             </a:extLst>
           </p:cNvPr>
@@ -11163,11 +11325,63 @@
           <p:nvPr/>
         </p:nvSpPr>
         <p:spPr>
-          <a:xfrm rot="2575741">
-            <a:off x="6470252" y="1855178"/>
-            <a:ext cx="352269" cy="497207"/>
-          </a:xfrm>
-          <a:prstGeom prst="downArrow">
+          <a:xfrm>
+            <a:off x="1824693" y="3844889"/>
+            <a:ext cx="488782" cy="157794"/>
+          </a:xfrm>
+          <a:prstGeom prst="ellipse">
+            <a:avLst/>
+          </a:prstGeom>
+          <a:noFill/>
+          <a:ln>
+            <a:solidFill>
+              <a:srgbClr val="FF0000"/>
+            </a:solidFill>
+          </a:ln>
+        </p:spPr>
+        <p:style>
+          <a:lnRef idx="2">
+            <a:schemeClr val="dk1">
+              <a:shade val="50000"/>
+            </a:schemeClr>
+          </a:lnRef>
+          <a:fillRef idx="1">
+            <a:schemeClr val="dk1"/>
+          </a:fillRef>
+          <a:effectRef idx="0">
+            <a:schemeClr val="dk1"/>
+          </a:effectRef>
+          <a:fontRef idx="minor">
+            <a:schemeClr val="lt1"/>
+          </a:fontRef>
+        </p:style>
+        <p:txBody>
+          <a:bodyPr rtlCol="0" anchor="ctr"/>
+          <a:lstStyle/>
+          <a:p>
+            <a:pPr algn="ctr"/>
+            <a:endParaRPr lang="en-US"/>
+          </a:p>
+        </p:txBody>
+      </p:sp>
+      <p:sp>
+        <p:nvSpPr>
+          <p:cNvPr id="4" name="Flowchart: Process 3">
+            <a:extLst>
+              <a:ext uri="{FF2B5EF4-FFF2-40B4-BE49-F238E27FC236}">
+                <a16:creationId xmlns:a16="http://schemas.microsoft.com/office/drawing/2014/main" id="{F74B142D-33B6-E382-AD34-1972FAC115A7}"/>
+              </a:ext>
+            </a:extLst>
+          </p:cNvPr>
+          <p:cNvSpPr/>
+          <p:nvPr/>
+        </p:nvSpPr>
+        <p:spPr>
+          <a:xfrm>
+            <a:off x="1887446" y="4020523"/>
+            <a:ext cx="1512414" cy="157794"/>
+          </a:xfrm>
+          <a:prstGeom prst="flowChartProcess">
             <a:avLst/>
           </a:prstGeom>
           <a:noFill/>
@@ -11202,62 +11416,10 @@
           </a:p>
         </p:txBody>
       </p:sp>
-      <p:sp>
-        <p:nvSpPr>
-          <p:cNvPr id="8" name="Arrow: Down 7">
-            <a:extLst>
-              <a:ext uri="{FF2B5EF4-FFF2-40B4-BE49-F238E27FC236}">
-                <a16:creationId xmlns:a16="http://schemas.microsoft.com/office/drawing/2014/main" id="{526DC7BA-C5CB-8A81-7999-867FD60A6F4C}"/>
-              </a:ext>
-            </a:extLst>
-          </p:cNvPr>
-          <p:cNvSpPr/>
-          <p:nvPr/>
-        </p:nvSpPr>
-        <p:spPr>
-          <a:xfrm rot="2575741">
-            <a:off x="6395301" y="3978783"/>
-            <a:ext cx="352269" cy="497207"/>
-          </a:xfrm>
-          <a:prstGeom prst="downArrow">
-            <a:avLst/>
-          </a:prstGeom>
-          <a:noFill/>
-          <a:ln>
-            <a:solidFill>
-              <a:srgbClr val="FF0000"/>
-            </a:solidFill>
-          </a:ln>
-        </p:spPr>
-        <p:style>
-          <a:lnRef idx="2">
-            <a:schemeClr val="accent1">
-              <a:shade val="50000"/>
-            </a:schemeClr>
-          </a:lnRef>
-          <a:fillRef idx="1">
-            <a:schemeClr val="accent1"/>
-          </a:fillRef>
-          <a:effectRef idx="0">
-            <a:schemeClr val="accent1"/>
-          </a:effectRef>
-          <a:fontRef idx="minor">
-            <a:schemeClr val="lt1"/>
-          </a:fontRef>
-        </p:style>
-        <p:txBody>
-          <a:bodyPr rtlCol="0" anchor="ctr"/>
-          <a:lstStyle/>
-          <a:p>
-            <a:pPr algn="ctr"/>
-            <a:endParaRPr lang="en-US"/>
-          </a:p>
-        </p:txBody>
-      </p:sp>
     </p:spTree>
     <p:extLst>
       <p:ext uri="{BB962C8B-B14F-4D97-AF65-F5344CB8AC3E}">
-        <p14:creationId xmlns:p14="http://schemas.microsoft.com/office/powerpoint/2010/main" val="110606976"/>
+        <p14:creationId xmlns:p14="http://schemas.microsoft.com/office/powerpoint/2010/main" val="2837991704"/>
       </p:ext>
     </p:extLst>
   </p:cSld>
@@ -11298,13 +11460,7 @@
       </p:grpSpPr>
       <p:sp>
         <p:nvSpPr>
-          <p:cNvPr id="2" name="Title 1">
-            <a:extLst>
-              <a:ext uri="{FF2B5EF4-FFF2-40B4-BE49-F238E27FC236}">
-                <a16:creationId xmlns:a16="http://schemas.microsoft.com/office/drawing/2014/main" id="{0FC0B987-20A2-924B-6B2E-DAAA5147C6CD}"/>
-              </a:ext>
-            </a:extLst>
-          </p:cNvPr>
+          <p:cNvPr id="2" name="Title 1"/>
           <p:cNvSpPr>
             <a:spLocks noGrp="1"/>
           </p:cNvSpPr>
@@ -11314,39 +11470,39 @@
         </p:nvSpPr>
         <p:spPr>
           <a:xfrm>
-            <a:off x="1636443" y="689207"/>
-            <a:ext cx="8318309" cy="515142"/>
+            <a:off x="1692067" y="615564"/>
+            <a:ext cx="8906691" cy="862858"/>
           </a:xfrm>
         </p:spPr>
         <p:txBody>
           <a:bodyPr>
-            <a:noAutofit/>
+            <a:normAutofit/>
           </a:bodyPr>
           <a:lstStyle/>
           <a:p>
             <a:pPr marL="457200" indent="-457200">
-              <a:buFont typeface="Arial" panose="020B0604020202020204" pitchFamily="34" charset="0"/>
-              <a:buChar char="•"/>
+              <a:buFont typeface="Wingdings" panose="05000000000000000000" pitchFamily="2" charset="2"/>
+              <a:buChar char="ü"/>
             </a:pPr>
             <a:r>
-              <a:rPr lang="en-US" sz="3200" b="1" dirty="0">
+              <a:rPr lang="en-US" sz="3200" b="1" i="1" dirty="0">
                 <a:solidFill>
                   <a:schemeClr val="accent2">
                     <a:lumMod val="50000"/>
                   </a:schemeClr>
                 </a:solidFill>
               </a:rPr>
-              <a:t>OOP Implementation</a:t>
-            </a:r>
-          </a:p>
-        </p:txBody>
-      </p:sp>
-      <p:sp>
-        <p:nvSpPr>
-          <p:cNvPr id="3" name="Content Placeholder 2">
+              <a:t>Option select</a:t>
+            </a:r>
+          </a:p>
+        </p:txBody>
+      </p:sp>
+      <p:sp>
+        <p:nvSpPr>
+          <p:cNvPr id="6" name="Content Placeholder 5">
             <a:extLst>
               <a:ext uri="{FF2B5EF4-FFF2-40B4-BE49-F238E27FC236}">
-                <a16:creationId xmlns:a16="http://schemas.microsoft.com/office/drawing/2014/main" id="{DD8673D8-AF5B-C7D0-5EDA-0DEECED8D4E7}"/>
+                <a16:creationId xmlns:a16="http://schemas.microsoft.com/office/drawing/2014/main" id="{5AFA0186-0FCD-4C24-B699-5027ACFCB981}"/>
               </a:ext>
             </a:extLst>
           </p:cNvPr>
@@ -11359,27 +11515,13 @@
         </p:nvSpPr>
         <p:spPr>
           <a:xfrm>
-            <a:off x="1039352" y="1540189"/>
+            <a:off x="900372" y="1478422"/>
             <a:ext cx="8915400" cy="3777622"/>
           </a:xfrm>
         </p:spPr>
         <p:txBody>
           <a:bodyPr/>
           <a:lstStyle/>
-          <a:p>
-            <a:r>
-              <a:rPr lang="en-US" dirty="0"/>
-              <a:t>We use  here  </a:t>
-            </a:r>
-            <a:r>
-              <a:rPr lang="en-US" b="1" dirty="0"/>
-              <a:t>Inheritance </a:t>
-            </a:r>
-            <a:r>
-              <a:rPr lang="en-US" dirty="0"/>
-              <a:t>-&gt;</a:t>
-            </a:r>
-          </a:p>
           <a:p>
             <a:pPr marL="0" indent="0">
               <a:buNone/>
@@ -11387,6 +11529,45 @@
             <a:endParaRPr lang="en-US" dirty="0"/>
           </a:p>
           <a:p>
+            <a:endParaRPr lang="en-US" dirty="0"/>
+          </a:p>
+          <a:p>
+            <a:endParaRPr lang="en-US" dirty="0"/>
+          </a:p>
+          <a:p>
+            <a:endParaRPr lang="en-US" dirty="0"/>
+          </a:p>
+          <a:p>
+            <a:endParaRPr lang="en-US" dirty="0"/>
+          </a:p>
+          <a:p>
+            <a:endParaRPr lang="en-US" dirty="0"/>
+          </a:p>
+          <a:p>
+            <a:endParaRPr lang="en-US" dirty="0"/>
+          </a:p>
+          <a:p>
+            <a:endParaRPr lang="en-US" dirty="0"/>
+          </a:p>
+          <a:p>
+            <a:endParaRPr lang="en-US" dirty="0"/>
+          </a:p>
+          <a:p>
+            <a:endParaRPr lang="en-US" dirty="0"/>
+          </a:p>
+          <a:p>
+            <a:endParaRPr lang="en-US" dirty="0"/>
+          </a:p>
+          <a:p>
+            <a:endParaRPr lang="en-US" dirty="0"/>
+          </a:p>
+          <a:p>
+            <a:endParaRPr lang="en-US" dirty="0"/>
+          </a:p>
+          <a:p>
+            <a:endParaRPr lang="en-US" dirty="0"/>
+          </a:p>
+          <a:p>
             <a:pPr marL="0" indent="0">
               <a:buNone/>
             </a:pPr>
@@ -11396,10 +11577,10 @@
       </p:sp>
       <p:pic>
         <p:nvPicPr>
-          <p:cNvPr id="6" name="Picture 5">
+          <p:cNvPr id="8" name="Picture 7">
             <a:extLst>
               <a:ext uri="{FF2B5EF4-FFF2-40B4-BE49-F238E27FC236}">
-                <a16:creationId xmlns:a16="http://schemas.microsoft.com/office/drawing/2014/main" id="{3974CA0D-D30D-0F31-6B52-7C4FFFBC1C77}"/>
+                <a16:creationId xmlns:a16="http://schemas.microsoft.com/office/drawing/2014/main" id="{154EC0F5-7E23-4FC4-8704-4416C2474B39}"/>
               </a:ext>
             </a:extLst>
           </p:cNvPr>
@@ -11410,114 +11591,127 @@
         </p:nvPicPr>
         <p:blipFill>
           <a:blip r:embed="rId2"/>
-          <a:stretch>
-            <a:fillRect/>
-          </a:stretch>
+          <a:srcRect l="4846" r="4846"/>
+          <a:stretch/>
         </p:blipFill>
         <p:spPr>
           <a:xfrm>
-            <a:off x="1134035" y="2232211"/>
-            <a:ext cx="1559858" cy="1559858"/>
+            <a:off x="1843791" y="1601956"/>
+            <a:ext cx="6056026" cy="3426354"/>
           </a:xfrm>
           <a:prstGeom prst="rect">
             <a:avLst/>
           </a:prstGeom>
         </p:spPr>
       </p:pic>
-      <p:pic>
-        <p:nvPicPr>
-          <p:cNvPr id="10" name="Picture 9">
+      <p:sp>
+        <p:nvSpPr>
+          <p:cNvPr id="3" name="Oval 2">
             <a:extLst>
               <a:ext uri="{FF2B5EF4-FFF2-40B4-BE49-F238E27FC236}">
-                <a16:creationId xmlns:a16="http://schemas.microsoft.com/office/drawing/2014/main" id="{C8370E7A-F555-3CBB-5E86-5BD4AAB6F074}"/>
+                <a16:creationId xmlns:a16="http://schemas.microsoft.com/office/drawing/2014/main" id="{DAF161C9-2474-15FD-1B69-6B2DACB769B8}"/>
               </a:ext>
             </a:extLst>
           </p:cNvPr>
-          <p:cNvPicPr>
-            <a:picLocks noChangeAspect="1"/>
-          </p:cNvPicPr>
+          <p:cNvSpPr/>
           <p:nvPr/>
-        </p:nvPicPr>
-        <p:blipFill>
-          <a:blip r:embed="rId3"/>
-          <a:stretch>
-            <a:fillRect/>
-          </a:stretch>
-        </p:blipFill>
-        <p:spPr>
-          <a:xfrm>
-            <a:off x="8124007" y="1584213"/>
-            <a:ext cx="4112500" cy="2115000"/>
-          </a:xfrm>
-          <a:prstGeom prst="rect">
+        </p:nvSpPr>
+        <p:spPr>
+          <a:xfrm>
+            <a:off x="1692067" y="2608909"/>
+            <a:ext cx="488782" cy="157794"/>
+          </a:xfrm>
+          <a:prstGeom prst="ellipse">
             <a:avLst/>
           </a:prstGeom>
-        </p:spPr>
-      </p:pic>
-      <p:pic>
-        <p:nvPicPr>
-          <p:cNvPr id="12" name="Picture 11">
+          <a:noFill/>
+          <a:ln>
+            <a:solidFill>
+              <a:srgbClr val="FF0000"/>
+            </a:solidFill>
+          </a:ln>
+        </p:spPr>
+        <p:style>
+          <a:lnRef idx="2">
+            <a:schemeClr val="dk1">
+              <a:shade val="50000"/>
+            </a:schemeClr>
+          </a:lnRef>
+          <a:fillRef idx="1">
+            <a:schemeClr val="dk1"/>
+          </a:fillRef>
+          <a:effectRef idx="0">
+            <a:schemeClr val="dk1"/>
+          </a:effectRef>
+          <a:fontRef idx="minor">
+            <a:schemeClr val="lt1"/>
+          </a:fontRef>
+        </p:style>
+        <p:txBody>
+          <a:bodyPr rtlCol="0" anchor="ctr"/>
+          <a:lstStyle/>
+          <a:p>
+            <a:pPr algn="ctr"/>
+            <a:endParaRPr lang="en-US"/>
+          </a:p>
+        </p:txBody>
+      </p:sp>
+      <p:sp>
+        <p:nvSpPr>
+          <p:cNvPr id="5" name="Oval 4">
             <a:extLst>
               <a:ext uri="{FF2B5EF4-FFF2-40B4-BE49-F238E27FC236}">
-                <a16:creationId xmlns:a16="http://schemas.microsoft.com/office/drawing/2014/main" id="{85C00054-9171-459C-AEDA-23B69A66E5A4}"/>
+                <a16:creationId xmlns:a16="http://schemas.microsoft.com/office/drawing/2014/main" id="{25D2CE24-02F2-7D24-E01B-D93A793D2F8E}"/>
               </a:ext>
             </a:extLst>
           </p:cNvPr>
-          <p:cNvPicPr>
-            <a:picLocks noChangeAspect="1"/>
-          </p:cNvPicPr>
+          <p:cNvSpPr/>
           <p:nvPr/>
-        </p:nvPicPr>
-        <p:blipFill>
-          <a:blip r:embed="rId4"/>
-          <a:stretch>
-            <a:fillRect/>
-          </a:stretch>
-        </p:blipFill>
-        <p:spPr>
-          <a:xfrm>
-            <a:off x="2953021" y="2143624"/>
-            <a:ext cx="4521243" cy="3110770"/>
-          </a:xfrm>
-          <a:prstGeom prst="rect">
+        </p:nvSpPr>
+        <p:spPr>
+          <a:xfrm>
+            <a:off x="1692067" y="3660815"/>
+            <a:ext cx="488782" cy="157794"/>
+          </a:xfrm>
+          <a:prstGeom prst="ellipse">
             <a:avLst/>
           </a:prstGeom>
-        </p:spPr>
-      </p:pic>
-      <p:pic>
-        <p:nvPicPr>
-          <p:cNvPr id="14" name="Picture 13">
-            <a:extLst>
-              <a:ext uri="{FF2B5EF4-FFF2-40B4-BE49-F238E27FC236}">
-                <a16:creationId xmlns:a16="http://schemas.microsoft.com/office/drawing/2014/main" id="{08784137-F3D5-AB8D-BE44-F9760329B616}"/>
-              </a:ext>
-            </a:extLst>
-          </p:cNvPr>
-          <p:cNvPicPr>
-            <a:picLocks noChangeAspect="1"/>
-          </p:cNvPicPr>
-          <p:nvPr/>
-        </p:nvPicPr>
-        <p:blipFill>
-          <a:blip r:embed="rId5"/>
-          <a:stretch>
-            <a:fillRect/>
-          </a:stretch>
-        </p:blipFill>
-        <p:spPr>
-          <a:xfrm>
-            <a:off x="8193741" y="3792069"/>
-            <a:ext cx="3623429" cy="2775178"/>
-          </a:xfrm>
-          <a:prstGeom prst="rect">
-            <a:avLst/>
-          </a:prstGeom>
-        </p:spPr>
-      </p:pic>
+          <a:noFill/>
+          <a:ln>
+            <a:solidFill>
+              <a:srgbClr val="FF0000"/>
+            </a:solidFill>
+          </a:ln>
+        </p:spPr>
+        <p:style>
+          <a:lnRef idx="2">
+            <a:schemeClr val="dk1">
+              <a:shade val="50000"/>
+            </a:schemeClr>
+          </a:lnRef>
+          <a:fillRef idx="1">
+            <a:schemeClr val="dk1"/>
+          </a:fillRef>
+          <a:effectRef idx="0">
+            <a:schemeClr val="dk1"/>
+          </a:effectRef>
+          <a:fontRef idx="minor">
+            <a:schemeClr val="lt1"/>
+          </a:fontRef>
+        </p:style>
+        <p:txBody>
+          <a:bodyPr rtlCol="0" anchor="ctr"/>
+          <a:lstStyle/>
+          <a:p>
+            <a:pPr algn="ctr"/>
+            <a:endParaRPr lang="en-US"/>
+          </a:p>
+        </p:txBody>
+      </p:sp>
     </p:spTree>
     <p:extLst>
       <p:ext uri="{BB962C8B-B14F-4D97-AF65-F5344CB8AC3E}">
-        <p14:creationId xmlns:p14="http://schemas.microsoft.com/office/powerpoint/2010/main" val="782527264"/>
+        <p14:creationId xmlns:p14="http://schemas.microsoft.com/office/powerpoint/2010/main" val="1412544208"/>
       </p:ext>
     </p:extLst>
   </p:cSld>
@@ -11558,6 +11752,51 @@
       </p:grpSpPr>
       <p:sp>
         <p:nvSpPr>
+          <p:cNvPr id="2" name="Title 1">
+            <a:extLst>
+              <a:ext uri="{FF2B5EF4-FFF2-40B4-BE49-F238E27FC236}">
+                <a16:creationId xmlns:a16="http://schemas.microsoft.com/office/drawing/2014/main" id="{0FC0B987-20A2-924B-6B2E-DAAA5147C6CD}"/>
+              </a:ext>
+            </a:extLst>
+          </p:cNvPr>
+          <p:cNvSpPr>
+            <a:spLocks noGrp="1"/>
+          </p:cNvSpPr>
+          <p:nvPr>
+            <p:ph type="title"/>
+          </p:nvPr>
+        </p:nvSpPr>
+        <p:spPr>
+          <a:xfrm>
+            <a:off x="1636443" y="689207"/>
+            <a:ext cx="8318309" cy="515142"/>
+          </a:xfrm>
+        </p:spPr>
+        <p:txBody>
+          <a:bodyPr>
+            <a:noAutofit/>
+          </a:bodyPr>
+          <a:lstStyle/>
+          <a:p>
+            <a:pPr marL="457200" indent="-457200">
+              <a:buFont typeface="Arial" panose="020B0604020202020204" pitchFamily="34" charset="0"/>
+              <a:buChar char="•"/>
+            </a:pPr>
+            <a:r>
+              <a:rPr lang="en-US" sz="3200" b="1" dirty="0">
+                <a:solidFill>
+                  <a:schemeClr val="accent2">
+                    <a:lumMod val="50000"/>
+                  </a:schemeClr>
+                </a:solidFill>
+              </a:rPr>
+              <a:t>Error Handling</a:t>
+            </a:r>
+          </a:p>
+        </p:txBody>
+      </p:sp>
+      <p:sp>
+        <p:nvSpPr>
           <p:cNvPr id="3" name="Content Placeholder 2">
             <a:extLst>
               <a:ext uri="{FF2B5EF4-FFF2-40B4-BE49-F238E27FC236}">
@@ -11574,7 +11813,7 @@
         </p:nvSpPr>
         <p:spPr>
           <a:xfrm>
-            <a:off x="1112349" y="1334000"/>
+            <a:off x="1039352" y="1540189"/>
             <a:ext cx="8915400" cy="3777622"/>
           </a:xfrm>
         </p:spPr>
@@ -11584,15 +11823,7 @@
           <a:p>
             <a:r>
               <a:rPr lang="en-US" dirty="0"/>
-              <a:t>We use  another </a:t>
-            </a:r>
-            <a:r>
-              <a:rPr lang="en-US" b="1" dirty="0"/>
-              <a:t>Inheritance</a:t>
-            </a:r>
-            <a:r>
-              <a:rPr lang="en-US" dirty="0"/>
-              <a:t> -&gt;</a:t>
+              <a:t>We use error handling in this here-&gt;</a:t>
             </a:r>
           </a:p>
           <a:p>
@@ -11601,20 +11832,14 @@
             </a:pPr>
             <a:endParaRPr lang="en-US" dirty="0"/>
           </a:p>
-          <a:p>
-            <a:pPr marL="0" indent="0">
-              <a:buNone/>
-            </a:pPr>
-            <a:endParaRPr lang="en-US" dirty="0"/>
-          </a:p>
         </p:txBody>
       </p:sp>
       <p:pic>
         <p:nvPicPr>
-          <p:cNvPr id="11" name="Picture 10">
+          <p:cNvPr id="5" name="Picture 4">
             <a:extLst>
               <a:ext uri="{FF2B5EF4-FFF2-40B4-BE49-F238E27FC236}">
-                <a16:creationId xmlns:a16="http://schemas.microsoft.com/office/drawing/2014/main" id="{CDEA0409-D8DB-CF7F-4667-0531C51BBA9F}"/>
+                <a16:creationId xmlns:a16="http://schemas.microsoft.com/office/drawing/2014/main" id="{501A5D62-111D-0B2F-0C61-F9133B7DF072}"/>
               </a:ext>
             </a:extLst>
           </p:cNvPr>
@@ -11631,48 +11856,122 @@
         </p:blipFill>
         <p:spPr>
           <a:xfrm>
-            <a:off x="1541930" y="1777721"/>
-            <a:ext cx="3615466" cy="3898240"/>
+            <a:off x="2113614" y="1995674"/>
+            <a:ext cx="6656382" cy="4173119"/>
           </a:xfrm>
           <a:prstGeom prst="rect">
             <a:avLst/>
           </a:prstGeom>
         </p:spPr>
       </p:pic>
-      <p:pic>
-        <p:nvPicPr>
-          <p:cNvPr id="14" name="Picture 13">
+      <p:sp>
+        <p:nvSpPr>
+          <p:cNvPr id="7" name="Arrow: Down 6">
             <a:extLst>
               <a:ext uri="{FF2B5EF4-FFF2-40B4-BE49-F238E27FC236}">
-                <a16:creationId xmlns:a16="http://schemas.microsoft.com/office/drawing/2014/main" id="{ABF8A276-A2B3-A12F-91DB-FD32AE6DE3B8}"/>
+                <a16:creationId xmlns:a16="http://schemas.microsoft.com/office/drawing/2014/main" id="{13FA93DA-4143-8F9D-C41C-D9500F245B40}"/>
               </a:ext>
             </a:extLst>
           </p:cNvPr>
-          <p:cNvPicPr>
-            <a:picLocks noChangeAspect="1"/>
-          </p:cNvPicPr>
+          <p:cNvSpPr/>
           <p:nvPr/>
-        </p:nvPicPr>
-        <p:blipFill>
-          <a:blip r:embed="rId3"/>
-          <a:stretch>
-            <a:fillRect/>
-          </a:stretch>
-        </p:blipFill>
-        <p:spPr>
-          <a:xfrm>
-            <a:off x="5651007" y="1777721"/>
-            <a:ext cx="5940357" cy="4370028"/>
-          </a:xfrm>
-          <a:prstGeom prst="rect">
+        </p:nvSpPr>
+        <p:spPr>
+          <a:xfrm rot="2575741">
+            <a:off x="6470252" y="1855178"/>
+            <a:ext cx="352269" cy="497207"/>
+          </a:xfrm>
+          <a:prstGeom prst="downArrow">
             <a:avLst/>
           </a:prstGeom>
-        </p:spPr>
-      </p:pic>
+          <a:noFill/>
+          <a:ln>
+            <a:solidFill>
+              <a:srgbClr val="FF0000"/>
+            </a:solidFill>
+          </a:ln>
+        </p:spPr>
+        <p:style>
+          <a:lnRef idx="2">
+            <a:schemeClr val="accent1">
+              <a:shade val="50000"/>
+            </a:schemeClr>
+          </a:lnRef>
+          <a:fillRef idx="1">
+            <a:schemeClr val="accent1"/>
+          </a:fillRef>
+          <a:effectRef idx="0">
+            <a:schemeClr val="accent1"/>
+          </a:effectRef>
+          <a:fontRef idx="minor">
+            <a:schemeClr val="lt1"/>
+          </a:fontRef>
+        </p:style>
+        <p:txBody>
+          <a:bodyPr rtlCol="0" anchor="ctr"/>
+          <a:lstStyle/>
+          <a:p>
+            <a:pPr algn="ctr"/>
+            <a:endParaRPr lang="en-US"/>
+          </a:p>
+        </p:txBody>
+      </p:sp>
+      <p:sp>
+        <p:nvSpPr>
+          <p:cNvPr id="8" name="Arrow: Down 7">
+            <a:extLst>
+              <a:ext uri="{FF2B5EF4-FFF2-40B4-BE49-F238E27FC236}">
+                <a16:creationId xmlns:a16="http://schemas.microsoft.com/office/drawing/2014/main" id="{526DC7BA-C5CB-8A81-7999-867FD60A6F4C}"/>
+              </a:ext>
+            </a:extLst>
+          </p:cNvPr>
+          <p:cNvSpPr/>
+          <p:nvPr/>
+        </p:nvSpPr>
+        <p:spPr>
+          <a:xfrm rot="2575741">
+            <a:off x="6395301" y="3978783"/>
+            <a:ext cx="352269" cy="497207"/>
+          </a:xfrm>
+          <a:prstGeom prst="downArrow">
+            <a:avLst/>
+          </a:prstGeom>
+          <a:noFill/>
+          <a:ln>
+            <a:solidFill>
+              <a:srgbClr val="FF0000"/>
+            </a:solidFill>
+          </a:ln>
+        </p:spPr>
+        <p:style>
+          <a:lnRef idx="2">
+            <a:schemeClr val="accent1">
+              <a:shade val="50000"/>
+            </a:schemeClr>
+          </a:lnRef>
+          <a:fillRef idx="1">
+            <a:schemeClr val="accent1"/>
+          </a:fillRef>
+          <a:effectRef idx="0">
+            <a:schemeClr val="accent1"/>
+          </a:effectRef>
+          <a:fontRef idx="minor">
+            <a:schemeClr val="lt1"/>
+          </a:fontRef>
+        </p:style>
+        <p:txBody>
+          <a:bodyPr rtlCol="0" anchor="ctr"/>
+          <a:lstStyle/>
+          <a:p>
+            <a:pPr algn="ctr"/>
+            <a:endParaRPr lang="en-US"/>
+          </a:p>
+        </p:txBody>
+      </p:sp>
     </p:spTree>
     <p:extLst>
       <p:ext uri="{BB962C8B-B14F-4D97-AF65-F5344CB8AC3E}">
-        <p14:creationId xmlns:p14="http://schemas.microsoft.com/office/powerpoint/2010/main" val="261938304"/>
+        <p14:creationId xmlns:p14="http://schemas.microsoft.com/office/powerpoint/2010/main" val="110606976"/>
       </p:ext>
     </p:extLst>
   </p:cSld>
@@ -11713,6 +12012,51 @@
       </p:grpSpPr>
       <p:sp>
         <p:nvSpPr>
+          <p:cNvPr id="2" name="Title 1">
+            <a:extLst>
+              <a:ext uri="{FF2B5EF4-FFF2-40B4-BE49-F238E27FC236}">
+                <a16:creationId xmlns:a16="http://schemas.microsoft.com/office/drawing/2014/main" id="{0FC0B987-20A2-924B-6B2E-DAAA5147C6CD}"/>
+              </a:ext>
+            </a:extLst>
+          </p:cNvPr>
+          <p:cNvSpPr>
+            <a:spLocks noGrp="1"/>
+          </p:cNvSpPr>
+          <p:nvPr>
+            <p:ph type="title"/>
+          </p:nvPr>
+        </p:nvSpPr>
+        <p:spPr>
+          <a:xfrm>
+            <a:off x="1636443" y="689207"/>
+            <a:ext cx="8318309" cy="515142"/>
+          </a:xfrm>
+        </p:spPr>
+        <p:txBody>
+          <a:bodyPr>
+            <a:noAutofit/>
+          </a:bodyPr>
+          <a:lstStyle/>
+          <a:p>
+            <a:pPr marL="457200" indent="-457200">
+              <a:buFont typeface="Arial" panose="020B0604020202020204" pitchFamily="34" charset="0"/>
+              <a:buChar char="•"/>
+            </a:pPr>
+            <a:r>
+              <a:rPr lang="en-US" sz="3200" b="1" dirty="0">
+                <a:solidFill>
+                  <a:schemeClr val="accent2">
+                    <a:lumMod val="50000"/>
+                  </a:schemeClr>
+                </a:solidFill>
+              </a:rPr>
+              <a:t>OOP Implementation</a:t>
+            </a:r>
+          </a:p>
+        </p:txBody>
+      </p:sp>
+      <p:sp>
+        <p:nvSpPr>
           <p:cNvPr id="3" name="Content Placeholder 2">
             <a:extLst>
               <a:ext uri="{FF2B5EF4-FFF2-40B4-BE49-F238E27FC236}">
@@ -11729,7 +12073,7 @@
         </p:nvSpPr>
         <p:spPr>
           <a:xfrm>
-            <a:off x="1048317" y="1271248"/>
+            <a:off x="1039352" y="1540189"/>
             <a:ext cx="8915400" cy="3777622"/>
           </a:xfrm>
         </p:spPr>
@@ -11738,33 +12082,56 @@
           <a:lstStyle/>
           <a:p>
             <a:r>
-              <a:rPr lang="en-US" dirty="0"/>
+              <a:rPr lang="en-US" dirty="0">
+                <a:solidFill>
+                  <a:schemeClr val="tx1"/>
+                </a:solidFill>
+              </a:rPr>
               <a:t>We use  here  </a:t>
             </a:r>
             <a:r>
-              <a:rPr lang="en-US" b="1" i="0" dirty="0">
+              <a:rPr lang="en-US" b="1" dirty="0">
                 <a:solidFill>
-                  <a:srgbClr val="222222"/>
+                  <a:schemeClr val="tx1"/>
+                </a:solidFill>
+              </a:rPr>
+              <a:t>Inheritance </a:t>
+            </a:r>
+            <a:r>
+              <a:rPr lang="en-US" dirty="0">
+                <a:solidFill>
+                  <a:schemeClr val="tx1"/>
+                </a:solidFill>
+              </a:rPr>
+              <a:t>-&gt;</a:t>
+            </a:r>
+          </a:p>
+          <a:p>
+            <a:r>
+              <a:rPr lang="en-US" b="0" i="0" dirty="0">
+                <a:solidFill>
+                  <a:schemeClr val="tx1"/>
                 </a:solidFill>
                 <a:effectLst/>
-                <a:latin typeface="Source Sans Pro" panose="020B0503030403020204" pitchFamily="34" charset="0"/>
+                <a:latin typeface="arial" panose="020B0604020202020204" pitchFamily="34" charset="0"/>
               </a:rPr>
-              <a:t>Encapsulation </a:t>
+              <a:t>Inheritance in Java is </a:t>
             </a:r>
             <a:r>
               <a:rPr lang="en-US" i="0" dirty="0">
                 <a:solidFill>
-                  <a:srgbClr val="222222"/>
+                  <a:schemeClr val="tx1"/>
                 </a:solidFill>
                 <a:effectLst/>
-                <a:latin typeface="Source Sans Pro" panose="020B0503030403020204" pitchFamily="34" charset="0"/>
+                <a:latin typeface="arial" panose="020B0604020202020204" pitchFamily="34" charset="0"/>
               </a:rPr>
-              <a:t>-</a:t>
-            </a:r>
-            <a:r>
-              <a:rPr lang="en-US" dirty="0"/>
-              <a:t>&gt;</a:t>
-            </a:r>
+              <a:t>a concept that acquires the properties from one class to other classes; </a:t>
+            </a:r>
+            <a:endParaRPr lang="en-US" dirty="0">
+              <a:solidFill>
+                <a:schemeClr val="tx1"/>
+              </a:solidFill>
+            </a:endParaRPr>
           </a:p>
           <a:p>
             <a:pPr marL="0" indent="0">
@@ -11782,10 +12149,10 @@
       </p:sp>
       <p:pic>
         <p:nvPicPr>
-          <p:cNvPr id="13" name="Picture 12">
+          <p:cNvPr id="6" name="Picture 5">
             <a:extLst>
               <a:ext uri="{FF2B5EF4-FFF2-40B4-BE49-F238E27FC236}">
-                <a16:creationId xmlns:a16="http://schemas.microsoft.com/office/drawing/2014/main" id="{047C9CF3-375B-5AB8-3229-316FADB7C70C}"/>
+                <a16:creationId xmlns:a16="http://schemas.microsoft.com/office/drawing/2014/main" id="{3974CA0D-D30D-0F31-6B52-7C4FFFBC1C77}"/>
               </a:ext>
             </a:extLst>
           </p:cNvPr>
@@ -11802,8 +12169,8 @@
         </p:blipFill>
         <p:spPr>
           <a:xfrm>
-            <a:off x="4135096" y="2077537"/>
-            <a:ext cx="3723114" cy="2324676"/>
+            <a:off x="1128999" y="3461775"/>
+            <a:ext cx="1559858" cy="1559858"/>
           </a:xfrm>
           <a:prstGeom prst="rect">
             <a:avLst/>
@@ -11812,10 +12179,10 @@
       </p:pic>
       <p:pic>
         <p:nvPicPr>
-          <p:cNvPr id="16" name="Picture 15">
+          <p:cNvPr id="10" name="Picture 9">
             <a:extLst>
               <a:ext uri="{FF2B5EF4-FFF2-40B4-BE49-F238E27FC236}">
-                <a16:creationId xmlns:a16="http://schemas.microsoft.com/office/drawing/2014/main" id="{F7336428-3940-5F84-6329-BAAA41FCED8C}"/>
+                <a16:creationId xmlns:a16="http://schemas.microsoft.com/office/drawing/2014/main" id="{C8370E7A-F555-3CBB-5E86-5BD4AAB6F074}"/>
               </a:ext>
             </a:extLst>
           </p:cNvPr>
@@ -11832,8 +12199,8 @@
         </p:blipFill>
         <p:spPr>
           <a:xfrm>
-            <a:off x="7645079" y="1899117"/>
-            <a:ext cx="4121851" cy="2681516"/>
+            <a:off x="7730407" y="3774141"/>
+            <a:ext cx="4414167" cy="2270143"/>
           </a:xfrm>
           <a:prstGeom prst="rect">
             <a:avLst/>
@@ -11842,10 +12209,10 @@
       </p:pic>
       <p:pic>
         <p:nvPicPr>
-          <p:cNvPr id="18" name="Picture 17">
+          <p:cNvPr id="12" name="Picture 11">
             <a:extLst>
               <a:ext uri="{FF2B5EF4-FFF2-40B4-BE49-F238E27FC236}">
-                <a16:creationId xmlns:a16="http://schemas.microsoft.com/office/drawing/2014/main" id="{456B10E3-397A-9343-2F27-54EC981BB18E}"/>
+                <a16:creationId xmlns:a16="http://schemas.microsoft.com/office/drawing/2014/main" id="{85C00054-9171-459C-AEDA-23B69A66E5A4}"/>
               </a:ext>
             </a:extLst>
           </p:cNvPr>
@@ -11862,18 +12229,240 @@
         </p:blipFill>
         <p:spPr>
           <a:xfrm>
-            <a:off x="1048317" y="1979799"/>
-            <a:ext cx="2600662" cy="1625414"/>
+            <a:off x="2983515" y="3264212"/>
+            <a:ext cx="4521243" cy="3110770"/>
           </a:xfrm>
           <a:prstGeom prst="rect">
             <a:avLst/>
           </a:prstGeom>
         </p:spPr>
       </p:pic>
+      <p:sp>
+        <p:nvSpPr>
+          <p:cNvPr id="4" name="Rectangle 3">
+            <a:extLst>
+              <a:ext uri="{FF2B5EF4-FFF2-40B4-BE49-F238E27FC236}">
+                <a16:creationId xmlns:a16="http://schemas.microsoft.com/office/drawing/2014/main" id="{F2A2CA6F-4B1A-DAD3-DDF7-5C5DBFC2A805}"/>
+              </a:ext>
+            </a:extLst>
+          </p:cNvPr>
+          <p:cNvSpPr/>
+          <p:nvPr/>
+        </p:nvSpPr>
+        <p:spPr>
+          <a:xfrm>
+            <a:off x="3015953" y="3264212"/>
+            <a:ext cx="937482" cy="164788"/>
+          </a:xfrm>
+          <a:prstGeom prst="rect">
+            <a:avLst/>
+          </a:prstGeom>
+          <a:noFill/>
+          <a:ln>
+            <a:solidFill>
+              <a:srgbClr val="FF0000"/>
+            </a:solidFill>
+          </a:ln>
+        </p:spPr>
+        <p:style>
+          <a:lnRef idx="2">
+            <a:schemeClr val="accent1">
+              <a:shade val="50000"/>
+            </a:schemeClr>
+          </a:lnRef>
+          <a:fillRef idx="1">
+            <a:schemeClr val="accent1"/>
+          </a:fillRef>
+          <a:effectRef idx="0">
+            <a:schemeClr val="accent1"/>
+          </a:effectRef>
+          <a:fontRef idx="minor">
+            <a:schemeClr val="lt1"/>
+          </a:fontRef>
+        </p:style>
+        <p:txBody>
+          <a:bodyPr rtlCol="0" anchor="ctr"/>
+          <a:lstStyle/>
+          <a:p>
+            <a:pPr algn="ctr"/>
+            <a:endParaRPr lang="en-US"/>
+          </a:p>
+        </p:txBody>
+      </p:sp>
+      <p:sp>
+        <p:nvSpPr>
+          <p:cNvPr id="5" name="Rectangle 4">
+            <a:extLst>
+              <a:ext uri="{FF2B5EF4-FFF2-40B4-BE49-F238E27FC236}">
+                <a16:creationId xmlns:a16="http://schemas.microsoft.com/office/drawing/2014/main" id="{543B8839-A1EF-E0EC-ACD2-8E18A5B78043}"/>
+              </a:ext>
+            </a:extLst>
+          </p:cNvPr>
+          <p:cNvSpPr/>
+          <p:nvPr/>
+        </p:nvSpPr>
+        <p:spPr>
+          <a:xfrm>
+            <a:off x="3015953" y="4650959"/>
+            <a:ext cx="1340894" cy="164788"/>
+          </a:xfrm>
+          <a:prstGeom prst="rect">
+            <a:avLst/>
+          </a:prstGeom>
+          <a:noFill/>
+          <a:ln>
+            <a:solidFill>
+              <a:srgbClr val="FF0000"/>
+            </a:solidFill>
+          </a:ln>
+        </p:spPr>
+        <p:style>
+          <a:lnRef idx="2">
+            <a:schemeClr val="accent1">
+              <a:shade val="50000"/>
+            </a:schemeClr>
+          </a:lnRef>
+          <a:fillRef idx="1">
+            <a:schemeClr val="accent1"/>
+          </a:fillRef>
+          <a:effectRef idx="0">
+            <a:schemeClr val="accent1"/>
+          </a:effectRef>
+          <a:fontRef idx="minor">
+            <a:schemeClr val="lt1"/>
+          </a:fontRef>
+        </p:style>
+        <p:txBody>
+          <a:bodyPr rtlCol="0" anchor="ctr"/>
+          <a:lstStyle/>
+          <a:p>
+            <a:pPr algn="ctr"/>
+            <a:endParaRPr lang="en-US"/>
+          </a:p>
+        </p:txBody>
+      </p:sp>
+      <p:sp>
+        <p:nvSpPr>
+          <p:cNvPr id="7" name="Speech Bubble: Oval 6">
+            <a:extLst>
+              <a:ext uri="{FF2B5EF4-FFF2-40B4-BE49-F238E27FC236}">
+                <a16:creationId xmlns:a16="http://schemas.microsoft.com/office/drawing/2014/main" id="{2BA036C4-2753-8ECE-A05E-0C139E4E84A3}"/>
+              </a:ext>
+            </a:extLst>
+          </p:cNvPr>
+          <p:cNvSpPr/>
+          <p:nvPr/>
+        </p:nvSpPr>
+        <p:spPr>
+          <a:xfrm>
+            <a:off x="3872752" y="2822293"/>
+            <a:ext cx="762001" cy="404471"/>
+          </a:xfrm>
+          <a:prstGeom prst="wedgeEllipseCallout">
+            <a:avLst/>
+          </a:prstGeom>
+          <a:noFill/>
+          <a:ln>
+            <a:solidFill>
+              <a:srgbClr val="FF0000"/>
+            </a:solidFill>
+          </a:ln>
+        </p:spPr>
+        <p:style>
+          <a:lnRef idx="2">
+            <a:schemeClr val="accent1">
+              <a:shade val="50000"/>
+            </a:schemeClr>
+          </a:lnRef>
+          <a:fillRef idx="1">
+            <a:schemeClr val="accent1"/>
+          </a:fillRef>
+          <a:effectRef idx="0">
+            <a:schemeClr val="accent1"/>
+          </a:effectRef>
+          <a:fontRef idx="minor">
+            <a:schemeClr val="lt1"/>
+          </a:fontRef>
+        </p:style>
+        <p:txBody>
+          <a:bodyPr rtlCol="0" anchor="ctr"/>
+          <a:lstStyle/>
+          <a:p>
+            <a:pPr algn="ctr"/>
+            <a:r>
+              <a:rPr lang="en-US" sz="700" b="1" dirty="0">
+                <a:solidFill>
+                  <a:schemeClr val="tx1"/>
+                </a:solidFill>
+              </a:rPr>
+              <a:t>Parent</a:t>
+            </a:r>
+          </a:p>
+        </p:txBody>
+      </p:sp>
+      <p:sp>
+        <p:nvSpPr>
+          <p:cNvPr id="8" name="Speech Bubble: Oval 7">
+            <a:extLst>
+              <a:ext uri="{FF2B5EF4-FFF2-40B4-BE49-F238E27FC236}">
+                <a16:creationId xmlns:a16="http://schemas.microsoft.com/office/drawing/2014/main" id="{7607CC2D-4873-6E4E-E7DF-B4BC23855374}"/>
+              </a:ext>
+            </a:extLst>
+          </p:cNvPr>
+          <p:cNvSpPr/>
+          <p:nvPr/>
+        </p:nvSpPr>
+        <p:spPr>
+          <a:xfrm>
+            <a:off x="4159623" y="4148895"/>
+            <a:ext cx="762001" cy="404471"/>
+          </a:xfrm>
+          <a:prstGeom prst="wedgeEllipseCallout">
+            <a:avLst/>
+          </a:prstGeom>
+          <a:noFill/>
+          <a:ln>
+            <a:solidFill>
+              <a:srgbClr val="FF0000"/>
+            </a:solidFill>
+          </a:ln>
+        </p:spPr>
+        <p:style>
+          <a:lnRef idx="2">
+            <a:schemeClr val="accent1">
+              <a:shade val="50000"/>
+            </a:schemeClr>
+          </a:lnRef>
+          <a:fillRef idx="1">
+            <a:schemeClr val="accent1"/>
+          </a:fillRef>
+          <a:effectRef idx="0">
+            <a:schemeClr val="accent1"/>
+          </a:effectRef>
+          <a:fontRef idx="minor">
+            <a:schemeClr val="lt1"/>
+          </a:fontRef>
+        </p:style>
+        <p:txBody>
+          <a:bodyPr rtlCol="0" anchor="ctr"/>
+          <a:lstStyle/>
+          <a:p>
+            <a:pPr algn="ctr"/>
+            <a:r>
+              <a:rPr lang="en-US" sz="700" b="1" dirty="0">
+                <a:solidFill>
+                  <a:schemeClr val="tx1"/>
+                </a:solidFill>
+              </a:rPr>
+              <a:t>Child</a:t>
+            </a:r>
+          </a:p>
+        </p:txBody>
+      </p:sp>
     </p:spTree>
     <p:extLst>
       <p:ext uri="{BB962C8B-B14F-4D97-AF65-F5344CB8AC3E}">
-        <p14:creationId xmlns:p14="http://schemas.microsoft.com/office/powerpoint/2010/main" val="3634344546"/>
+        <p14:creationId xmlns:p14="http://schemas.microsoft.com/office/powerpoint/2010/main" val="782527264"/>
       </p:ext>
     </p:extLst>
   </p:cSld>
@@ -11914,67 +12503,6 @@
       </p:grpSpPr>
       <p:sp>
         <p:nvSpPr>
-          <p:cNvPr id="2" name="Title 1">
-            <a:extLst>
-              <a:ext uri="{FF2B5EF4-FFF2-40B4-BE49-F238E27FC236}">
-                <a16:creationId xmlns:a16="http://schemas.microsoft.com/office/drawing/2014/main" id="{0FC0B987-20A2-924B-6B2E-DAAA5147C6CD}"/>
-              </a:ext>
-            </a:extLst>
-          </p:cNvPr>
-          <p:cNvSpPr>
-            <a:spLocks noGrp="1"/>
-          </p:cNvSpPr>
-          <p:nvPr>
-            <p:ph type="title"/>
-          </p:nvPr>
-        </p:nvSpPr>
-        <p:spPr>
-          <a:xfrm>
-            <a:off x="1551602" y="622094"/>
-            <a:ext cx="8318309" cy="2806906"/>
-          </a:xfrm>
-        </p:spPr>
-        <p:txBody>
-          <a:bodyPr>
-            <a:noAutofit/>
-          </a:bodyPr>
-          <a:lstStyle/>
-          <a:p>
-            <a:pPr marL="457200" indent="-457200">
-              <a:buFont typeface="Arial" panose="020B0604020202020204" pitchFamily="34" charset="0"/>
-              <a:buChar char="•"/>
-            </a:pPr>
-            <a:r>
-              <a:rPr lang="en-US" sz="3200" b="1" dirty="0">
-                <a:solidFill>
-                  <a:schemeClr val="accent1">
-                    <a:lumMod val="50000"/>
-                  </a:schemeClr>
-                </a:solidFill>
-              </a:rPr>
-              <a:t>Limitation</a:t>
-            </a:r>
-            <a:br>
-              <a:rPr lang="en-US" sz="3200" b="1" dirty="0">
-                <a:solidFill>
-                  <a:schemeClr val="accent1">
-                    <a:lumMod val="50000"/>
-                  </a:schemeClr>
-                </a:solidFill>
-              </a:rPr>
-            </a:br>
-            <a:endParaRPr lang="en-US" sz="3200" b="1" dirty="0">
-              <a:solidFill>
-                <a:schemeClr val="accent1">
-                  <a:lumMod val="50000"/>
-                </a:schemeClr>
-              </a:solidFill>
-            </a:endParaRPr>
-          </a:p>
-        </p:txBody>
-      </p:sp>
-      <p:sp>
-        <p:nvSpPr>
           <p:cNvPr id="3" name="Content Placeholder 2">
             <a:extLst>
               <a:ext uri="{FF2B5EF4-FFF2-40B4-BE49-F238E27FC236}">
@@ -11991,154 +12519,326 @@
         </p:nvSpPr>
         <p:spPr>
           <a:xfrm>
-            <a:off x="1551602" y="1421090"/>
+            <a:off x="1112349" y="1334000"/>
             <a:ext cx="8915400" cy="3777622"/>
           </a:xfrm>
         </p:spPr>
         <p:txBody>
-          <a:bodyPr>
-            <a:normAutofit fontScale="92500" lnSpcReduction="20000"/>
-          </a:bodyPr>
-          <a:lstStyle/>
-          <a:p>
-            <a:r>
-              <a:rPr lang="en-US" dirty="0">
+          <a:bodyPr/>
+          <a:lstStyle/>
+          <a:p>
+            <a:r>
+              <a:rPr lang="en-US" dirty="0"/>
+              <a:t>We use  another </a:t>
+            </a:r>
+            <a:r>
+              <a:rPr lang="en-US" b="1" dirty="0"/>
+              <a:t>Inheritance</a:t>
+            </a:r>
+            <a:r>
+              <a:rPr lang="en-US" dirty="0"/>
+              <a:t> -&gt;</a:t>
+            </a:r>
+          </a:p>
+          <a:p>
+            <a:pPr marL="0" indent="0">
+              <a:buNone/>
+            </a:pPr>
+            <a:endParaRPr lang="en-US" dirty="0"/>
+          </a:p>
+          <a:p>
+            <a:pPr marL="0" indent="0">
+              <a:buNone/>
+            </a:pPr>
+            <a:endParaRPr lang="en-US" dirty="0"/>
+          </a:p>
+        </p:txBody>
+      </p:sp>
+      <p:pic>
+        <p:nvPicPr>
+          <p:cNvPr id="11" name="Picture 10">
+            <a:extLst>
+              <a:ext uri="{FF2B5EF4-FFF2-40B4-BE49-F238E27FC236}">
+                <a16:creationId xmlns:a16="http://schemas.microsoft.com/office/drawing/2014/main" id="{CDEA0409-D8DB-CF7F-4667-0531C51BBA9F}"/>
+              </a:ext>
+            </a:extLst>
+          </p:cNvPr>
+          <p:cNvPicPr>
+            <a:picLocks noChangeAspect="1"/>
+          </p:cNvPicPr>
+          <p:nvPr/>
+        </p:nvPicPr>
+        <p:blipFill>
+          <a:blip r:embed="rId2"/>
+          <a:stretch>
+            <a:fillRect/>
+          </a:stretch>
+        </p:blipFill>
+        <p:spPr>
+          <a:xfrm>
+            <a:off x="1573945" y="2013615"/>
+            <a:ext cx="3615466" cy="3898240"/>
+          </a:xfrm>
+          <a:prstGeom prst="rect">
+            <a:avLst/>
+          </a:prstGeom>
+        </p:spPr>
+      </p:pic>
+      <p:pic>
+        <p:nvPicPr>
+          <p:cNvPr id="14" name="Picture 13">
+            <a:extLst>
+              <a:ext uri="{FF2B5EF4-FFF2-40B4-BE49-F238E27FC236}">
+                <a16:creationId xmlns:a16="http://schemas.microsoft.com/office/drawing/2014/main" id="{ABF8A276-A2B3-A12F-91DB-FD32AE6DE3B8}"/>
+              </a:ext>
+            </a:extLst>
+          </p:cNvPr>
+          <p:cNvPicPr>
+            <a:picLocks noChangeAspect="1"/>
+          </p:cNvPicPr>
+          <p:nvPr/>
+        </p:nvPicPr>
+        <p:blipFill rotWithShape="1">
+          <a:blip r:embed="rId3"/>
+          <a:srcRect r="43171"/>
+          <a:stretch/>
+        </p:blipFill>
+        <p:spPr>
+          <a:xfrm>
+            <a:off x="5678500" y="2013615"/>
+            <a:ext cx="3375853" cy="4370028"/>
+          </a:xfrm>
+          <a:prstGeom prst="rect">
+            <a:avLst/>
+          </a:prstGeom>
+        </p:spPr>
+      </p:pic>
+      <p:sp>
+        <p:nvSpPr>
+          <p:cNvPr id="2" name="Rectangle 1">
+            <a:extLst>
+              <a:ext uri="{FF2B5EF4-FFF2-40B4-BE49-F238E27FC236}">
+                <a16:creationId xmlns:a16="http://schemas.microsoft.com/office/drawing/2014/main" id="{BC497DA5-1C66-DE60-8785-FC65488486AE}"/>
+              </a:ext>
+            </a:extLst>
+          </p:cNvPr>
+          <p:cNvSpPr/>
+          <p:nvPr/>
+        </p:nvSpPr>
+        <p:spPr>
+          <a:xfrm>
+            <a:off x="2090366" y="2324486"/>
+            <a:ext cx="1349859" cy="187200"/>
+          </a:xfrm>
+          <a:prstGeom prst="rect">
+            <a:avLst/>
+          </a:prstGeom>
+          <a:noFill/>
+          <a:ln>
+            <a:solidFill>
+              <a:srgbClr val="FF0000"/>
+            </a:solidFill>
+          </a:ln>
+        </p:spPr>
+        <p:style>
+          <a:lnRef idx="2">
+            <a:schemeClr val="accent1">
+              <a:shade val="50000"/>
+            </a:schemeClr>
+          </a:lnRef>
+          <a:fillRef idx="1">
+            <a:schemeClr val="accent1"/>
+          </a:fillRef>
+          <a:effectRef idx="0">
+            <a:schemeClr val="accent1"/>
+          </a:effectRef>
+          <a:fontRef idx="minor">
+            <a:schemeClr val="lt1"/>
+          </a:fontRef>
+        </p:style>
+        <p:txBody>
+          <a:bodyPr rtlCol="0" anchor="ctr"/>
+          <a:lstStyle/>
+          <a:p>
+            <a:pPr algn="ctr"/>
+            <a:endParaRPr lang="en-US"/>
+          </a:p>
+        </p:txBody>
+      </p:sp>
+      <p:sp>
+        <p:nvSpPr>
+          <p:cNvPr id="4" name="Rectangle 3">
+            <a:extLst>
+              <a:ext uri="{FF2B5EF4-FFF2-40B4-BE49-F238E27FC236}">
+                <a16:creationId xmlns:a16="http://schemas.microsoft.com/office/drawing/2014/main" id="{A904B7AA-9A39-ABE5-1B5E-147104601878}"/>
+              </a:ext>
+            </a:extLst>
+          </p:cNvPr>
+          <p:cNvSpPr/>
+          <p:nvPr/>
+        </p:nvSpPr>
+        <p:spPr>
+          <a:xfrm>
+            <a:off x="5864848" y="2069401"/>
+            <a:ext cx="1457436" cy="138422"/>
+          </a:xfrm>
+          <a:prstGeom prst="rect">
+            <a:avLst/>
+          </a:prstGeom>
+          <a:noFill/>
+          <a:ln>
+            <a:solidFill>
+              <a:srgbClr val="FF0000"/>
+            </a:solidFill>
+          </a:ln>
+        </p:spPr>
+        <p:style>
+          <a:lnRef idx="2">
+            <a:schemeClr val="accent1">
+              <a:shade val="50000"/>
+            </a:schemeClr>
+          </a:lnRef>
+          <a:fillRef idx="1">
+            <a:schemeClr val="accent1"/>
+          </a:fillRef>
+          <a:effectRef idx="0">
+            <a:schemeClr val="accent1"/>
+          </a:effectRef>
+          <a:fontRef idx="minor">
+            <a:schemeClr val="lt1"/>
+          </a:fontRef>
+        </p:style>
+        <p:txBody>
+          <a:bodyPr rtlCol="0" anchor="ctr"/>
+          <a:lstStyle/>
+          <a:p>
+            <a:pPr algn="ctr"/>
+            <a:endParaRPr lang="en-US"/>
+          </a:p>
+        </p:txBody>
+      </p:sp>
+      <p:sp>
+        <p:nvSpPr>
+          <p:cNvPr id="5" name="Speech Bubble: Oval 4">
+            <a:extLst>
+              <a:ext uri="{FF2B5EF4-FFF2-40B4-BE49-F238E27FC236}">
+                <a16:creationId xmlns:a16="http://schemas.microsoft.com/office/drawing/2014/main" id="{8F008EF4-86B7-2B7F-60C7-197456F1620E}"/>
+              </a:ext>
+            </a:extLst>
+          </p:cNvPr>
+          <p:cNvSpPr/>
+          <p:nvPr/>
+        </p:nvSpPr>
+        <p:spPr>
+          <a:xfrm>
+            <a:off x="3245222" y="1867166"/>
+            <a:ext cx="762001" cy="404471"/>
+          </a:xfrm>
+          <a:prstGeom prst="wedgeEllipseCallout">
+            <a:avLst/>
+          </a:prstGeom>
+          <a:noFill/>
+          <a:ln>
+            <a:solidFill>
+              <a:srgbClr val="FF0000"/>
+            </a:solidFill>
+          </a:ln>
+        </p:spPr>
+        <p:style>
+          <a:lnRef idx="2">
+            <a:schemeClr val="accent1">
+              <a:shade val="50000"/>
+            </a:schemeClr>
+          </a:lnRef>
+          <a:fillRef idx="1">
+            <a:schemeClr val="accent1"/>
+          </a:fillRef>
+          <a:effectRef idx="0">
+            <a:schemeClr val="accent1"/>
+          </a:effectRef>
+          <a:fontRef idx="minor">
+            <a:schemeClr val="lt1"/>
+          </a:fontRef>
+        </p:style>
+        <p:txBody>
+          <a:bodyPr rtlCol="0" anchor="ctr"/>
+          <a:lstStyle/>
+          <a:p>
+            <a:pPr algn="ctr"/>
+            <a:r>
+              <a:rPr lang="en-US" sz="700" b="1" dirty="0">
                 <a:solidFill>
                   <a:schemeClr val="tx1"/>
                 </a:solidFill>
               </a:rPr>
-              <a:t>We can’t add customer more information.</a:t>
-            </a:r>
-          </a:p>
-          <a:p>
-            <a:r>
-              <a:rPr lang="en-US" dirty="0">
+              <a:t>Parent</a:t>
+            </a:r>
+          </a:p>
+        </p:txBody>
+      </p:sp>
+      <p:sp>
+        <p:nvSpPr>
+          <p:cNvPr id="6" name="Speech Bubble: Oval 5">
+            <a:extLst>
+              <a:ext uri="{FF2B5EF4-FFF2-40B4-BE49-F238E27FC236}">
+                <a16:creationId xmlns:a16="http://schemas.microsoft.com/office/drawing/2014/main" id="{7632585B-DC43-0DBF-A0E3-C755BC848484}"/>
+              </a:ext>
+            </a:extLst>
+          </p:cNvPr>
+          <p:cNvSpPr/>
+          <p:nvPr/>
+        </p:nvSpPr>
+        <p:spPr>
+          <a:xfrm>
+            <a:off x="7171764" y="1609144"/>
+            <a:ext cx="762001" cy="404471"/>
+          </a:xfrm>
+          <a:prstGeom prst="wedgeEllipseCallout">
+            <a:avLst/>
+          </a:prstGeom>
+          <a:noFill/>
+          <a:ln>
+            <a:solidFill>
+              <a:srgbClr val="FF0000"/>
+            </a:solidFill>
+          </a:ln>
+        </p:spPr>
+        <p:style>
+          <a:lnRef idx="2">
+            <a:schemeClr val="accent1">
+              <a:shade val="50000"/>
+            </a:schemeClr>
+          </a:lnRef>
+          <a:fillRef idx="1">
+            <a:schemeClr val="accent1"/>
+          </a:fillRef>
+          <a:effectRef idx="0">
+            <a:schemeClr val="accent1"/>
+          </a:effectRef>
+          <a:fontRef idx="minor">
+            <a:schemeClr val="lt1"/>
+          </a:fontRef>
+        </p:style>
+        <p:txBody>
+          <a:bodyPr rtlCol="0" anchor="ctr"/>
+          <a:lstStyle/>
+          <a:p>
+            <a:pPr algn="ctr"/>
+            <a:r>
+              <a:rPr lang="en-US" sz="700" b="1" dirty="0">
                 <a:solidFill>
                   <a:schemeClr val="tx1"/>
                 </a:solidFill>
               </a:rPr>
-              <a:t>We have no employee information</a:t>
-            </a:r>
-          </a:p>
-          <a:p>
-            <a:endParaRPr lang="en-US" dirty="0">
-              <a:solidFill>
-                <a:schemeClr val="tx1"/>
-              </a:solidFill>
-            </a:endParaRPr>
-          </a:p>
-          <a:p>
-            <a:pPr marL="0" indent="0">
-              <a:buNone/>
-            </a:pPr>
-            <a:endParaRPr lang="en-US" dirty="0">
-              <a:solidFill>
-                <a:schemeClr val="tx1"/>
-              </a:solidFill>
-            </a:endParaRPr>
-          </a:p>
-          <a:p>
-            <a:pPr>
-              <a:buFont typeface="Arial" panose="020B0604020202020204" pitchFamily="34" charset="0"/>
-              <a:buChar char="•"/>
-            </a:pPr>
-            <a:r>
-              <a:rPr lang="en-US" sz="3200" b="1" dirty="0">
-                <a:solidFill>
-                  <a:schemeClr val="accent1">
-                    <a:lumMod val="50000"/>
-                  </a:schemeClr>
-                </a:solidFill>
-              </a:rPr>
-              <a:t>Future Plan</a:t>
-            </a:r>
-          </a:p>
-          <a:p>
-            <a:pPr marL="0" indent="0">
-              <a:buNone/>
-            </a:pPr>
-            <a:endParaRPr lang="en-US" sz="3200" b="1" dirty="0">
-              <a:solidFill>
-                <a:schemeClr val="accent1">
-                  <a:lumMod val="50000"/>
-                </a:schemeClr>
-              </a:solidFill>
-            </a:endParaRPr>
-          </a:p>
-          <a:p>
-            <a:r>
-              <a:rPr lang="en-US" dirty="0">
-                <a:solidFill>
-                  <a:schemeClr val="tx1"/>
-                </a:solidFill>
-              </a:rPr>
-              <a:t>To convert this project in app then we can use it by laptop , desktop and mobile Add restaurant option in our project.</a:t>
-            </a:r>
-          </a:p>
-          <a:p>
-            <a:r>
-              <a:rPr lang="en-US" dirty="0">
-                <a:solidFill>
-                  <a:schemeClr val="tx1"/>
-                </a:solidFill>
-              </a:rPr>
-              <a:t>Add also driver.</a:t>
-            </a:r>
-          </a:p>
-          <a:p>
-            <a:r>
-              <a:rPr lang="en-US" dirty="0">
-                <a:solidFill>
-                  <a:schemeClr val="tx1"/>
-                </a:solidFill>
-              </a:rPr>
-              <a:t>Add </a:t>
-            </a:r>
-            <a:r>
-              <a:rPr lang="en-US" dirty="0">
-                <a:solidFill>
-                  <a:schemeClr val="tx1"/>
-                </a:solidFill>
-                <a:latin typeface="Poppins" panose="020B0502040204020203" pitchFamily="2" charset="0"/>
-              </a:rPr>
-              <a:t>r</a:t>
-            </a:r>
-            <a:r>
-              <a:rPr lang="en-US" b="0" i="0" dirty="0">
-                <a:solidFill>
-                  <a:schemeClr val="tx1"/>
-                </a:solidFill>
-                <a:effectLst/>
-                <a:latin typeface="Poppins" panose="020B0502040204020203" pitchFamily="2" charset="0"/>
-              </a:rPr>
-              <a:t>eview option for the customer.</a:t>
-            </a:r>
-          </a:p>
-          <a:p>
-            <a:pPr marL="0" indent="0">
-              <a:buNone/>
-            </a:pPr>
-            <a:endParaRPr lang="en-US" b="0" i="0" dirty="0">
-              <a:effectLst/>
-              <a:latin typeface="Poppins" panose="020B0502040204020203" pitchFamily="2" charset="0"/>
-            </a:endParaRPr>
-          </a:p>
-          <a:p>
-            <a:endParaRPr lang="en-US" dirty="0">
-              <a:solidFill>
-                <a:schemeClr val="tx1"/>
-              </a:solidFill>
-            </a:endParaRPr>
-          </a:p>
-          <a:p>
-            <a:endParaRPr lang="en-US" dirty="0"/>
+              <a:t>Child</a:t>
+            </a:r>
           </a:p>
         </p:txBody>
       </p:sp>
     </p:spTree>
     <p:extLst>
       <p:ext uri="{BB962C8B-B14F-4D97-AF65-F5344CB8AC3E}">
-        <p14:creationId xmlns:p14="http://schemas.microsoft.com/office/powerpoint/2010/main" val="2033502364"/>
+        <p14:creationId xmlns:p14="http://schemas.microsoft.com/office/powerpoint/2010/main" val="261938304"/>
       </p:ext>
     </p:extLst>
   </p:cSld>
@@ -12179,6 +12879,304 @@
       </p:grpSpPr>
       <p:sp>
         <p:nvSpPr>
+          <p:cNvPr id="3" name="Content Placeholder 2">
+            <a:extLst>
+              <a:ext uri="{FF2B5EF4-FFF2-40B4-BE49-F238E27FC236}">
+                <a16:creationId xmlns:a16="http://schemas.microsoft.com/office/drawing/2014/main" id="{DD8673D8-AF5B-C7D0-5EDA-0DEECED8D4E7}"/>
+              </a:ext>
+            </a:extLst>
+          </p:cNvPr>
+          <p:cNvSpPr>
+            <a:spLocks noGrp="1"/>
+          </p:cNvSpPr>
+          <p:nvPr>
+            <p:ph idx="1"/>
+          </p:nvPr>
+        </p:nvSpPr>
+        <p:spPr>
+          <a:xfrm>
+            <a:off x="1048317" y="1271248"/>
+            <a:ext cx="8915400" cy="3777622"/>
+          </a:xfrm>
+        </p:spPr>
+        <p:txBody>
+          <a:bodyPr/>
+          <a:lstStyle/>
+          <a:p>
+            <a:r>
+              <a:rPr lang="en-US" dirty="0"/>
+              <a:t>We use  here  </a:t>
+            </a:r>
+            <a:r>
+              <a:rPr lang="en-US" b="1" i="0" dirty="0">
+                <a:solidFill>
+                  <a:srgbClr val="222222"/>
+                </a:solidFill>
+                <a:effectLst/>
+                <a:latin typeface="Source Sans Pro" panose="020B0503030403020204" pitchFamily="34" charset="0"/>
+              </a:rPr>
+              <a:t>Encapsulation </a:t>
+            </a:r>
+            <a:r>
+              <a:rPr lang="en-US" i="0" dirty="0">
+                <a:solidFill>
+                  <a:srgbClr val="222222"/>
+                </a:solidFill>
+                <a:effectLst/>
+                <a:latin typeface="Source Sans Pro" panose="020B0503030403020204" pitchFamily="34" charset="0"/>
+              </a:rPr>
+              <a:t>-</a:t>
+            </a:r>
+            <a:r>
+              <a:rPr lang="en-US" dirty="0"/>
+              <a:t>&gt;</a:t>
+            </a:r>
+          </a:p>
+          <a:p>
+            <a:pPr algn="l"/>
+            <a:r>
+              <a:rPr lang="en-US" b="0" i="0" dirty="0">
+                <a:effectLst/>
+                <a:latin typeface="euclid_circular_a"/>
+              </a:rPr>
+              <a:t>Encapsulation is one of the key features of object-oriented programming. It involves the bundling of data members and functions inside a single class.</a:t>
+            </a:r>
+          </a:p>
+          <a:p>
+            <a:pPr algn="l"/>
+            <a:r>
+              <a:rPr lang="en-US" b="0" i="0" dirty="0">
+                <a:effectLst/>
+                <a:latin typeface="euclid_circular_a"/>
+              </a:rPr>
+              <a:t>Bundling similar data members and functions inside a class together also helps in data hiding.</a:t>
+            </a:r>
+          </a:p>
+          <a:p>
+            <a:endParaRPr lang="en-US" dirty="0"/>
+          </a:p>
+          <a:p>
+            <a:pPr marL="0" indent="0">
+              <a:buNone/>
+            </a:pPr>
+            <a:endParaRPr lang="en-US" dirty="0"/>
+          </a:p>
+          <a:p>
+            <a:pPr marL="0" indent="0">
+              <a:buNone/>
+            </a:pPr>
+            <a:endParaRPr lang="en-US" dirty="0"/>
+          </a:p>
+        </p:txBody>
+      </p:sp>
+      <p:pic>
+        <p:nvPicPr>
+          <p:cNvPr id="13" name="Picture 12">
+            <a:extLst>
+              <a:ext uri="{FF2B5EF4-FFF2-40B4-BE49-F238E27FC236}">
+                <a16:creationId xmlns:a16="http://schemas.microsoft.com/office/drawing/2014/main" id="{047C9CF3-375B-5AB8-3229-316FADB7C70C}"/>
+              </a:ext>
+            </a:extLst>
+          </p:cNvPr>
+          <p:cNvPicPr>
+            <a:picLocks noChangeAspect="1"/>
+          </p:cNvPicPr>
+          <p:nvPr/>
+        </p:nvPicPr>
+        <p:blipFill>
+          <a:blip r:embed="rId2"/>
+          <a:stretch>
+            <a:fillRect/>
+          </a:stretch>
+        </p:blipFill>
+        <p:spPr>
+          <a:xfrm>
+            <a:off x="7062544" y="3185212"/>
+            <a:ext cx="3723114" cy="3777621"/>
+          </a:xfrm>
+          <a:prstGeom prst="rect">
+            <a:avLst/>
+          </a:prstGeom>
+        </p:spPr>
+      </p:pic>
+      <p:pic>
+        <p:nvPicPr>
+          <p:cNvPr id="18" name="Picture 17">
+            <a:extLst>
+              <a:ext uri="{FF2B5EF4-FFF2-40B4-BE49-F238E27FC236}">
+                <a16:creationId xmlns:a16="http://schemas.microsoft.com/office/drawing/2014/main" id="{456B10E3-397A-9343-2F27-54EC981BB18E}"/>
+              </a:ext>
+            </a:extLst>
+          </p:cNvPr>
+          <p:cNvPicPr>
+            <a:picLocks noChangeAspect="1"/>
+          </p:cNvPicPr>
+          <p:nvPr/>
+        </p:nvPicPr>
+        <p:blipFill>
+          <a:blip r:embed="rId3"/>
+          <a:stretch>
+            <a:fillRect/>
+          </a:stretch>
+        </p:blipFill>
+        <p:spPr>
+          <a:xfrm>
+            <a:off x="3372988" y="3567730"/>
+            <a:ext cx="2600662" cy="1625414"/>
+          </a:xfrm>
+          <a:prstGeom prst="rect">
+            <a:avLst/>
+          </a:prstGeom>
+        </p:spPr>
+      </p:pic>
+      <p:sp>
+        <p:nvSpPr>
+          <p:cNvPr id="2" name="Rectangle 1">
+            <a:extLst>
+              <a:ext uri="{FF2B5EF4-FFF2-40B4-BE49-F238E27FC236}">
+                <a16:creationId xmlns:a16="http://schemas.microsoft.com/office/drawing/2014/main" id="{70E75912-29B6-2D49-0E84-89846B6D6E6E}"/>
+              </a:ext>
+            </a:extLst>
+          </p:cNvPr>
+          <p:cNvSpPr/>
+          <p:nvPr/>
+        </p:nvSpPr>
+        <p:spPr>
+          <a:xfrm>
+            <a:off x="7342093" y="3662083"/>
+            <a:ext cx="1942312" cy="174812"/>
+          </a:xfrm>
+          <a:prstGeom prst="rect">
+            <a:avLst/>
+          </a:prstGeom>
+          <a:noFill/>
+          <a:ln>
+            <a:solidFill>
+              <a:srgbClr val="FF0000"/>
+            </a:solidFill>
+          </a:ln>
+        </p:spPr>
+        <p:style>
+          <a:lnRef idx="2">
+            <a:schemeClr val="accent1">
+              <a:shade val="50000"/>
+            </a:schemeClr>
+          </a:lnRef>
+          <a:fillRef idx="1">
+            <a:schemeClr val="accent1"/>
+          </a:fillRef>
+          <a:effectRef idx="0">
+            <a:schemeClr val="accent1"/>
+          </a:effectRef>
+          <a:fontRef idx="minor">
+            <a:schemeClr val="lt1"/>
+          </a:fontRef>
+        </p:style>
+        <p:txBody>
+          <a:bodyPr rtlCol="0" anchor="ctr"/>
+          <a:lstStyle/>
+          <a:p>
+            <a:pPr algn="ctr"/>
+            <a:endParaRPr lang="en-US"/>
+          </a:p>
+        </p:txBody>
+      </p:sp>
+      <p:sp>
+        <p:nvSpPr>
+          <p:cNvPr id="4" name="Rectangle 3">
+            <a:extLst>
+              <a:ext uri="{FF2B5EF4-FFF2-40B4-BE49-F238E27FC236}">
+                <a16:creationId xmlns:a16="http://schemas.microsoft.com/office/drawing/2014/main" id="{F0C943FE-2D05-8B43-E2FF-468D3E86B57E}"/>
+              </a:ext>
+            </a:extLst>
+          </p:cNvPr>
+          <p:cNvSpPr/>
+          <p:nvPr/>
+        </p:nvSpPr>
+        <p:spPr>
+          <a:xfrm>
+            <a:off x="7342093" y="4069976"/>
+            <a:ext cx="1942312" cy="2420471"/>
+          </a:xfrm>
+          <a:prstGeom prst="rect">
+            <a:avLst/>
+          </a:prstGeom>
+          <a:noFill/>
+          <a:ln>
+            <a:solidFill>
+              <a:srgbClr val="FF0000"/>
+            </a:solidFill>
+          </a:ln>
+        </p:spPr>
+        <p:style>
+          <a:lnRef idx="2">
+            <a:schemeClr val="accent1">
+              <a:shade val="50000"/>
+            </a:schemeClr>
+          </a:lnRef>
+          <a:fillRef idx="1">
+            <a:schemeClr val="accent1"/>
+          </a:fillRef>
+          <a:effectRef idx="0">
+            <a:schemeClr val="accent1"/>
+          </a:effectRef>
+          <a:fontRef idx="minor">
+            <a:schemeClr val="lt1"/>
+          </a:fontRef>
+        </p:style>
+        <p:txBody>
+          <a:bodyPr rtlCol="0" anchor="ctr"/>
+          <a:lstStyle/>
+          <a:p>
+            <a:pPr algn="ctr"/>
+            <a:endParaRPr lang="en-US"/>
+          </a:p>
+        </p:txBody>
+      </p:sp>
+    </p:spTree>
+    <p:extLst>
+      <p:ext uri="{BB962C8B-B14F-4D97-AF65-F5344CB8AC3E}">
+        <p14:creationId xmlns:p14="http://schemas.microsoft.com/office/powerpoint/2010/main" val="3634344546"/>
+      </p:ext>
+    </p:extLst>
+  </p:cSld>
+  <p:clrMapOvr>
+    <a:masterClrMapping/>
+  </p:clrMapOvr>
+  <mc:AlternateContent xmlns:mc="http://schemas.openxmlformats.org/markup-compatibility/2006" xmlns:p14="http://schemas.microsoft.com/office/powerpoint/2010/main">
+    <mc:Choice Requires="p14">
+      <p:transition spd="slow" p14:dur="1500">
+        <p:split orient="vert"/>
+      </p:transition>
+    </mc:Choice>
+    <mc:Fallback xmlns="">
+      <p:transition spd="slow">
+        <p:split orient="vert"/>
+      </p:transition>
+    </mc:Fallback>
+  </mc:AlternateContent>
+</p:sld>
+</file>
+
+<file path=ppt/slides/slide27.xml><?xml version="1.0" encoding="utf-8"?>
+<p:sld xmlns:a="http://schemas.openxmlformats.org/drawingml/2006/main" xmlns:r="http://schemas.openxmlformats.org/officeDocument/2006/relationships" xmlns:p="http://schemas.openxmlformats.org/presentationml/2006/main">
+  <p:cSld>
+    <p:spTree>
+      <p:nvGrpSpPr>
+        <p:cNvPr id="1" name=""/>
+        <p:cNvGrpSpPr/>
+        <p:nvPr/>
+      </p:nvGrpSpPr>
+      <p:grpSpPr>
+        <a:xfrm>
+          <a:off x="0" y="0"/>
+          <a:ext cx="0" cy="0"/>
+          <a:chOff x="0" y="0"/>
+          <a:chExt cx="0" cy="0"/>
+        </a:xfrm>
+      </p:grpSpPr>
+      <p:sp>
+        <p:nvSpPr>
           <p:cNvPr id="2" name="Title 1">
             <a:extLst>
               <a:ext uri="{FF2B5EF4-FFF2-40B4-BE49-F238E27FC236}">
@@ -12195,8 +13193,8 @@
         </p:nvSpPr>
         <p:spPr>
           <a:xfrm>
-            <a:off x="1636443" y="689207"/>
-            <a:ext cx="8318309" cy="515142"/>
+            <a:off x="1551602" y="622094"/>
+            <a:ext cx="8318309" cy="2806906"/>
           </a:xfrm>
         </p:spPr>
         <p:txBody>
@@ -12210,26 +13208,25 @@
               <a:buChar char="•"/>
             </a:pPr>
             <a:r>
-              <a:rPr lang="en-US" sz="3200" b="1" i="1" dirty="0" err="1">
+              <a:rPr lang="en-US" sz="3200" b="1" dirty="0">
                 <a:solidFill>
                   <a:schemeClr val="accent1">
                     <a:lumMod val="50000"/>
                   </a:schemeClr>
                 </a:solidFill>
               </a:rPr>
-              <a:t>Github</a:t>
-            </a:r>
-            <a:r>
-              <a:rPr lang="en-US" sz="3200" b="1" i="1" dirty="0">
+              <a:t>Limitation</a:t>
+            </a:r>
+            <a:br>
+              <a:rPr lang="en-US" sz="3200" b="1" dirty="0">
                 <a:solidFill>
                   <a:schemeClr val="accent1">
                     <a:lumMod val="50000"/>
                   </a:schemeClr>
                 </a:solidFill>
               </a:rPr>
-              <a:t> link</a:t>
-            </a:r>
-            <a:endParaRPr lang="en-US" sz="3200" dirty="0">
+            </a:br>
+            <a:endParaRPr lang="en-US" sz="3200" b="1" dirty="0">
               <a:solidFill>
                 <a:schemeClr val="accent1">
                   <a:lumMod val="50000"/>
@@ -12257,13 +13254,35 @@
         </p:nvSpPr>
         <p:spPr>
           <a:xfrm>
-            <a:off x="1039352" y="1540189"/>
+            <a:off x="1551602" y="1421090"/>
             <a:ext cx="8915400" cy="3777622"/>
           </a:xfrm>
         </p:spPr>
         <p:txBody>
-          <a:bodyPr/>
-          <a:lstStyle/>
+          <a:bodyPr>
+            <a:normAutofit fontScale="92500" lnSpcReduction="20000"/>
+          </a:bodyPr>
+          <a:lstStyle/>
+          <a:p>
+            <a:r>
+              <a:rPr lang="en-US" dirty="0">
+                <a:solidFill>
+                  <a:schemeClr val="tx1"/>
+                </a:solidFill>
+              </a:rPr>
+              <a:t>We can’t add customer more information.</a:t>
+            </a:r>
+          </a:p>
+          <a:p>
+            <a:r>
+              <a:rPr lang="en-US" dirty="0">
+                <a:solidFill>
+                  <a:schemeClr val="tx1"/>
+                </a:solidFill>
+              </a:rPr>
+              <a:t>We have no employee information</a:t>
+            </a:r>
+          </a:p>
           <a:p>
             <a:endParaRPr lang="en-US" dirty="0">
               <a:solidFill>
@@ -12272,20 +13291,260 @@
             </a:endParaRPr>
           </a:p>
           <a:p>
-            <a:r>
-              <a:rPr lang="en-US" b="1" dirty="0"/>
-              <a:t>Sahana-&gt;</a:t>
-            </a:r>
+            <a:pPr marL="0" indent="0">
+              <a:buNone/>
+            </a:pPr>
+            <a:endParaRPr lang="en-US" dirty="0">
+              <a:solidFill>
+                <a:schemeClr val="tx1"/>
+              </a:solidFill>
+            </a:endParaRPr>
           </a:p>
           <a:p>
             <a:pPr>
-              <a:buFont typeface="Wingdings" panose="05000000000000000000" pitchFamily="2" charset="2"/>
-              <a:buChar char="q"/>
+              <a:buFont typeface="Arial" panose="020B0604020202020204" pitchFamily="34" charset="0"/>
+              <a:buChar char="•"/>
             </a:pPr>
+            <a:r>
+              <a:rPr lang="en-US" sz="3200" b="1" dirty="0">
+                <a:solidFill>
+                  <a:schemeClr val="accent1">
+                    <a:lumMod val="50000"/>
+                  </a:schemeClr>
+                </a:solidFill>
+              </a:rPr>
+              <a:t>Future Plan</a:t>
+            </a:r>
+          </a:p>
+          <a:p>
+            <a:pPr marL="0" indent="0">
+              <a:buNone/>
+            </a:pPr>
+            <a:endParaRPr lang="en-US" sz="3200" b="1" dirty="0">
+              <a:solidFill>
+                <a:schemeClr val="accent1">
+                  <a:lumMod val="50000"/>
+                </a:schemeClr>
+              </a:solidFill>
+            </a:endParaRPr>
+          </a:p>
+          <a:p>
             <a:r>
               <a:rPr lang="en-US" dirty="0">
                 <a:solidFill>
                   <a:schemeClr val="tx1"/>
+                </a:solidFill>
+              </a:rPr>
+              <a:t>To convert this project in app then we can use it by laptop , desktop and mobile Add restaurant option in our project.</a:t>
+            </a:r>
+          </a:p>
+          <a:p>
+            <a:r>
+              <a:rPr lang="en-US" dirty="0">
+                <a:solidFill>
+                  <a:schemeClr val="tx1"/>
+                </a:solidFill>
+              </a:rPr>
+              <a:t>Add also driver.</a:t>
+            </a:r>
+          </a:p>
+          <a:p>
+            <a:r>
+              <a:rPr lang="en-US" dirty="0">
+                <a:solidFill>
+                  <a:schemeClr val="tx1"/>
+                </a:solidFill>
+              </a:rPr>
+              <a:t>Add </a:t>
+            </a:r>
+            <a:r>
+              <a:rPr lang="en-US" dirty="0">
+                <a:solidFill>
+                  <a:schemeClr val="tx1"/>
+                </a:solidFill>
+                <a:latin typeface="Poppins" panose="020B0502040204020203" pitchFamily="2" charset="0"/>
+              </a:rPr>
+              <a:t>r</a:t>
+            </a:r>
+            <a:r>
+              <a:rPr lang="en-US" b="0" i="0" dirty="0">
+                <a:solidFill>
+                  <a:schemeClr val="tx1"/>
+                </a:solidFill>
+                <a:effectLst/>
+                <a:latin typeface="Poppins" panose="020B0502040204020203" pitchFamily="2" charset="0"/>
+              </a:rPr>
+              <a:t>eview option for the customer.</a:t>
+            </a:r>
+          </a:p>
+          <a:p>
+            <a:pPr marL="0" indent="0">
+              <a:buNone/>
+            </a:pPr>
+            <a:endParaRPr lang="en-US" b="0" i="0" dirty="0">
+              <a:effectLst/>
+              <a:latin typeface="Poppins" panose="020B0502040204020203" pitchFamily="2" charset="0"/>
+            </a:endParaRPr>
+          </a:p>
+          <a:p>
+            <a:endParaRPr lang="en-US" dirty="0">
+              <a:solidFill>
+                <a:schemeClr val="tx1"/>
+              </a:solidFill>
+            </a:endParaRPr>
+          </a:p>
+          <a:p>
+            <a:endParaRPr lang="en-US" dirty="0"/>
+          </a:p>
+        </p:txBody>
+      </p:sp>
+    </p:spTree>
+    <p:extLst>
+      <p:ext uri="{BB962C8B-B14F-4D97-AF65-F5344CB8AC3E}">
+        <p14:creationId xmlns:p14="http://schemas.microsoft.com/office/powerpoint/2010/main" val="2033502364"/>
+      </p:ext>
+    </p:extLst>
+  </p:cSld>
+  <p:clrMapOvr>
+    <a:masterClrMapping/>
+  </p:clrMapOvr>
+  <mc:AlternateContent xmlns:mc="http://schemas.openxmlformats.org/markup-compatibility/2006" xmlns:p14="http://schemas.microsoft.com/office/powerpoint/2010/main">
+    <mc:Choice Requires="p14">
+      <p:transition spd="slow" p14:dur="1500">
+        <p:split orient="vert"/>
+      </p:transition>
+    </mc:Choice>
+    <mc:Fallback xmlns="">
+      <p:transition spd="slow">
+        <p:split orient="vert"/>
+      </p:transition>
+    </mc:Fallback>
+  </mc:AlternateContent>
+</p:sld>
+</file>
+
+<file path=ppt/slides/slide28.xml><?xml version="1.0" encoding="utf-8"?>
+<p:sld xmlns:a="http://schemas.openxmlformats.org/drawingml/2006/main" xmlns:r="http://schemas.openxmlformats.org/officeDocument/2006/relationships" xmlns:p="http://schemas.openxmlformats.org/presentationml/2006/main">
+  <p:cSld>
+    <p:spTree>
+      <p:nvGrpSpPr>
+        <p:cNvPr id="1" name=""/>
+        <p:cNvGrpSpPr/>
+        <p:nvPr/>
+      </p:nvGrpSpPr>
+      <p:grpSpPr>
+        <a:xfrm>
+          <a:off x="0" y="0"/>
+          <a:ext cx="0" cy="0"/>
+          <a:chOff x="0" y="0"/>
+          <a:chExt cx="0" cy="0"/>
+        </a:xfrm>
+      </p:grpSpPr>
+      <p:sp>
+        <p:nvSpPr>
+          <p:cNvPr id="2" name="Title 1">
+            <a:extLst>
+              <a:ext uri="{FF2B5EF4-FFF2-40B4-BE49-F238E27FC236}">
+                <a16:creationId xmlns:a16="http://schemas.microsoft.com/office/drawing/2014/main" id="{0FC0B987-20A2-924B-6B2E-DAAA5147C6CD}"/>
+              </a:ext>
+            </a:extLst>
+          </p:cNvPr>
+          <p:cNvSpPr>
+            <a:spLocks noGrp="1"/>
+          </p:cNvSpPr>
+          <p:nvPr>
+            <p:ph type="title"/>
+          </p:nvPr>
+        </p:nvSpPr>
+        <p:spPr>
+          <a:xfrm>
+            <a:off x="1636443" y="689207"/>
+            <a:ext cx="8318309" cy="515142"/>
+          </a:xfrm>
+        </p:spPr>
+        <p:txBody>
+          <a:bodyPr>
+            <a:noAutofit/>
+          </a:bodyPr>
+          <a:lstStyle/>
+          <a:p>
+            <a:pPr marL="457200" indent="-457200">
+              <a:buFont typeface="Arial" panose="020B0604020202020204" pitchFamily="34" charset="0"/>
+              <a:buChar char="•"/>
+            </a:pPr>
+            <a:r>
+              <a:rPr lang="en-US" sz="3200" b="1" i="1" dirty="0" err="1">
+                <a:solidFill>
+                  <a:schemeClr val="accent1">
+                    <a:lumMod val="50000"/>
+                  </a:schemeClr>
+                </a:solidFill>
+              </a:rPr>
+              <a:t>Github</a:t>
+            </a:r>
+            <a:r>
+              <a:rPr lang="en-US" sz="3200" b="1" i="1" dirty="0">
+                <a:solidFill>
+                  <a:schemeClr val="accent1">
+                    <a:lumMod val="50000"/>
+                  </a:schemeClr>
+                </a:solidFill>
+              </a:rPr>
+              <a:t> link of our project(Individually)</a:t>
+            </a:r>
+            <a:endParaRPr lang="en-US" sz="3200" dirty="0">
+              <a:solidFill>
+                <a:schemeClr val="accent1">
+                  <a:lumMod val="50000"/>
+                </a:schemeClr>
+              </a:solidFill>
+            </a:endParaRPr>
+          </a:p>
+        </p:txBody>
+      </p:sp>
+      <p:sp>
+        <p:nvSpPr>
+          <p:cNvPr id="3" name="Content Placeholder 2">
+            <a:extLst>
+              <a:ext uri="{FF2B5EF4-FFF2-40B4-BE49-F238E27FC236}">
+                <a16:creationId xmlns:a16="http://schemas.microsoft.com/office/drawing/2014/main" id="{DD8673D8-AF5B-C7D0-5EDA-0DEECED8D4E7}"/>
+              </a:ext>
+            </a:extLst>
+          </p:cNvPr>
+          <p:cNvSpPr>
+            <a:spLocks noGrp="1"/>
+          </p:cNvSpPr>
+          <p:nvPr>
+            <p:ph idx="1"/>
+          </p:nvPr>
+        </p:nvSpPr>
+        <p:spPr>
+          <a:xfrm>
+            <a:off x="869670" y="1323372"/>
+            <a:ext cx="11322330" cy="3777622"/>
+          </a:xfrm>
+        </p:spPr>
+        <p:txBody>
+          <a:bodyPr>
+            <a:normAutofit/>
+          </a:bodyPr>
+          <a:lstStyle/>
+          <a:p>
+            <a:pPr marL="0" indent="0">
+              <a:buNone/>
+            </a:pPr>
+            <a:r>
+              <a:rPr lang="en-US" b="1" dirty="0">
+                <a:solidFill>
+                  <a:schemeClr val="tx1"/>
+                </a:solidFill>
+              </a:rPr>
+              <a:t>C193209(Sahana Akter):</a:t>
+            </a:r>
+            <a:r>
+              <a:rPr lang="en-US" dirty="0">
+                <a:solidFill>
+                  <a:srgbClr val="00B050"/>
                 </a:solidFill>
                 <a:hlinkClick r:id="rId2">
                   <a:extLst>
@@ -12295,17 +13554,43 @@
                   </a:extLst>
                 </a:hlinkClick>
               </a:rPr>
-              <a:t>https://github.com/Sahana-Akter/Hotel-Booking-in-java-using-File.git</a:t>
+              <a:t>https://github.com/Sahana-Akter/Hotel-Booking-in-java-using-</a:t>
+            </a:r>
+            <a:r>
+              <a:rPr lang="en-US" dirty="0" err="1">
+                <a:solidFill>
+                  <a:srgbClr val="00B050"/>
+                </a:solidFill>
+                <a:hlinkClick r:id="rId2">
+                  <a:extLst>
+                    <a:ext uri="{A12FA001-AC4F-418D-AE19-62706E023703}">
+                      <ahyp:hlinkClr xmlns:ahyp="http://schemas.microsoft.com/office/drawing/2018/hyperlinkcolor" val="tx"/>
+                    </a:ext>
+                  </a:extLst>
+                </a:hlinkClick>
+              </a:rPr>
+              <a:t>File.git</a:t>
             </a:r>
             <a:endParaRPr lang="en-US" dirty="0">
               <a:solidFill>
-                <a:schemeClr val="tx1"/>
+                <a:srgbClr val="00B050"/>
               </a:solidFill>
             </a:endParaRPr>
           </a:p>
           <a:p>
-            <a:r>
-              <a:rPr lang="en-US" dirty="0" err="1">
+            <a:pPr marL="0" indent="0">
+              <a:buNone/>
+            </a:pPr>
+            <a:r>
+              <a:rPr lang="en-US" b="1" dirty="0">
+                <a:solidFill>
+                  <a:schemeClr val="tx1"/>
+                </a:solidFill>
+              </a:rPr>
+              <a:t>C193214(Samira </a:t>
+            </a:r>
+            <a:r>
+              <a:rPr lang="en-US" b="1" dirty="0" err="1">
                 <a:solidFill>
                   <a:schemeClr val="tx1"/>
                 </a:solidFill>
@@ -12313,31 +13598,48 @@
               <a:t>Saimee</a:t>
             </a:r>
             <a:r>
-              <a:rPr lang="en-US" dirty="0">
+              <a:rPr lang="en-US" b="1" dirty="0">
                 <a:solidFill>
                   <a:schemeClr val="tx1"/>
                 </a:solidFill>
               </a:rPr>
-              <a:t>-&gt;</a:t>
-            </a:r>
-          </a:p>
-          <a:p>
-            <a:pPr>
-              <a:buFont typeface="Wingdings" panose="05000000000000000000" pitchFamily="2" charset="2"/>
-              <a:buChar char="q"/>
+              <a:t>): </a:t>
+            </a:r>
+            <a:r>
+              <a:rPr lang="en-US" dirty="0">
+                <a:solidFill>
+                  <a:srgbClr val="00B050"/>
+                </a:solidFill>
+                <a:hlinkClick r:id="rId3">
+                  <a:extLst>
+                    <a:ext uri="{A12FA001-AC4F-418D-AE19-62706E023703}">
+                      <ahyp:hlinkClr xmlns:ahyp="http://schemas.microsoft.com/office/drawing/2018/hyperlinkcolor" val="tx"/>
+                    </a:ext>
+                  </a:extLst>
+                </a:hlinkClick>
+              </a:rPr>
+              <a:t>https://github.com/samirasaimee/Hotel-Booking-in-java-using-File/tree/main/Hotel-Booking-in-java-using-File/Hotel-Booking-in-java-using-File-main-main</a:t>
+            </a:r>
+            <a:endParaRPr lang="en-US" dirty="0">
+              <a:solidFill>
+                <a:srgbClr val="00B050"/>
+              </a:solidFill>
+            </a:endParaRPr>
+          </a:p>
+          <a:p>
+            <a:pPr marL="0" indent="0">
+              <a:buNone/>
             </a:pPr>
             <a:r>
-              <a:rPr lang="en-US" dirty="0">
+              <a:rPr lang="en-US" b="1" dirty="0">
                 <a:solidFill>
                   <a:schemeClr val="tx1"/>
                 </a:solidFill>
               </a:rPr>
-              <a:t>mms</a:t>
-            </a:r>
-          </a:p>
-          <a:p>
-            <a:r>
-              <a:rPr lang="en-US" dirty="0" err="1">
+              <a:t>C193221(</a:t>
+            </a:r>
+            <a:r>
+              <a:rPr lang="en-US" b="1" dirty="0" err="1">
                 <a:solidFill>
                   <a:schemeClr val="tx1"/>
                 </a:solidFill>
@@ -12345,34 +13647,93 @@
               <a:t>Lubna</a:t>
             </a:r>
             <a:r>
-              <a:rPr lang="en-US" dirty="0">
+              <a:rPr lang="en-US" b="1" dirty="0">
                 <a:solidFill>
                   <a:schemeClr val="tx1"/>
                 </a:solidFill>
               </a:rPr>
-              <a:t>-&gt;</a:t>
-            </a:r>
-          </a:p>
-          <a:p>
-            <a:pPr>
-              <a:buFont typeface="Wingdings" panose="05000000000000000000" pitchFamily="2" charset="2"/>
-              <a:buChar char="q"/>
+              <a:t> Sultana): </a:t>
+            </a:r>
+            <a:r>
+              <a:rPr lang="en-US" dirty="0">
+                <a:solidFill>
+                  <a:srgbClr val="00B050"/>
+                </a:solidFill>
+                <a:hlinkClick r:id="rId4">
+                  <a:extLst>
+                    <a:ext uri="{A12FA001-AC4F-418D-AE19-62706E023703}">
+                      <ahyp:hlinkClr xmlns:ahyp="http://schemas.microsoft.com/office/drawing/2018/hyperlinkcolor" val="tx"/>
+                    </a:ext>
+                  </a:extLst>
+                </a:hlinkClick>
+              </a:rPr>
+              <a:t>h</a:t>
+            </a:r>
+            <a:r>
+              <a:rPr lang="en-US" dirty="0">
+                <a:solidFill>
+                  <a:srgbClr val="00B050"/>
+                </a:solidFill>
+                <a:hlinkClick r:id="rId4">
+                  <a:extLst>
+                    <a:ext uri="{A12FA001-AC4F-418D-AE19-62706E023703}">
+                      <ahyp:hlinkClr xmlns:ahyp="http://schemas.microsoft.com/office/drawing/2018/hyperlinkcolor" val="tx"/>
+                    </a:ext>
+                  </a:extLst>
+                </a:hlinkClick>
+              </a:rPr>
+              <a:t>ttps://github.com/Lubna-sultana/Hotel-Booking-in-java-using-File-main.git</a:t>
+            </a:r>
+            <a:endParaRPr lang="en-US" dirty="0">
+              <a:solidFill>
+                <a:srgbClr val="00B050"/>
+              </a:solidFill>
+            </a:endParaRPr>
+          </a:p>
+          <a:p>
+            <a:pPr marL="0" indent="0">
+              <a:buNone/>
             </a:pPr>
             <a:r>
-              <a:rPr lang="en-US" dirty="0" err="1">
+              <a:rPr lang="en-US" b="1" dirty="0">
                 <a:solidFill>
                   <a:schemeClr val="tx1"/>
                 </a:solidFill>
               </a:rPr>
-              <a:t>dss</a:t>
-            </a:r>
-            <a:endParaRPr lang="en-US" dirty="0">
-              <a:solidFill>
-                <a:schemeClr val="tx1"/>
-              </a:solidFill>
-            </a:endParaRPr>
-          </a:p>
-          <a:p>
+              <a:t>                   Sahana Akter                                           Samira </a:t>
+            </a:r>
+            <a:r>
+              <a:rPr lang="en-US" b="1" dirty="0" err="1">
+                <a:solidFill>
+                  <a:schemeClr val="tx1"/>
+                </a:solidFill>
+              </a:rPr>
+              <a:t>Saimee</a:t>
+            </a:r>
+            <a:r>
+              <a:rPr lang="en-US" b="1" dirty="0">
+                <a:solidFill>
+                  <a:schemeClr val="tx1"/>
+                </a:solidFill>
+              </a:rPr>
+              <a:t>                                   </a:t>
+            </a:r>
+            <a:r>
+              <a:rPr lang="en-US" b="1" dirty="0" err="1">
+                <a:solidFill>
+                  <a:schemeClr val="tx1"/>
+                </a:solidFill>
+              </a:rPr>
+              <a:t>Lubna</a:t>
+            </a:r>
+            <a:r>
+              <a:rPr lang="en-US" b="1" dirty="0">
+                <a:solidFill>
+                  <a:schemeClr val="tx1"/>
+                </a:solidFill>
+              </a:rPr>
+              <a:t> Sultana</a:t>
+            </a:r>
             <a:endParaRPr lang="en-US" dirty="0">
               <a:solidFill>
                 <a:schemeClr val="tx1"/>
@@ -12417,6 +13778,95 @@
           </a:p>
         </p:txBody>
       </p:sp>
+      <p:pic>
+        <p:nvPicPr>
+          <p:cNvPr id="5" name="Picture 4">
+            <a:extLst>
+              <a:ext uri="{FF2B5EF4-FFF2-40B4-BE49-F238E27FC236}">
+                <a16:creationId xmlns:a16="http://schemas.microsoft.com/office/drawing/2014/main" id="{2391AB8C-8BCF-C434-A5BE-8FE61DE7EA28}"/>
+              </a:ext>
+            </a:extLst>
+          </p:cNvPr>
+          <p:cNvPicPr>
+            <a:picLocks noChangeAspect="1"/>
+          </p:cNvPicPr>
+          <p:nvPr/>
+        </p:nvPicPr>
+        <p:blipFill>
+          <a:blip r:embed="rId5"/>
+          <a:stretch>
+            <a:fillRect/>
+          </a:stretch>
+        </p:blipFill>
+        <p:spPr>
+          <a:xfrm>
+            <a:off x="810140" y="3212183"/>
+            <a:ext cx="4256126" cy="1538926"/>
+          </a:xfrm>
+          <a:prstGeom prst="rect">
+            <a:avLst/>
+          </a:prstGeom>
+        </p:spPr>
+      </p:pic>
+      <p:pic>
+        <p:nvPicPr>
+          <p:cNvPr id="7" name="Picture 6">
+            <a:extLst>
+              <a:ext uri="{FF2B5EF4-FFF2-40B4-BE49-F238E27FC236}">
+                <a16:creationId xmlns:a16="http://schemas.microsoft.com/office/drawing/2014/main" id="{E718B3D8-EBFD-1DCB-315A-B78909214F9B}"/>
+              </a:ext>
+            </a:extLst>
+          </p:cNvPr>
+          <p:cNvPicPr>
+            <a:picLocks noChangeAspect="1"/>
+          </p:cNvPicPr>
+          <p:nvPr/>
+        </p:nvPicPr>
+        <p:blipFill rotWithShape="1">
+          <a:blip r:embed="rId6"/>
+          <a:srcRect t="5111" b="17858"/>
+          <a:stretch/>
+        </p:blipFill>
+        <p:spPr>
+          <a:xfrm>
+            <a:off x="9412953" y="3175823"/>
+            <a:ext cx="2493102" cy="1611645"/>
+          </a:xfrm>
+          <a:prstGeom prst="rect">
+            <a:avLst/>
+          </a:prstGeom>
+        </p:spPr>
+      </p:pic>
+      <p:pic>
+        <p:nvPicPr>
+          <p:cNvPr id="9" name="Picture 8">
+            <a:extLst>
+              <a:ext uri="{FF2B5EF4-FFF2-40B4-BE49-F238E27FC236}">
+                <a16:creationId xmlns:a16="http://schemas.microsoft.com/office/drawing/2014/main" id="{0098FC71-FB4D-AC8D-57AD-97C46891767F}"/>
+              </a:ext>
+            </a:extLst>
+          </p:cNvPr>
+          <p:cNvPicPr>
+            <a:picLocks noChangeAspect="1"/>
+          </p:cNvPicPr>
+          <p:nvPr/>
+        </p:nvPicPr>
+        <p:blipFill>
+          <a:blip r:embed="rId7"/>
+          <a:stretch>
+            <a:fillRect/>
+          </a:stretch>
+        </p:blipFill>
+        <p:spPr>
+          <a:xfrm>
+            <a:off x="5326722" y="3284166"/>
+            <a:ext cx="3598028" cy="1464510"/>
+          </a:xfrm>
+          <a:prstGeom prst="rect">
+            <a:avLst/>
+          </a:prstGeom>
+        </p:spPr>
+      </p:pic>
     </p:spTree>
     <p:extLst>
       <p:ext uri="{BB962C8B-B14F-4D97-AF65-F5344CB8AC3E}">
@@ -12442,7 +13892,7 @@
 </p:sld>
 </file>
 
-<file path=ppt/slides/slide27.xml><?xml version="1.0" encoding="utf-8"?>
+<file path=ppt/slides/slide29.xml><?xml version="1.0" encoding="utf-8"?>
 <p:sld xmlns:a="http://schemas.openxmlformats.org/drawingml/2006/main" xmlns:r="http://schemas.openxmlformats.org/officeDocument/2006/relationships" xmlns:p="http://schemas.openxmlformats.org/presentationml/2006/main">
   <p:cSld>
     <p:spTree>
@@ -13296,7 +14746,13 @@
       </p:grpSpPr>
       <p:sp>
         <p:nvSpPr>
-          <p:cNvPr id="2" name="Title 1"/>
+          <p:cNvPr id="2" name="Title 1">
+            <a:extLst>
+              <a:ext uri="{FF2B5EF4-FFF2-40B4-BE49-F238E27FC236}">
+                <a16:creationId xmlns:a16="http://schemas.microsoft.com/office/drawing/2014/main" id="{591A4193-2029-A5E6-77DF-5152368BFF0E}"/>
+              </a:ext>
+            </a:extLst>
+          </p:cNvPr>
           <p:cNvSpPr>
             <a:spLocks noGrp="1"/>
           </p:cNvSpPr>
@@ -13306,7 +14762,7 @@
         </p:nvSpPr>
         <p:spPr>
           <a:xfrm>
-            <a:off x="1483824" y="184247"/>
+            <a:off x="1640156" y="561357"/>
             <a:ext cx="8911687" cy="1280890"/>
           </a:xfrm>
         </p:spPr>
@@ -13315,562 +14771,80 @@
           <a:lstStyle/>
           <a:p>
             <a:r>
-              <a:rPr lang="en-US" sz="3200" b="1" dirty="0">
+              <a:rPr lang="en-US" sz="3600" b="1" u="sng" dirty="0">
                 <a:solidFill>
-                  <a:schemeClr val="accent2"/>
-                </a:solidFill>
-              </a:rPr>
-              <a:t>                     </a:t>
-            </a:r>
-            <a:r>
-              <a:rPr lang="en-US" sz="3200" b="1" i="1" u="sng" dirty="0">
-                <a:solidFill>
-                  <a:schemeClr val="accent5">
-                    <a:lumMod val="50000"/>
+                  <a:schemeClr val="accent1">
+                    <a:lumMod val="75000"/>
                   </a:schemeClr>
                 </a:solidFill>
               </a:rPr>
-              <a:t>Welcome to our project</a:t>
-            </a:r>
-            <a:br>
-              <a:rPr lang="en-US" b="1" dirty="0">
+              <a:t>Introduction</a:t>
+            </a:r>
+            <a:r>
+              <a:rPr lang="en-US" sz="3600" b="1" dirty="0">
                 <a:solidFill>
-                  <a:schemeClr val="accent2"/>
-                </a:solidFill>
-              </a:rPr>
-            </a:br>
-            <a:r>
-              <a:rPr lang="en-US" sz="3200" b="1" i="1" dirty="0">
-                <a:solidFill>
-                  <a:schemeClr val="accent2">
-                    <a:lumMod val="50000"/>
+                  <a:schemeClr val="accent1">
+                    <a:lumMod val="75000"/>
                   </a:schemeClr>
                 </a:solidFill>
               </a:rPr>
-              <a:t>1) Book A New Room!</a:t>
-            </a:r>
-          </a:p>
-        </p:txBody>
-      </p:sp>
-      <p:sp>
-        <p:nvSpPr>
-          <p:cNvPr id="12" name="Oval 11">
+              <a:t>:</a:t>
+            </a:r>
+            <a:br>
+              <a:rPr lang="en-US" sz="3600" b="1" dirty="0"/>
+            </a:br>
+            <a:endParaRPr lang="en-US" dirty="0"/>
+          </a:p>
+        </p:txBody>
+      </p:sp>
+      <p:sp>
+        <p:nvSpPr>
+          <p:cNvPr id="3" name="Content Placeholder 2">
             <a:extLst>
               <a:ext uri="{FF2B5EF4-FFF2-40B4-BE49-F238E27FC236}">
-                <a16:creationId xmlns:a16="http://schemas.microsoft.com/office/drawing/2014/main" id="{6738DC1B-4373-4B49-B7CB-D8066CE41A9F}"/>
+                <a16:creationId xmlns:a16="http://schemas.microsoft.com/office/drawing/2014/main" id="{31468C9A-0532-EBE2-D681-A6382EA7915C}"/>
               </a:ext>
             </a:extLst>
           </p:cNvPr>
-          <p:cNvSpPr/>
-          <p:nvPr/>
-        </p:nvSpPr>
-        <p:spPr>
-          <a:xfrm>
-            <a:off x="4181475" y="2562225"/>
-            <a:ext cx="609600" cy="285750"/>
-          </a:xfrm>
-          <a:prstGeom prst="ellipse">
-            <a:avLst/>
-          </a:prstGeom>
-          <a:noFill/>
-          <a:ln w="9525">
-            <a:solidFill>
-              <a:schemeClr val="bg1"/>
-            </a:solidFill>
-          </a:ln>
-        </p:spPr>
-        <p:style>
-          <a:lnRef idx="2">
-            <a:schemeClr val="accent1">
-              <a:shade val="50000"/>
-            </a:schemeClr>
-          </a:lnRef>
-          <a:fillRef idx="1">
-            <a:schemeClr val="accent1"/>
-          </a:fillRef>
-          <a:effectRef idx="0">
-            <a:schemeClr val="accent1"/>
-          </a:effectRef>
-          <a:fontRef idx="minor">
-            <a:schemeClr val="lt1"/>
-          </a:fontRef>
-        </p:style>
-        <p:txBody>
-          <a:bodyPr rtlCol="0" anchor="ctr"/>
-          <a:lstStyle/>
-          <a:p>
-            <a:pPr algn="ctr"/>
-            <a:endParaRPr lang="en-US"/>
-          </a:p>
-        </p:txBody>
-      </p:sp>
-      <p:sp>
-        <p:nvSpPr>
-          <p:cNvPr id="14" name="Oval 13">
-            <a:extLst>
-              <a:ext uri="{FF2B5EF4-FFF2-40B4-BE49-F238E27FC236}">
-                <a16:creationId xmlns:a16="http://schemas.microsoft.com/office/drawing/2014/main" id="{F0D16816-6B96-439B-9B05-7A5ED804D9AD}"/>
-              </a:ext>
-            </a:extLst>
-          </p:cNvPr>
-          <p:cNvSpPr/>
-          <p:nvPr/>
-        </p:nvSpPr>
-        <p:spPr>
-          <a:xfrm>
-            <a:off x="3990975" y="2943225"/>
-            <a:ext cx="581025" cy="209550"/>
-          </a:xfrm>
-          <a:prstGeom prst="ellipse">
-            <a:avLst/>
-          </a:prstGeom>
-          <a:noFill/>
-          <a:ln w="3175">
-            <a:solidFill>
-              <a:schemeClr val="bg1"/>
-            </a:solidFill>
-          </a:ln>
-        </p:spPr>
-        <p:style>
-          <a:lnRef idx="2">
-            <a:schemeClr val="accent1">
-              <a:shade val="50000"/>
-            </a:schemeClr>
-          </a:lnRef>
-          <a:fillRef idx="1">
-            <a:schemeClr val="accent1"/>
-          </a:fillRef>
-          <a:effectRef idx="0">
-            <a:schemeClr val="accent1"/>
-          </a:effectRef>
-          <a:fontRef idx="minor">
-            <a:schemeClr val="lt1"/>
-          </a:fontRef>
-        </p:style>
-        <p:txBody>
-          <a:bodyPr rtlCol="0" anchor="ctr"/>
-          <a:lstStyle/>
-          <a:p>
-            <a:pPr algn="ctr"/>
-            <a:endParaRPr lang="en-US"/>
-          </a:p>
-        </p:txBody>
-      </p:sp>
-      <p:sp>
-        <p:nvSpPr>
-          <p:cNvPr id="15" name="Oval 14">
-            <a:extLst>
-              <a:ext uri="{FF2B5EF4-FFF2-40B4-BE49-F238E27FC236}">
-                <a16:creationId xmlns:a16="http://schemas.microsoft.com/office/drawing/2014/main" id="{68553BA7-F4D3-4603-97C5-C9255F9D2E87}"/>
-              </a:ext>
-            </a:extLst>
-          </p:cNvPr>
-          <p:cNvSpPr/>
-          <p:nvPr/>
-        </p:nvSpPr>
-        <p:spPr>
-          <a:xfrm>
-            <a:off x="3397493" y="3152775"/>
-            <a:ext cx="1128713" cy="395285"/>
-          </a:xfrm>
-          <a:prstGeom prst="ellipse">
-            <a:avLst/>
-          </a:prstGeom>
-          <a:noFill/>
-          <a:ln w="9525">
-            <a:solidFill>
-              <a:schemeClr val="bg1"/>
-            </a:solidFill>
-          </a:ln>
-        </p:spPr>
-        <p:style>
-          <a:lnRef idx="2">
-            <a:schemeClr val="accent1">
-              <a:shade val="50000"/>
-            </a:schemeClr>
-          </a:lnRef>
-          <a:fillRef idx="1">
-            <a:schemeClr val="accent1"/>
-          </a:fillRef>
-          <a:effectRef idx="0">
-            <a:schemeClr val="accent1"/>
-          </a:effectRef>
-          <a:fontRef idx="minor">
-            <a:schemeClr val="lt1"/>
-          </a:fontRef>
-        </p:style>
-        <p:txBody>
-          <a:bodyPr rtlCol="0" anchor="ctr"/>
-          <a:lstStyle/>
-          <a:p>
-            <a:pPr algn="ctr"/>
-            <a:endParaRPr lang="en-US"/>
-          </a:p>
-        </p:txBody>
-      </p:sp>
-      <p:sp>
-        <p:nvSpPr>
-          <p:cNvPr id="17" name="Oval 16">
-            <a:extLst>
-              <a:ext uri="{FF2B5EF4-FFF2-40B4-BE49-F238E27FC236}">
-                <a16:creationId xmlns:a16="http://schemas.microsoft.com/office/drawing/2014/main" id="{3EC557C2-7C82-4F13-8CD1-DB2D7D900F4F}"/>
-              </a:ext>
-            </a:extLst>
-          </p:cNvPr>
-          <p:cNvSpPr/>
-          <p:nvPr/>
-        </p:nvSpPr>
-        <p:spPr>
-          <a:xfrm>
-            <a:off x="3571875" y="3538533"/>
-            <a:ext cx="609600" cy="219077"/>
-          </a:xfrm>
-          <a:prstGeom prst="ellipse">
-            <a:avLst/>
-          </a:prstGeom>
-          <a:noFill/>
-          <a:ln w="9525">
-            <a:solidFill>
-              <a:schemeClr val="bg1"/>
-            </a:solidFill>
-          </a:ln>
-        </p:spPr>
-        <p:style>
-          <a:lnRef idx="2">
-            <a:schemeClr val="accent1">
-              <a:shade val="50000"/>
-            </a:schemeClr>
-          </a:lnRef>
-          <a:fillRef idx="1">
-            <a:schemeClr val="accent1"/>
-          </a:fillRef>
-          <a:effectRef idx="0">
-            <a:schemeClr val="accent1"/>
-          </a:effectRef>
-          <a:fontRef idx="minor">
-            <a:schemeClr val="lt1"/>
-          </a:fontRef>
-        </p:style>
-        <p:txBody>
-          <a:bodyPr rtlCol="0" anchor="ctr"/>
-          <a:lstStyle/>
-          <a:p>
-            <a:pPr algn="ctr"/>
-            <a:endParaRPr lang="en-US"/>
-          </a:p>
-        </p:txBody>
-      </p:sp>
-      <p:sp>
-        <p:nvSpPr>
-          <p:cNvPr id="20" name="Oval 19">
-            <a:extLst>
-              <a:ext uri="{FF2B5EF4-FFF2-40B4-BE49-F238E27FC236}">
-                <a16:creationId xmlns:a16="http://schemas.microsoft.com/office/drawing/2014/main" id="{AADD7FA0-BABC-4DE3-850A-75229393F7BF}"/>
-              </a:ext>
-            </a:extLst>
-          </p:cNvPr>
-          <p:cNvSpPr/>
-          <p:nvPr/>
-        </p:nvSpPr>
-        <p:spPr>
-          <a:xfrm>
-            <a:off x="3990975" y="5495925"/>
-            <a:ext cx="409575" cy="304800"/>
-          </a:xfrm>
-          <a:prstGeom prst="ellipse">
-            <a:avLst/>
-          </a:prstGeom>
-          <a:noFill/>
-          <a:ln>
-            <a:solidFill>
-              <a:schemeClr val="bg1"/>
-            </a:solidFill>
-          </a:ln>
-        </p:spPr>
-        <p:style>
-          <a:lnRef idx="2">
-            <a:schemeClr val="accent1">
-              <a:shade val="50000"/>
-            </a:schemeClr>
-          </a:lnRef>
-          <a:fillRef idx="1">
-            <a:schemeClr val="accent1"/>
-          </a:fillRef>
-          <a:effectRef idx="0">
-            <a:schemeClr val="accent1"/>
-          </a:effectRef>
-          <a:fontRef idx="minor">
-            <a:schemeClr val="lt1"/>
-          </a:fontRef>
-        </p:style>
-        <p:txBody>
-          <a:bodyPr rtlCol="0" anchor="ctr"/>
-          <a:lstStyle/>
-          <a:p>
-            <a:pPr algn="ctr"/>
-            <a:endParaRPr lang="en-US"/>
-          </a:p>
-        </p:txBody>
-      </p:sp>
-      <p:sp>
-        <p:nvSpPr>
-          <p:cNvPr id="21" name="Rectangle 20">
-            <a:extLst>
-              <a:ext uri="{FF2B5EF4-FFF2-40B4-BE49-F238E27FC236}">
-                <a16:creationId xmlns:a16="http://schemas.microsoft.com/office/drawing/2014/main" id="{F8454C2F-DB8A-4A98-9785-05805A5EC89C}"/>
-              </a:ext>
-            </a:extLst>
-          </p:cNvPr>
-          <p:cNvSpPr/>
-          <p:nvPr/>
-        </p:nvSpPr>
-        <p:spPr>
-          <a:xfrm>
-            <a:off x="2215603" y="5800725"/>
-            <a:ext cx="5785397" cy="1252315"/>
-          </a:xfrm>
-          <a:prstGeom prst="rect">
-            <a:avLst/>
-          </a:prstGeom>
-          <a:noFill/>
-          <a:ln>
-            <a:solidFill>
-              <a:schemeClr val="bg1"/>
-            </a:solidFill>
-          </a:ln>
-        </p:spPr>
-        <p:style>
-          <a:lnRef idx="2">
-            <a:schemeClr val="accent1">
-              <a:shade val="50000"/>
-            </a:schemeClr>
-          </a:lnRef>
-          <a:fillRef idx="1">
-            <a:schemeClr val="accent1"/>
-          </a:fillRef>
-          <a:effectRef idx="0">
-            <a:schemeClr val="accent1"/>
-          </a:effectRef>
-          <a:fontRef idx="minor">
-            <a:schemeClr val="lt1"/>
-          </a:fontRef>
-        </p:style>
-        <p:txBody>
-          <a:bodyPr rtlCol="0" anchor="ctr"/>
-          <a:lstStyle/>
-          <a:p>
-            <a:pPr algn="ctr"/>
-            <a:endParaRPr lang="en-US"/>
-          </a:p>
-        </p:txBody>
-      </p:sp>
-      <p:pic>
-        <p:nvPicPr>
-          <p:cNvPr id="6" name="Picture 5">
-            <a:extLst>
-              <a:ext uri="{FF2B5EF4-FFF2-40B4-BE49-F238E27FC236}">
-                <a16:creationId xmlns:a16="http://schemas.microsoft.com/office/drawing/2014/main" id="{4D8713F7-38AC-F8EE-F8E2-1B97680343A5}"/>
-              </a:ext>
-            </a:extLst>
-          </p:cNvPr>
-          <p:cNvPicPr>
-            <a:picLocks noChangeAspect="1"/>
-          </p:cNvPicPr>
-          <p:nvPr/>
-        </p:nvPicPr>
-        <p:blipFill>
-          <a:blip r:embed="rId2"/>
-          <a:srcRect/>
-          <a:stretch/>
-        </p:blipFill>
-        <p:spPr>
-          <a:xfrm>
-            <a:off x="1483824" y="1434425"/>
-            <a:ext cx="7701543" cy="5357324"/>
-          </a:xfrm>
-          <a:prstGeom prst="rect">
-            <a:avLst/>
-          </a:prstGeom>
-        </p:spPr>
-      </p:pic>
-      <p:sp>
-        <p:nvSpPr>
-          <p:cNvPr id="10" name="Oval 9">
-            <a:extLst>
-              <a:ext uri="{FF2B5EF4-FFF2-40B4-BE49-F238E27FC236}">
-                <a16:creationId xmlns:a16="http://schemas.microsoft.com/office/drawing/2014/main" id="{48E45F48-29CE-F70A-9020-1616CF0A6A32}"/>
-              </a:ext>
-            </a:extLst>
-          </p:cNvPr>
-          <p:cNvSpPr/>
-          <p:nvPr/>
-        </p:nvSpPr>
-        <p:spPr>
-          <a:xfrm>
-            <a:off x="1577174" y="4774023"/>
-            <a:ext cx="552153" cy="163591"/>
-          </a:xfrm>
-          <a:prstGeom prst="ellipse">
-            <a:avLst/>
-          </a:prstGeom>
-          <a:noFill/>
-          <a:ln>
-            <a:solidFill>
-              <a:srgbClr val="FF0000"/>
-            </a:solidFill>
-          </a:ln>
-        </p:spPr>
-        <p:style>
-          <a:lnRef idx="2">
-            <a:schemeClr val="dk1">
-              <a:shade val="50000"/>
-            </a:schemeClr>
-          </a:lnRef>
-          <a:fillRef idx="1">
-            <a:schemeClr val="dk1"/>
-          </a:fillRef>
-          <a:effectRef idx="0">
-            <a:schemeClr val="dk1"/>
-          </a:effectRef>
-          <a:fontRef idx="minor">
-            <a:schemeClr val="lt1"/>
-          </a:fontRef>
-        </p:style>
-        <p:txBody>
-          <a:bodyPr rtlCol="0" anchor="ctr"/>
-          <a:lstStyle/>
-          <a:p>
-            <a:pPr algn="ctr"/>
-            <a:endParaRPr lang="en-US"/>
-          </a:p>
-        </p:txBody>
-      </p:sp>
-      <p:sp>
-        <p:nvSpPr>
-          <p:cNvPr id="13" name="Oval 12">
-            <a:extLst>
-              <a:ext uri="{FF2B5EF4-FFF2-40B4-BE49-F238E27FC236}">
-                <a16:creationId xmlns:a16="http://schemas.microsoft.com/office/drawing/2014/main" id="{90D3FB36-0671-C710-F96E-D4B0DA280C02}"/>
-              </a:ext>
-            </a:extLst>
-          </p:cNvPr>
-          <p:cNvSpPr/>
-          <p:nvPr/>
-        </p:nvSpPr>
-        <p:spPr>
-          <a:xfrm>
-            <a:off x="1577174" y="5098640"/>
-            <a:ext cx="476738" cy="175628"/>
-          </a:xfrm>
-          <a:prstGeom prst="ellipse">
-            <a:avLst/>
-          </a:prstGeom>
-          <a:noFill/>
-          <a:ln>
-            <a:solidFill>
-              <a:srgbClr val="FF0000"/>
-            </a:solidFill>
-          </a:ln>
-        </p:spPr>
-        <p:style>
-          <a:lnRef idx="2">
-            <a:schemeClr val="accent1">
-              <a:shade val="50000"/>
-            </a:schemeClr>
-          </a:lnRef>
-          <a:fillRef idx="1">
-            <a:schemeClr val="accent1"/>
-          </a:fillRef>
-          <a:effectRef idx="0">
-            <a:schemeClr val="accent1"/>
-          </a:effectRef>
-          <a:fontRef idx="minor">
-            <a:schemeClr val="lt1"/>
-          </a:fontRef>
-        </p:style>
-        <p:txBody>
-          <a:bodyPr rtlCol="0" anchor="ctr"/>
-          <a:lstStyle/>
-          <a:p>
-            <a:pPr algn="ctr"/>
-            <a:endParaRPr lang="en-US"/>
-          </a:p>
-        </p:txBody>
-      </p:sp>
-      <p:sp>
-        <p:nvSpPr>
-          <p:cNvPr id="16" name="Oval 15">
-            <a:extLst>
-              <a:ext uri="{FF2B5EF4-FFF2-40B4-BE49-F238E27FC236}">
-                <a16:creationId xmlns:a16="http://schemas.microsoft.com/office/drawing/2014/main" id="{879FBBDA-72C8-6090-4792-CCAB85AC6609}"/>
-              </a:ext>
-            </a:extLst>
-          </p:cNvPr>
-          <p:cNvSpPr/>
-          <p:nvPr/>
-        </p:nvSpPr>
-        <p:spPr>
-          <a:xfrm>
-            <a:off x="1631985" y="5464934"/>
-            <a:ext cx="736943" cy="175628"/>
-          </a:xfrm>
-          <a:prstGeom prst="ellipse">
-            <a:avLst/>
-          </a:prstGeom>
-          <a:noFill/>
-          <a:ln>
-            <a:solidFill>
-              <a:srgbClr val="FF0000"/>
-            </a:solidFill>
-          </a:ln>
-        </p:spPr>
-        <p:style>
-          <a:lnRef idx="2">
-            <a:schemeClr val="dk1">
-              <a:shade val="50000"/>
-            </a:schemeClr>
-          </a:lnRef>
-          <a:fillRef idx="1">
-            <a:schemeClr val="dk1"/>
-          </a:fillRef>
-          <a:effectRef idx="0">
-            <a:schemeClr val="dk1"/>
-          </a:effectRef>
-          <a:fontRef idx="minor">
-            <a:schemeClr val="lt1"/>
-          </a:fontRef>
-        </p:style>
-        <p:txBody>
-          <a:bodyPr rtlCol="0" anchor="ctr"/>
-          <a:lstStyle/>
-          <a:p>
-            <a:pPr algn="ctr"/>
-            <a:endParaRPr lang="en-US"/>
+          <p:cNvSpPr>
+            <a:spLocks noGrp="1"/>
+          </p:cNvSpPr>
+          <p:nvPr>
+            <p:ph idx="1"/>
+          </p:nvPr>
+        </p:nvSpPr>
+        <p:spPr>
+          <a:xfrm>
+            <a:off x="1513447" y="1362635"/>
+            <a:ext cx="8915400" cy="3777622"/>
+          </a:xfrm>
+        </p:spPr>
+        <p:txBody>
+          <a:bodyPr/>
+          <a:lstStyle/>
+          <a:p>
+            <a:r>
+              <a:rPr lang="en-US" dirty="0"/>
+              <a:t>The project, Hotel Booking System that allows the hotel manager to handle all hotel activities. The Purpose of the whole process is to ease the daily or regular activities of the Hotel Booking process. The daily activities includes the Room activities, Entering name of the new customer check in, To allocate a room as per the customer need and interest, and also view all rooms ,delete customer </a:t>
+            </a:r>
+            <a:r>
+              <a:rPr lang="en-US" dirty="0" err="1"/>
+              <a:t>etc</a:t>
+            </a:r>
+            <a:endParaRPr lang="en-US" dirty="0"/>
           </a:p>
         </p:txBody>
       </p:sp>
     </p:spTree>
     <p:extLst>
       <p:ext uri="{BB962C8B-B14F-4D97-AF65-F5344CB8AC3E}">
-        <p14:creationId xmlns:p14="http://schemas.microsoft.com/office/powerpoint/2010/main" val="4006931548"/>
+        <p14:creationId xmlns:p14="http://schemas.microsoft.com/office/powerpoint/2010/main" val="3474540240"/>
       </p:ext>
     </p:extLst>
   </p:cSld>
   <p:clrMapOvr>
     <a:masterClrMapping/>
   </p:clrMapOvr>
-  <mc:AlternateContent xmlns:mc="http://schemas.openxmlformats.org/markup-compatibility/2006" xmlns:p14="http://schemas.microsoft.com/office/powerpoint/2010/main">
-    <mc:Choice Requires="p14">
-      <p:transition spd="slow" p14:dur="1500">
-        <p:split orient="vert"/>
-      </p:transition>
-    </mc:Choice>
-    <mc:Fallback xmlns="">
-      <p:transition spd="slow">
-        <p:split orient="vert"/>
-      </p:transition>
-    </mc:Fallback>
-  </mc:AlternateContent>
 </p:sld>
 </file>
 
@@ -13893,7 +14867,78 @@
       </p:grpSpPr>
       <p:sp>
         <p:nvSpPr>
-          <p:cNvPr id="3" name="Content Placeholder 2"/>
+          <p:cNvPr id="2" name="Title 1">
+            <a:extLst>
+              <a:ext uri="{FF2B5EF4-FFF2-40B4-BE49-F238E27FC236}">
+                <a16:creationId xmlns:a16="http://schemas.microsoft.com/office/drawing/2014/main" id="{2DA228F6-EB3A-F816-E7FA-44A1C3F161BE}"/>
+              </a:ext>
+            </a:extLst>
+          </p:cNvPr>
+          <p:cNvSpPr>
+            <a:spLocks noGrp="1"/>
+          </p:cNvSpPr>
+          <p:nvPr>
+            <p:ph type="title"/>
+          </p:nvPr>
+        </p:nvSpPr>
+        <p:spPr>
+          <a:xfrm>
+            <a:off x="1570949" y="579286"/>
+            <a:ext cx="8911687" cy="1280890"/>
+          </a:xfrm>
+        </p:spPr>
+        <p:txBody>
+          <a:bodyPr/>
+          <a:lstStyle/>
+          <a:p>
+            <a:r>
+              <a:rPr lang="en-US" sz="3600" b="1" u="sng" dirty="0">
+                <a:solidFill>
+                  <a:schemeClr val="accent1">
+                    <a:lumMod val="75000"/>
+                  </a:schemeClr>
+                </a:solidFill>
+              </a:rPr>
+              <a:t>Objectives</a:t>
+            </a:r>
+            <a:r>
+              <a:rPr lang="en-US" sz="3600" b="1" dirty="0">
+                <a:solidFill>
+                  <a:schemeClr val="accent1">
+                    <a:lumMod val="75000"/>
+                  </a:schemeClr>
+                </a:solidFill>
+              </a:rPr>
+              <a:t>:</a:t>
+            </a:r>
+            <a:br>
+              <a:rPr lang="en-US" sz="3600" b="1" dirty="0">
+                <a:solidFill>
+                  <a:schemeClr val="accent1">
+                    <a:lumMod val="75000"/>
+                  </a:schemeClr>
+                </a:solidFill>
+              </a:rPr>
+            </a:br>
+            <a:endParaRPr lang="en-US" dirty="0">
+              <a:solidFill>
+                <a:schemeClr val="accent1">
+                  <a:lumMod val="75000"/>
+                </a:schemeClr>
+              </a:solidFill>
+            </a:endParaRPr>
+          </a:p>
+        </p:txBody>
+      </p:sp>
+      <p:sp>
+        <p:nvSpPr>
+          <p:cNvPr id="3" name="Content Placeholder 2">
+            <a:extLst>
+              <a:ext uri="{FF2B5EF4-FFF2-40B4-BE49-F238E27FC236}">
+                <a16:creationId xmlns:a16="http://schemas.microsoft.com/office/drawing/2014/main" id="{D05A44DF-00DB-DB3D-0E25-4E1DAEE11E4D}"/>
+              </a:ext>
+            </a:extLst>
+          </p:cNvPr>
           <p:cNvSpPr>
             <a:spLocks noGrp="1"/>
           </p:cNvSpPr>
@@ -13903,405 +14948,49 @@
         </p:nvSpPr>
         <p:spPr>
           <a:xfrm>
-            <a:off x="1582746" y="722499"/>
-            <a:ext cx="11111505" cy="4330250"/>
+            <a:off x="1298294" y="1452282"/>
+            <a:ext cx="8915400" cy="3777622"/>
           </a:xfrm>
         </p:spPr>
         <p:txBody>
           <a:bodyPr/>
           <a:lstStyle/>
+          <a:p>
+            <a:r>
+              <a:rPr lang="en-US" sz="1800" dirty="0"/>
+              <a:t>Main objective of this project is to provide solution for hotel to manage most  there work using computerized process. </a:t>
+            </a:r>
+          </a:p>
+          <a:p>
+            <a:r>
+              <a:rPr lang="en-US" sz="1800" dirty="0"/>
+              <a:t>This is help admin to handle customer , room allocation details, view rooms etc. </a:t>
+            </a:r>
+          </a:p>
+          <a:p>
+            <a:r>
+              <a:rPr lang="en-US" sz="1800" dirty="0"/>
+              <a:t>Keeping records  of customers. ·</a:t>
+            </a:r>
+          </a:p>
           <a:p>
             <a:pPr marL="0" indent="0">
               <a:buNone/>
             </a:pPr>
-            <a:r>
-              <a:rPr lang="en-US" sz="2000" b="1" dirty="0">
-                <a:solidFill>
-                  <a:schemeClr val="accent6">
-                    <a:lumMod val="50000"/>
-                  </a:schemeClr>
-                </a:solidFill>
-              </a:rPr>
-              <a:t>If same room book then it will message sent this -&gt; already room booked.</a:t>
-            </a:r>
-          </a:p>
-          <a:p>
-            <a:endParaRPr lang="en-US" dirty="0">
-              <a:solidFill>
-                <a:schemeClr val="accent6">
-                  <a:lumMod val="50000"/>
-                </a:schemeClr>
-              </a:solidFill>
-            </a:endParaRPr>
-          </a:p>
-          <a:p>
-            <a:endParaRPr lang="en-US" dirty="0"/>
-          </a:p>
-        </p:txBody>
-      </p:sp>
-      <p:pic>
-        <p:nvPicPr>
-          <p:cNvPr id="4" name="Picture 3">
-            <a:extLst>
-              <a:ext uri="{FF2B5EF4-FFF2-40B4-BE49-F238E27FC236}">
-                <a16:creationId xmlns:a16="http://schemas.microsoft.com/office/drawing/2014/main" id="{6BFCEEB4-CC7C-C9A2-C519-AEB01A73150D}"/>
-              </a:ext>
-            </a:extLst>
-          </p:cNvPr>
-          <p:cNvPicPr>
-            <a:picLocks noChangeAspect="1"/>
-          </p:cNvPicPr>
-          <p:nvPr/>
-        </p:nvPicPr>
-        <p:blipFill rotWithShape="1">
-          <a:blip r:embed="rId2"/>
-          <a:srcRect l="179" r="6631"/>
-          <a:stretch/>
-        </p:blipFill>
-        <p:spPr>
-          <a:xfrm>
-            <a:off x="2139886" y="1190369"/>
-            <a:ext cx="6447934" cy="5368140"/>
-          </a:xfrm>
-          <a:prstGeom prst="rect">
-            <a:avLst/>
-          </a:prstGeom>
-        </p:spPr>
-      </p:pic>
-      <p:sp>
-        <p:nvSpPr>
-          <p:cNvPr id="8" name="Oval 7">
-            <a:extLst>
-              <a:ext uri="{FF2B5EF4-FFF2-40B4-BE49-F238E27FC236}">
-                <a16:creationId xmlns:a16="http://schemas.microsoft.com/office/drawing/2014/main" id="{536138F7-BF62-5C11-4BE0-33F06BF310C0}"/>
-              </a:ext>
-            </a:extLst>
-          </p:cNvPr>
-          <p:cNvSpPr/>
-          <p:nvPr/>
-        </p:nvSpPr>
-        <p:spPr>
-          <a:xfrm>
-            <a:off x="2317099" y="4410665"/>
-            <a:ext cx="488782" cy="164597"/>
-          </a:xfrm>
-          <a:prstGeom prst="ellipse">
-            <a:avLst/>
-          </a:prstGeom>
-          <a:noFill/>
-          <a:ln>
-            <a:solidFill>
-              <a:srgbClr val="FF0000"/>
-            </a:solidFill>
-          </a:ln>
-        </p:spPr>
-        <p:style>
-          <a:lnRef idx="2">
-            <a:schemeClr val="dk1">
-              <a:shade val="50000"/>
-            </a:schemeClr>
-          </a:lnRef>
-          <a:fillRef idx="1">
-            <a:schemeClr val="dk1"/>
-          </a:fillRef>
-          <a:effectRef idx="0">
-            <a:schemeClr val="dk1"/>
-          </a:effectRef>
-          <a:fontRef idx="minor">
-            <a:schemeClr val="lt1"/>
-          </a:fontRef>
-        </p:style>
-        <p:txBody>
-          <a:bodyPr rtlCol="0" anchor="ctr"/>
-          <a:lstStyle/>
-          <a:p>
-            <a:pPr algn="ctr"/>
-            <a:endParaRPr lang="en-US"/>
-          </a:p>
-        </p:txBody>
-      </p:sp>
-      <p:sp>
-        <p:nvSpPr>
-          <p:cNvPr id="9" name="Oval 8">
-            <a:extLst>
-              <a:ext uri="{FF2B5EF4-FFF2-40B4-BE49-F238E27FC236}">
-                <a16:creationId xmlns:a16="http://schemas.microsoft.com/office/drawing/2014/main" id="{CC72C540-ACBD-0D43-2A83-08A3DA8607EC}"/>
-              </a:ext>
-            </a:extLst>
-          </p:cNvPr>
-          <p:cNvSpPr/>
-          <p:nvPr/>
-        </p:nvSpPr>
-        <p:spPr>
-          <a:xfrm>
-            <a:off x="2285413" y="4743525"/>
-            <a:ext cx="552153" cy="164597"/>
-          </a:xfrm>
-          <a:prstGeom prst="ellipse">
-            <a:avLst/>
-          </a:prstGeom>
-          <a:noFill/>
-          <a:ln>
-            <a:solidFill>
-              <a:srgbClr val="FF0000"/>
-            </a:solidFill>
-          </a:ln>
-        </p:spPr>
-        <p:style>
-          <a:lnRef idx="2">
-            <a:schemeClr val="dk1">
-              <a:shade val="50000"/>
-            </a:schemeClr>
-          </a:lnRef>
-          <a:fillRef idx="1">
-            <a:schemeClr val="dk1"/>
-          </a:fillRef>
-          <a:effectRef idx="0">
-            <a:schemeClr val="dk1"/>
-          </a:effectRef>
-          <a:fontRef idx="minor">
-            <a:schemeClr val="lt1"/>
-          </a:fontRef>
-        </p:style>
-        <p:txBody>
-          <a:bodyPr rtlCol="0" anchor="ctr"/>
-          <a:lstStyle/>
-          <a:p>
-            <a:pPr algn="ctr"/>
-            <a:endParaRPr lang="en-US"/>
-          </a:p>
-        </p:txBody>
-      </p:sp>
-      <p:sp>
-        <p:nvSpPr>
-          <p:cNvPr id="10" name="Rectangle 9">
-            <a:extLst>
-              <a:ext uri="{FF2B5EF4-FFF2-40B4-BE49-F238E27FC236}">
-                <a16:creationId xmlns:a16="http://schemas.microsoft.com/office/drawing/2014/main" id="{BF3B5FAF-535E-0D6F-0B2E-C1C67B0C87C7}"/>
-              </a:ext>
-            </a:extLst>
-          </p:cNvPr>
-          <p:cNvSpPr/>
-          <p:nvPr/>
-        </p:nvSpPr>
-        <p:spPr>
-          <a:xfrm>
-            <a:off x="2317099" y="4915522"/>
-            <a:ext cx="4600428" cy="172126"/>
-          </a:xfrm>
-          <a:prstGeom prst="rect">
-            <a:avLst/>
-          </a:prstGeom>
-          <a:noFill/>
-          <a:ln>
-            <a:solidFill>
-              <a:srgbClr val="FF0000"/>
-            </a:solidFill>
-          </a:ln>
-        </p:spPr>
-        <p:style>
-          <a:lnRef idx="2">
-            <a:schemeClr val="accent1">
-              <a:shade val="50000"/>
-            </a:schemeClr>
-          </a:lnRef>
-          <a:fillRef idx="1">
-            <a:schemeClr val="accent1"/>
-          </a:fillRef>
-          <a:effectRef idx="0">
-            <a:schemeClr val="accent1"/>
-          </a:effectRef>
-          <a:fontRef idx="minor">
-            <a:schemeClr val="lt1"/>
-          </a:fontRef>
-        </p:style>
-        <p:txBody>
-          <a:bodyPr rtlCol="0" anchor="ctr"/>
-          <a:lstStyle/>
-          <a:p>
-            <a:pPr algn="ctr"/>
-            <a:endParaRPr lang="en-US"/>
-          </a:p>
-        </p:txBody>
-      </p:sp>
-      <p:sp>
-        <p:nvSpPr>
-          <p:cNvPr id="13" name="Oval 12">
-            <a:extLst>
-              <a:ext uri="{FF2B5EF4-FFF2-40B4-BE49-F238E27FC236}">
-                <a16:creationId xmlns:a16="http://schemas.microsoft.com/office/drawing/2014/main" id="{A40ACA53-2661-3E9F-5E87-228239E33FE5}"/>
-              </a:ext>
-            </a:extLst>
-          </p:cNvPr>
-          <p:cNvSpPr/>
-          <p:nvPr/>
-        </p:nvSpPr>
-        <p:spPr>
-          <a:xfrm>
-            <a:off x="2317098" y="5278515"/>
-            <a:ext cx="488782" cy="164598"/>
-          </a:xfrm>
-          <a:prstGeom prst="ellipse">
-            <a:avLst/>
-          </a:prstGeom>
-          <a:noFill/>
-          <a:ln>
-            <a:solidFill>
-              <a:srgbClr val="FF0000"/>
-            </a:solidFill>
-          </a:ln>
-        </p:spPr>
-        <p:style>
-          <a:lnRef idx="2">
-            <a:schemeClr val="dk1">
-              <a:shade val="50000"/>
-            </a:schemeClr>
-          </a:lnRef>
-          <a:fillRef idx="1">
-            <a:schemeClr val="dk1"/>
-          </a:fillRef>
-          <a:effectRef idx="0">
-            <a:schemeClr val="dk1"/>
-          </a:effectRef>
-          <a:fontRef idx="minor">
-            <a:schemeClr val="lt1"/>
-          </a:fontRef>
-        </p:style>
-        <p:txBody>
-          <a:bodyPr rtlCol="0" anchor="ctr"/>
-          <a:lstStyle/>
-          <a:p>
-            <a:pPr algn="ctr"/>
-            <a:endParaRPr lang="en-US"/>
-          </a:p>
-        </p:txBody>
-      </p:sp>
-      <p:sp>
-        <p:nvSpPr>
-          <p:cNvPr id="14" name="Oval 13">
-            <a:extLst>
-              <a:ext uri="{FF2B5EF4-FFF2-40B4-BE49-F238E27FC236}">
-                <a16:creationId xmlns:a16="http://schemas.microsoft.com/office/drawing/2014/main" id="{3CE42CE2-1BD2-6CFC-E9DE-69A8F53A06B4}"/>
-              </a:ext>
-            </a:extLst>
-          </p:cNvPr>
-          <p:cNvSpPr/>
-          <p:nvPr/>
-        </p:nvSpPr>
-        <p:spPr>
-          <a:xfrm>
-            <a:off x="2348784" y="5576181"/>
-            <a:ext cx="488782" cy="164598"/>
-          </a:xfrm>
-          <a:prstGeom prst="ellipse">
-            <a:avLst/>
-          </a:prstGeom>
-          <a:noFill/>
-          <a:ln>
-            <a:solidFill>
-              <a:srgbClr val="FF0000"/>
-            </a:solidFill>
-          </a:ln>
-        </p:spPr>
-        <p:style>
-          <a:lnRef idx="2">
-            <a:schemeClr val="dk1">
-              <a:shade val="50000"/>
-            </a:schemeClr>
-          </a:lnRef>
-          <a:fillRef idx="1">
-            <a:schemeClr val="dk1"/>
-          </a:fillRef>
-          <a:effectRef idx="0">
-            <a:schemeClr val="dk1"/>
-          </a:effectRef>
-          <a:fontRef idx="minor">
-            <a:schemeClr val="lt1"/>
-          </a:fontRef>
-        </p:style>
-        <p:txBody>
-          <a:bodyPr rtlCol="0" anchor="ctr"/>
-          <a:lstStyle/>
-          <a:p>
-            <a:pPr algn="ctr"/>
-            <a:endParaRPr lang="en-US"/>
-          </a:p>
-        </p:txBody>
-      </p:sp>
-      <p:sp>
-        <p:nvSpPr>
-          <p:cNvPr id="15" name="Speech Bubble: Oval 14">
-            <a:extLst>
-              <a:ext uri="{FF2B5EF4-FFF2-40B4-BE49-F238E27FC236}">
-                <a16:creationId xmlns:a16="http://schemas.microsoft.com/office/drawing/2014/main" id="{67256085-F80E-193A-2FF3-52444DA7CF32}"/>
-              </a:ext>
-            </a:extLst>
-          </p:cNvPr>
-          <p:cNvSpPr/>
-          <p:nvPr/>
-        </p:nvSpPr>
-        <p:spPr>
-          <a:xfrm>
-            <a:off x="6681298" y="4385647"/>
-            <a:ext cx="914400" cy="408322"/>
-          </a:xfrm>
-          <a:prstGeom prst="wedgeEllipseCallout">
-            <a:avLst/>
-          </a:prstGeom>
-          <a:ln>
-            <a:solidFill>
-              <a:srgbClr val="FF0000"/>
-            </a:solidFill>
-          </a:ln>
-        </p:spPr>
-        <p:style>
-          <a:lnRef idx="2">
-            <a:schemeClr val="dk1"/>
-          </a:lnRef>
-          <a:fillRef idx="1">
-            <a:schemeClr val="lt1"/>
-          </a:fillRef>
-          <a:effectRef idx="0">
-            <a:schemeClr val="dk1"/>
-          </a:effectRef>
-          <a:fontRef idx="minor">
-            <a:schemeClr val="dk1"/>
-          </a:fontRef>
-        </p:style>
-        <p:txBody>
-          <a:bodyPr rtlCol="0" anchor="ctr"/>
-          <a:lstStyle/>
-          <a:p>
-            <a:pPr algn="ctr"/>
-            <a:r>
-              <a:rPr lang="en-US" sz="800" b="1" dirty="0"/>
-              <a:t>This message show</a:t>
-            </a:r>
+            <a:endParaRPr lang="en-US" dirty="0"/>
           </a:p>
         </p:txBody>
       </p:sp>
     </p:spTree>
     <p:extLst>
       <p:ext uri="{BB962C8B-B14F-4D97-AF65-F5344CB8AC3E}">
-        <p14:creationId xmlns:p14="http://schemas.microsoft.com/office/powerpoint/2010/main" val="541325572"/>
+        <p14:creationId xmlns:p14="http://schemas.microsoft.com/office/powerpoint/2010/main" val="718576917"/>
       </p:ext>
     </p:extLst>
   </p:cSld>
   <p:clrMapOvr>
     <a:masterClrMapping/>
   </p:clrMapOvr>
-  <mc:AlternateContent xmlns:mc="http://schemas.openxmlformats.org/markup-compatibility/2006" xmlns:p14="http://schemas.microsoft.com/office/powerpoint/2010/main">
-    <mc:Choice Requires="p14">
-      <p:transition spd="slow" p14:dur="1500">
-        <p:split orient="vert"/>
-      </p:transition>
-    </mc:Choice>
-    <mc:Fallback xmlns="">
-      <p:transition spd="slow">
-        <p:split orient="vert"/>
-      </p:transition>
-    </mc:Fallback>
-  </mc:AlternateContent>
 </p:sld>
 </file>
 
@@ -14324,49 +15013,380 @@
       </p:grpSpPr>
       <p:sp>
         <p:nvSpPr>
-          <p:cNvPr id="3" name="Content Placeholder 2"/>
+          <p:cNvPr id="2" name="Title 1"/>
           <p:cNvSpPr>
             <a:spLocks noGrp="1"/>
           </p:cNvSpPr>
           <p:nvPr>
-            <p:ph idx="1"/>
+            <p:ph type="title"/>
           </p:nvPr>
         </p:nvSpPr>
         <p:spPr>
           <a:xfrm>
-            <a:off x="1674818" y="754756"/>
-            <a:ext cx="11111505" cy="4330250"/>
+            <a:off x="1483824" y="184247"/>
+            <a:ext cx="8911687" cy="1280890"/>
           </a:xfrm>
         </p:spPr>
         <p:txBody>
           <a:bodyPr/>
           <a:lstStyle/>
           <a:p>
-            <a:pPr marL="0" indent="0">
-              <a:buNone/>
-            </a:pPr>
             <a:r>
               <a:rPr lang="en-US" sz="3200" b="1" dirty="0">
+                <a:solidFill>
+                  <a:schemeClr val="accent2"/>
+                </a:solidFill>
+              </a:rPr>
+              <a:t>                     </a:t>
+            </a:r>
+            <a:r>
+              <a:rPr lang="en-US" sz="3200" b="1" i="1" u="sng" dirty="0">
+                <a:solidFill>
+                  <a:schemeClr val="accent5">
+                    <a:lumMod val="50000"/>
+                  </a:schemeClr>
+                </a:solidFill>
+              </a:rPr>
+              <a:t>Welcome to our project</a:t>
+            </a:r>
+            <a:br>
+              <a:rPr lang="en-US" b="1" dirty="0">
+                <a:solidFill>
+                  <a:schemeClr val="accent2"/>
+                </a:solidFill>
+              </a:rPr>
+            </a:br>
+            <a:r>
+              <a:rPr lang="en-US" sz="3200" b="1" i="1" dirty="0">
                 <a:solidFill>
                   <a:schemeClr val="accent2">
                     <a:lumMod val="50000"/>
                   </a:schemeClr>
                 </a:solidFill>
               </a:rPr>
-              <a:t>If we  are continue</a:t>
-            </a:r>
-          </a:p>
-          <a:p>
-            <a:endParaRPr lang="en-US" dirty="0"/>
+              <a:t>1) Book A New Room!</a:t>
+            </a:r>
+          </a:p>
+        </p:txBody>
+      </p:sp>
+      <p:sp>
+        <p:nvSpPr>
+          <p:cNvPr id="12" name="Oval 11">
+            <a:extLst>
+              <a:ext uri="{FF2B5EF4-FFF2-40B4-BE49-F238E27FC236}">
+                <a16:creationId xmlns:a16="http://schemas.microsoft.com/office/drawing/2014/main" id="{6738DC1B-4373-4B49-B7CB-D8066CE41A9F}"/>
+              </a:ext>
+            </a:extLst>
+          </p:cNvPr>
+          <p:cNvSpPr/>
+          <p:nvPr/>
+        </p:nvSpPr>
+        <p:spPr>
+          <a:xfrm>
+            <a:off x="4181475" y="2562225"/>
+            <a:ext cx="609600" cy="285750"/>
+          </a:xfrm>
+          <a:prstGeom prst="ellipse">
+            <a:avLst/>
+          </a:prstGeom>
+          <a:noFill/>
+          <a:ln w="9525">
+            <a:solidFill>
+              <a:schemeClr val="bg1"/>
+            </a:solidFill>
+          </a:ln>
+        </p:spPr>
+        <p:style>
+          <a:lnRef idx="2">
+            <a:schemeClr val="accent1">
+              <a:shade val="50000"/>
+            </a:schemeClr>
+          </a:lnRef>
+          <a:fillRef idx="1">
+            <a:schemeClr val="accent1"/>
+          </a:fillRef>
+          <a:effectRef idx="0">
+            <a:schemeClr val="accent1"/>
+          </a:effectRef>
+          <a:fontRef idx="minor">
+            <a:schemeClr val="lt1"/>
+          </a:fontRef>
+        </p:style>
+        <p:txBody>
+          <a:bodyPr rtlCol="0" anchor="ctr"/>
+          <a:lstStyle/>
+          <a:p>
+            <a:pPr algn="ctr"/>
+            <a:endParaRPr lang="en-US"/>
+          </a:p>
+        </p:txBody>
+      </p:sp>
+      <p:sp>
+        <p:nvSpPr>
+          <p:cNvPr id="14" name="Oval 13">
+            <a:extLst>
+              <a:ext uri="{FF2B5EF4-FFF2-40B4-BE49-F238E27FC236}">
+                <a16:creationId xmlns:a16="http://schemas.microsoft.com/office/drawing/2014/main" id="{F0D16816-6B96-439B-9B05-7A5ED804D9AD}"/>
+              </a:ext>
+            </a:extLst>
+          </p:cNvPr>
+          <p:cNvSpPr/>
+          <p:nvPr/>
+        </p:nvSpPr>
+        <p:spPr>
+          <a:xfrm>
+            <a:off x="3990975" y="2943225"/>
+            <a:ext cx="581025" cy="209550"/>
+          </a:xfrm>
+          <a:prstGeom prst="ellipse">
+            <a:avLst/>
+          </a:prstGeom>
+          <a:noFill/>
+          <a:ln w="3175">
+            <a:solidFill>
+              <a:schemeClr val="bg1"/>
+            </a:solidFill>
+          </a:ln>
+        </p:spPr>
+        <p:style>
+          <a:lnRef idx="2">
+            <a:schemeClr val="accent1">
+              <a:shade val="50000"/>
+            </a:schemeClr>
+          </a:lnRef>
+          <a:fillRef idx="1">
+            <a:schemeClr val="accent1"/>
+          </a:fillRef>
+          <a:effectRef idx="0">
+            <a:schemeClr val="accent1"/>
+          </a:effectRef>
+          <a:fontRef idx="minor">
+            <a:schemeClr val="lt1"/>
+          </a:fontRef>
+        </p:style>
+        <p:txBody>
+          <a:bodyPr rtlCol="0" anchor="ctr"/>
+          <a:lstStyle/>
+          <a:p>
+            <a:pPr algn="ctr"/>
+            <a:endParaRPr lang="en-US"/>
+          </a:p>
+        </p:txBody>
+      </p:sp>
+      <p:sp>
+        <p:nvSpPr>
+          <p:cNvPr id="15" name="Oval 14">
+            <a:extLst>
+              <a:ext uri="{FF2B5EF4-FFF2-40B4-BE49-F238E27FC236}">
+                <a16:creationId xmlns:a16="http://schemas.microsoft.com/office/drawing/2014/main" id="{68553BA7-F4D3-4603-97C5-C9255F9D2E87}"/>
+              </a:ext>
+            </a:extLst>
+          </p:cNvPr>
+          <p:cNvSpPr/>
+          <p:nvPr/>
+        </p:nvSpPr>
+        <p:spPr>
+          <a:xfrm>
+            <a:off x="3397493" y="3152775"/>
+            <a:ext cx="1128713" cy="395285"/>
+          </a:xfrm>
+          <a:prstGeom prst="ellipse">
+            <a:avLst/>
+          </a:prstGeom>
+          <a:noFill/>
+          <a:ln w="9525">
+            <a:solidFill>
+              <a:schemeClr val="bg1"/>
+            </a:solidFill>
+          </a:ln>
+        </p:spPr>
+        <p:style>
+          <a:lnRef idx="2">
+            <a:schemeClr val="accent1">
+              <a:shade val="50000"/>
+            </a:schemeClr>
+          </a:lnRef>
+          <a:fillRef idx="1">
+            <a:schemeClr val="accent1"/>
+          </a:fillRef>
+          <a:effectRef idx="0">
+            <a:schemeClr val="accent1"/>
+          </a:effectRef>
+          <a:fontRef idx="minor">
+            <a:schemeClr val="lt1"/>
+          </a:fontRef>
+        </p:style>
+        <p:txBody>
+          <a:bodyPr rtlCol="0" anchor="ctr"/>
+          <a:lstStyle/>
+          <a:p>
+            <a:pPr algn="ctr"/>
+            <a:endParaRPr lang="en-US"/>
+          </a:p>
+        </p:txBody>
+      </p:sp>
+      <p:sp>
+        <p:nvSpPr>
+          <p:cNvPr id="17" name="Oval 16">
+            <a:extLst>
+              <a:ext uri="{FF2B5EF4-FFF2-40B4-BE49-F238E27FC236}">
+                <a16:creationId xmlns:a16="http://schemas.microsoft.com/office/drawing/2014/main" id="{3EC557C2-7C82-4F13-8CD1-DB2D7D900F4F}"/>
+              </a:ext>
+            </a:extLst>
+          </p:cNvPr>
+          <p:cNvSpPr/>
+          <p:nvPr/>
+        </p:nvSpPr>
+        <p:spPr>
+          <a:xfrm>
+            <a:off x="3571875" y="3538533"/>
+            <a:ext cx="609600" cy="219077"/>
+          </a:xfrm>
+          <a:prstGeom prst="ellipse">
+            <a:avLst/>
+          </a:prstGeom>
+          <a:noFill/>
+          <a:ln w="9525">
+            <a:solidFill>
+              <a:schemeClr val="bg1"/>
+            </a:solidFill>
+          </a:ln>
+        </p:spPr>
+        <p:style>
+          <a:lnRef idx="2">
+            <a:schemeClr val="accent1">
+              <a:shade val="50000"/>
+            </a:schemeClr>
+          </a:lnRef>
+          <a:fillRef idx="1">
+            <a:schemeClr val="accent1"/>
+          </a:fillRef>
+          <a:effectRef idx="0">
+            <a:schemeClr val="accent1"/>
+          </a:effectRef>
+          <a:fontRef idx="minor">
+            <a:schemeClr val="lt1"/>
+          </a:fontRef>
+        </p:style>
+        <p:txBody>
+          <a:bodyPr rtlCol="0" anchor="ctr"/>
+          <a:lstStyle/>
+          <a:p>
+            <a:pPr algn="ctr"/>
+            <a:endParaRPr lang="en-US"/>
+          </a:p>
+        </p:txBody>
+      </p:sp>
+      <p:sp>
+        <p:nvSpPr>
+          <p:cNvPr id="20" name="Oval 19">
+            <a:extLst>
+              <a:ext uri="{FF2B5EF4-FFF2-40B4-BE49-F238E27FC236}">
+                <a16:creationId xmlns:a16="http://schemas.microsoft.com/office/drawing/2014/main" id="{AADD7FA0-BABC-4DE3-850A-75229393F7BF}"/>
+              </a:ext>
+            </a:extLst>
+          </p:cNvPr>
+          <p:cNvSpPr/>
+          <p:nvPr/>
+        </p:nvSpPr>
+        <p:spPr>
+          <a:xfrm>
+            <a:off x="3990975" y="5495925"/>
+            <a:ext cx="409575" cy="304800"/>
+          </a:xfrm>
+          <a:prstGeom prst="ellipse">
+            <a:avLst/>
+          </a:prstGeom>
+          <a:noFill/>
+          <a:ln>
+            <a:solidFill>
+              <a:schemeClr val="bg1"/>
+            </a:solidFill>
+          </a:ln>
+        </p:spPr>
+        <p:style>
+          <a:lnRef idx="2">
+            <a:schemeClr val="accent1">
+              <a:shade val="50000"/>
+            </a:schemeClr>
+          </a:lnRef>
+          <a:fillRef idx="1">
+            <a:schemeClr val="accent1"/>
+          </a:fillRef>
+          <a:effectRef idx="0">
+            <a:schemeClr val="accent1"/>
+          </a:effectRef>
+          <a:fontRef idx="minor">
+            <a:schemeClr val="lt1"/>
+          </a:fontRef>
+        </p:style>
+        <p:txBody>
+          <a:bodyPr rtlCol="0" anchor="ctr"/>
+          <a:lstStyle/>
+          <a:p>
+            <a:pPr algn="ctr"/>
+            <a:endParaRPr lang="en-US"/>
+          </a:p>
+        </p:txBody>
+      </p:sp>
+      <p:sp>
+        <p:nvSpPr>
+          <p:cNvPr id="21" name="Rectangle 20">
+            <a:extLst>
+              <a:ext uri="{FF2B5EF4-FFF2-40B4-BE49-F238E27FC236}">
+                <a16:creationId xmlns:a16="http://schemas.microsoft.com/office/drawing/2014/main" id="{F8454C2F-DB8A-4A98-9785-05805A5EC89C}"/>
+              </a:ext>
+            </a:extLst>
+          </p:cNvPr>
+          <p:cNvSpPr/>
+          <p:nvPr/>
+        </p:nvSpPr>
+        <p:spPr>
+          <a:xfrm>
+            <a:off x="2215603" y="5800725"/>
+            <a:ext cx="5785397" cy="1252315"/>
+          </a:xfrm>
+          <a:prstGeom prst="rect">
+            <a:avLst/>
+          </a:prstGeom>
+          <a:noFill/>
+          <a:ln>
+            <a:solidFill>
+              <a:schemeClr val="bg1"/>
+            </a:solidFill>
+          </a:ln>
+        </p:spPr>
+        <p:style>
+          <a:lnRef idx="2">
+            <a:schemeClr val="accent1">
+              <a:shade val="50000"/>
+            </a:schemeClr>
+          </a:lnRef>
+          <a:fillRef idx="1">
+            <a:schemeClr val="accent1"/>
+          </a:fillRef>
+          <a:effectRef idx="0">
+            <a:schemeClr val="accent1"/>
+          </a:effectRef>
+          <a:fontRef idx="minor">
+            <a:schemeClr val="lt1"/>
+          </a:fontRef>
+        </p:style>
+        <p:txBody>
+          <a:bodyPr rtlCol="0" anchor="ctr"/>
+          <a:lstStyle/>
+          <a:p>
+            <a:pPr algn="ctr"/>
+            <a:endParaRPr lang="en-US"/>
           </a:p>
         </p:txBody>
       </p:sp>
       <p:pic>
         <p:nvPicPr>
-          <p:cNvPr id="4" name="Picture 3">
+          <p:cNvPr id="6" name="Picture 5">
             <a:extLst>
               <a:ext uri="{FF2B5EF4-FFF2-40B4-BE49-F238E27FC236}">
-                <a16:creationId xmlns:a16="http://schemas.microsoft.com/office/drawing/2014/main" id="{6BFCEEB4-CC7C-C9A2-C519-AEB01A73150D}"/>
+                <a16:creationId xmlns:a16="http://schemas.microsoft.com/office/drawing/2014/main" id="{4D8713F7-38AC-F8EE-F8E2-1B97680343A5}"/>
               </a:ext>
             </a:extLst>
           </p:cNvPr>
@@ -14377,13 +15397,13 @@
         </p:nvPicPr>
         <p:blipFill>
           <a:blip r:embed="rId2"/>
-          <a:srcRect t="9931" b="9931"/>
+          <a:srcRect/>
           <a:stretch/>
         </p:blipFill>
         <p:spPr>
           <a:xfrm>
-            <a:off x="1274862" y="1491722"/>
-            <a:ext cx="10370289" cy="4586274"/>
+            <a:off x="1483824" y="1434425"/>
+            <a:ext cx="7701543" cy="5357324"/>
           </a:xfrm>
           <a:prstGeom prst="rect">
             <a:avLst/>
@@ -14392,10 +15412,10 @@
       </p:pic>
       <p:sp>
         <p:nvSpPr>
-          <p:cNvPr id="9" name="Oval 8">
+          <p:cNvPr id="10" name="Oval 9">
             <a:extLst>
               <a:ext uri="{FF2B5EF4-FFF2-40B4-BE49-F238E27FC236}">
-                <a16:creationId xmlns:a16="http://schemas.microsoft.com/office/drawing/2014/main" id="{CC72C540-ACBD-0D43-2A83-08A3DA8607EC}"/>
+                <a16:creationId xmlns:a16="http://schemas.microsoft.com/office/drawing/2014/main" id="{48E45F48-29CE-F70A-9020-1616CF0A6A32}"/>
               </a:ext>
             </a:extLst>
           </p:cNvPr>
@@ -14404,8 +15424,8 @@
         </p:nvSpPr>
         <p:spPr>
           <a:xfrm>
-            <a:off x="1558429" y="2393589"/>
-            <a:ext cx="552153" cy="215208"/>
+            <a:off x="1577174" y="4774023"/>
+            <a:ext cx="552153" cy="163591"/>
           </a:xfrm>
           <a:prstGeom prst="ellipse">
             <a:avLst/>
@@ -14438,14 +15458,118 @@
           <a:lstStyle/>
           <a:p>
             <a:pPr algn="ctr"/>
-            <a:endParaRPr lang="en-US" dirty="0"/>
+            <a:endParaRPr lang="en-US"/>
+          </a:p>
+        </p:txBody>
+      </p:sp>
+      <p:sp>
+        <p:nvSpPr>
+          <p:cNvPr id="13" name="Oval 12">
+            <a:extLst>
+              <a:ext uri="{FF2B5EF4-FFF2-40B4-BE49-F238E27FC236}">
+                <a16:creationId xmlns:a16="http://schemas.microsoft.com/office/drawing/2014/main" id="{90D3FB36-0671-C710-F96E-D4B0DA280C02}"/>
+              </a:ext>
+            </a:extLst>
+          </p:cNvPr>
+          <p:cNvSpPr/>
+          <p:nvPr/>
+        </p:nvSpPr>
+        <p:spPr>
+          <a:xfrm>
+            <a:off x="1577174" y="5098640"/>
+            <a:ext cx="476738" cy="175628"/>
+          </a:xfrm>
+          <a:prstGeom prst="ellipse">
+            <a:avLst/>
+          </a:prstGeom>
+          <a:noFill/>
+          <a:ln>
+            <a:solidFill>
+              <a:srgbClr val="FF0000"/>
+            </a:solidFill>
+          </a:ln>
+        </p:spPr>
+        <p:style>
+          <a:lnRef idx="2">
+            <a:schemeClr val="accent1">
+              <a:shade val="50000"/>
+            </a:schemeClr>
+          </a:lnRef>
+          <a:fillRef idx="1">
+            <a:schemeClr val="accent1"/>
+          </a:fillRef>
+          <a:effectRef idx="0">
+            <a:schemeClr val="accent1"/>
+          </a:effectRef>
+          <a:fontRef idx="minor">
+            <a:schemeClr val="lt1"/>
+          </a:fontRef>
+        </p:style>
+        <p:txBody>
+          <a:bodyPr rtlCol="0" anchor="ctr"/>
+          <a:lstStyle/>
+          <a:p>
+            <a:pPr algn="ctr"/>
+            <a:endParaRPr lang="en-US"/>
+          </a:p>
+        </p:txBody>
+      </p:sp>
+      <p:sp>
+        <p:nvSpPr>
+          <p:cNvPr id="16" name="Oval 15">
+            <a:extLst>
+              <a:ext uri="{FF2B5EF4-FFF2-40B4-BE49-F238E27FC236}">
+                <a16:creationId xmlns:a16="http://schemas.microsoft.com/office/drawing/2014/main" id="{879FBBDA-72C8-6090-4792-CCAB85AC6609}"/>
+              </a:ext>
+            </a:extLst>
+          </p:cNvPr>
+          <p:cNvSpPr/>
+          <p:nvPr/>
+        </p:nvSpPr>
+        <p:spPr>
+          <a:xfrm>
+            <a:off x="1631985" y="5464934"/>
+            <a:ext cx="736943" cy="175628"/>
+          </a:xfrm>
+          <a:prstGeom prst="ellipse">
+            <a:avLst/>
+          </a:prstGeom>
+          <a:noFill/>
+          <a:ln>
+            <a:solidFill>
+              <a:srgbClr val="FF0000"/>
+            </a:solidFill>
+          </a:ln>
+        </p:spPr>
+        <p:style>
+          <a:lnRef idx="2">
+            <a:schemeClr val="dk1">
+              <a:shade val="50000"/>
+            </a:schemeClr>
+          </a:lnRef>
+          <a:fillRef idx="1">
+            <a:schemeClr val="dk1"/>
+          </a:fillRef>
+          <a:effectRef idx="0">
+            <a:schemeClr val="dk1"/>
+          </a:effectRef>
+          <a:fontRef idx="minor">
+            <a:schemeClr val="lt1"/>
+          </a:fontRef>
+        </p:style>
+        <p:txBody>
+          <a:bodyPr rtlCol="0" anchor="ctr"/>
+          <a:lstStyle/>
+          <a:p>
+            <a:pPr algn="ctr"/>
+            <a:endParaRPr lang="en-US"/>
           </a:p>
         </p:txBody>
       </p:sp>
     </p:spTree>
     <p:extLst>
       <p:ext uri="{BB962C8B-B14F-4D97-AF65-F5344CB8AC3E}">
-        <p14:creationId xmlns:p14="http://schemas.microsoft.com/office/powerpoint/2010/main" val="1581866038"/>
+        <p14:creationId xmlns:p14="http://schemas.microsoft.com/office/powerpoint/2010/main" val="4006931548"/>
       </p:ext>
     </p:extLst>
   </p:cSld>
@@ -14486,57 +15610,6 @@
       </p:grpSpPr>
       <p:sp>
         <p:nvSpPr>
-          <p:cNvPr id="2" name="Title 1"/>
-          <p:cNvSpPr>
-            <a:spLocks noGrp="1"/>
-          </p:cNvSpPr>
-          <p:nvPr>
-            <p:ph type="title"/>
-          </p:nvPr>
-        </p:nvSpPr>
-        <p:spPr>
-          <a:xfrm>
-            <a:off x="1589101" y="619909"/>
-            <a:ext cx="9358098" cy="653738"/>
-          </a:xfrm>
-        </p:spPr>
-        <p:txBody>
-          <a:bodyPr>
-            <a:normAutofit fontScale="90000"/>
-          </a:bodyPr>
-          <a:lstStyle/>
-          <a:p>
-            <a:r>
-              <a:rPr lang="en-US" b="1" i="1" dirty="0">
-                <a:solidFill>
-                  <a:schemeClr val="accent2">
-                    <a:lumMod val="50000"/>
-                  </a:schemeClr>
-                </a:solidFill>
-              </a:rPr>
-              <a:t>2) Display Empty Rooms.</a:t>
-            </a:r>
-            <a:br>
-              <a:rPr lang="en-US" b="1" dirty="0">
-                <a:solidFill>
-                  <a:schemeClr val="accent2">
-                    <a:lumMod val="50000"/>
-                  </a:schemeClr>
-                </a:solidFill>
-              </a:rPr>
-            </a:br>
-            <a:endParaRPr lang="en-US" b="1" dirty="0">
-              <a:solidFill>
-                <a:schemeClr val="accent2">
-                  <a:lumMod val="50000"/>
-                </a:schemeClr>
-              </a:solidFill>
-            </a:endParaRPr>
-          </a:p>
-        </p:txBody>
-      </p:sp>
-      <p:sp>
-        <p:nvSpPr>
           <p:cNvPr id="3" name="Content Placeholder 2"/>
           <p:cNvSpPr>
             <a:spLocks noGrp="1"/>
@@ -14547,8 +15620,8 @@
         </p:nvSpPr>
         <p:spPr>
           <a:xfrm>
-            <a:off x="332490" y="906942"/>
-            <a:ext cx="11179872" cy="4006222"/>
+            <a:off x="1582746" y="722499"/>
+            <a:ext cx="11111505" cy="4330250"/>
           </a:xfrm>
         </p:spPr>
         <p:txBody>
@@ -14558,7 +15631,19 @@
             <a:pPr marL="0" indent="0">
               <a:buNone/>
             </a:pPr>
-            <a:endParaRPr lang="en-US" b="1" dirty="0">
+            <a:r>
+              <a:rPr lang="en-US" sz="2000" b="1" dirty="0">
+                <a:solidFill>
+                  <a:schemeClr val="accent6">
+                    <a:lumMod val="50000"/>
+                  </a:schemeClr>
+                </a:solidFill>
+              </a:rPr>
+              <a:t>If same room book then it will message sent this -&gt; already room booked.</a:t>
+            </a:r>
+          </a:p>
+          <a:p>
+            <a:endParaRPr lang="en-US" dirty="0">
               <a:solidFill>
                 <a:schemeClr val="accent6">
                   <a:lumMod val="50000"/>
@@ -14567,25 +15652,45 @@
             </a:endParaRPr>
           </a:p>
           <a:p>
-            <a:pPr marL="0" indent="0">
-              <a:buNone/>
-            </a:pPr>
-            <a:endParaRPr lang="en-US" dirty="0"/>
-          </a:p>
-          <a:p>
-            <a:pPr marL="0" indent="0">
-              <a:buNone/>
-            </a:pPr>
-            <a:endParaRPr lang="en-US" dirty="0"/>
-          </a:p>
-        </p:txBody>
-      </p:sp>
-      <p:sp>
-        <p:nvSpPr>
-          <p:cNvPr id="5" name="Oval 4">
+            <a:endParaRPr lang="en-US" dirty="0"/>
+          </a:p>
+        </p:txBody>
+      </p:sp>
+      <p:pic>
+        <p:nvPicPr>
+          <p:cNvPr id="4" name="Picture 3">
             <a:extLst>
               <a:ext uri="{FF2B5EF4-FFF2-40B4-BE49-F238E27FC236}">
-                <a16:creationId xmlns:a16="http://schemas.microsoft.com/office/drawing/2014/main" id="{A75180D5-7686-4AD7-9E3E-B56A2FAE51F1}"/>
+                <a16:creationId xmlns:a16="http://schemas.microsoft.com/office/drawing/2014/main" id="{6BFCEEB4-CC7C-C9A2-C519-AEB01A73150D}"/>
+              </a:ext>
+            </a:extLst>
+          </p:cNvPr>
+          <p:cNvPicPr>
+            <a:picLocks noChangeAspect="1"/>
+          </p:cNvPicPr>
+          <p:nvPr/>
+        </p:nvPicPr>
+        <p:blipFill rotWithShape="1">
+          <a:blip r:embed="rId2"/>
+          <a:srcRect l="179" r="6631"/>
+          <a:stretch/>
+        </p:blipFill>
+        <p:spPr>
+          <a:xfrm>
+            <a:off x="2139886" y="1190369"/>
+            <a:ext cx="6447934" cy="5368140"/>
+          </a:xfrm>
+          <a:prstGeom prst="rect">
+            <a:avLst/>
+          </a:prstGeom>
+        </p:spPr>
+      </p:pic>
+      <p:sp>
+        <p:nvSpPr>
+          <p:cNvPr id="8" name="Oval 7">
+            <a:extLst>
+              <a:ext uri="{FF2B5EF4-FFF2-40B4-BE49-F238E27FC236}">
+                <a16:creationId xmlns:a16="http://schemas.microsoft.com/office/drawing/2014/main" id="{536138F7-BF62-5C11-4BE0-33F06BF310C0}"/>
               </a:ext>
             </a:extLst>
           </p:cNvPr>
@@ -14594,8 +15699,8 @@
         </p:nvSpPr>
         <p:spPr>
           <a:xfrm>
-            <a:off x="3357702" y="4180114"/>
-            <a:ext cx="457200" cy="241526"/>
+            <a:off x="2317099" y="4410665"/>
+            <a:ext cx="488782" cy="164597"/>
           </a:xfrm>
           <a:prstGeom prst="ellipse">
             <a:avLst/>
@@ -14603,7 +15708,111 @@
           <a:noFill/>
           <a:ln>
             <a:solidFill>
-              <a:schemeClr val="bg1"/>
+              <a:srgbClr val="FF0000"/>
+            </a:solidFill>
+          </a:ln>
+        </p:spPr>
+        <p:style>
+          <a:lnRef idx="2">
+            <a:schemeClr val="dk1">
+              <a:shade val="50000"/>
+            </a:schemeClr>
+          </a:lnRef>
+          <a:fillRef idx="1">
+            <a:schemeClr val="dk1"/>
+          </a:fillRef>
+          <a:effectRef idx="0">
+            <a:schemeClr val="dk1"/>
+          </a:effectRef>
+          <a:fontRef idx="minor">
+            <a:schemeClr val="lt1"/>
+          </a:fontRef>
+        </p:style>
+        <p:txBody>
+          <a:bodyPr rtlCol="0" anchor="ctr"/>
+          <a:lstStyle/>
+          <a:p>
+            <a:pPr algn="ctr"/>
+            <a:endParaRPr lang="en-US"/>
+          </a:p>
+        </p:txBody>
+      </p:sp>
+      <p:sp>
+        <p:nvSpPr>
+          <p:cNvPr id="9" name="Oval 8">
+            <a:extLst>
+              <a:ext uri="{FF2B5EF4-FFF2-40B4-BE49-F238E27FC236}">
+                <a16:creationId xmlns:a16="http://schemas.microsoft.com/office/drawing/2014/main" id="{CC72C540-ACBD-0D43-2A83-08A3DA8607EC}"/>
+              </a:ext>
+            </a:extLst>
+          </p:cNvPr>
+          <p:cNvSpPr/>
+          <p:nvPr/>
+        </p:nvSpPr>
+        <p:spPr>
+          <a:xfrm>
+            <a:off x="2285413" y="4743525"/>
+            <a:ext cx="552153" cy="164597"/>
+          </a:xfrm>
+          <a:prstGeom prst="ellipse">
+            <a:avLst/>
+          </a:prstGeom>
+          <a:noFill/>
+          <a:ln>
+            <a:solidFill>
+              <a:srgbClr val="FF0000"/>
+            </a:solidFill>
+          </a:ln>
+        </p:spPr>
+        <p:style>
+          <a:lnRef idx="2">
+            <a:schemeClr val="dk1">
+              <a:shade val="50000"/>
+            </a:schemeClr>
+          </a:lnRef>
+          <a:fillRef idx="1">
+            <a:schemeClr val="dk1"/>
+          </a:fillRef>
+          <a:effectRef idx="0">
+            <a:schemeClr val="dk1"/>
+          </a:effectRef>
+          <a:fontRef idx="minor">
+            <a:schemeClr val="lt1"/>
+          </a:fontRef>
+        </p:style>
+        <p:txBody>
+          <a:bodyPr rtlCol="0" anchor="ctr"/>
+          <a:lstStyle/>
+          <a:p>
+            <a:pPr algn="ctr"/>
+            <a:endParaRPr lang="en-US"/>
+          </a:p>
+        </p:txBody>
+      </p:sp>
+      <p:sp>
+        <p:nvSpPr>
+          <p:cNvPr id="10" name="Rectangle 9">
+            <a:extLst>
+              <a:ext uri="{FF2B5EF4-FFF2-40B4-BE49-F238E27FC236}">
+                <a16:creationId xmlns:a16="http://schemas.microsoft.com/office/drawing/2014/main" id="{BF3B5FAF-535E-0D6F-0B2E-C1C67B0C87C7}"/>
+              </a:ext>
+            </a:extLst>
+          </p:cNvPr>
+          <p:cNvSpPr/>
+          <p:nvPr/>
+        </p:nvSpPr>
+        <p:spPr>
+          <a:xfrm>
+            <a:off x="2317099" y="4915522"/>
+            <a:ext cx="4600428" cy="172126"/>
+          </a:xfrm>
+          <a:prstGeom prst="rect">
+            <a:avLst/>
+          </a:prstGeom>
+          <a:noFill/>
+          <a:ln>
+            <a:solidFill>
+              <a:srgbClr val="FF0000"/>
             </a:solidFill>
           </a:ln>
         </p:spPr>
@@ -14632,41 +15841,12 @@
           </a:p>
         </p:txBody>
       </p:sp>
-      <p:pic>
-        <p:nvPicPr>
-          <p:cNvPr id="6" name="Picture 5">
+      <p:sp>
+        <p:nvSpPr>
+          <p:cNvPr id="13" name="Oval 12">
             <a:extLst>
               <a:ext uri="{FF2B5EF4-FFF2-40B4-BE49-F238E27FC236}">
-                <a16:creationId xmlns:a16="http://schemas.microsoft.com/office/drawing/2014/main" id="{650586BB-1F3B-8882-2BC2-C4B6628CE853}"/>
-              </a:ext>
-            </a:extLst>
-          </p:cNvPr>
-          <p:cNvPicPr>
-            <a:picLocks noChangeAspect="1"/>
-          </p:cNvPicPr>
-          <p:nvPr/>
-        </p:nvPicPr>
-        <p:blipFill>
-          <a:blip r:embed="rId2"/>
-          <a:srcRect/>
-          <a:stretch/>
-        </p:blipFill>
-        <p:spPr>
-          <a:xfrm>
-            <a:off x="2199512" y="1273647"/>
-            <a:ext cx="6422256" cy="4964444"/>
-          </a:xfrm>
-          <a:prstGeom prst="rect">
-            <a:avLst/>
-          </a:prstGeom>
-        </p:spPr>
-      </p:pic>
-      <p:sp>
-        <p:nvSpPr>
-          <p:cNvPr id="8" name="Oval 7">
-            <a:extLst>
-              <a:ext uri="{FF2B5EF4-FFF2-40B4-BE49-F238E27FC236}">
-                <a16:creationId xmlns:a16="http://schemas.microsoft.com/office/drawing/2014/main" id="{AD80E964-F5D1-FF84-C8C8-34873B08C4C5}"/>
+                <a16:creationId xmlns:a16="http://schemas.microsoft.com/office/drawing/2014/main" id="{A40ACA53-2661-3E9F-5E87-228239E33FE5}"/>
               </a:ext>
             </a:extLst>
           </p:cNvPr>
@@ -14675,8 +15855,8 @@
         </p:nvSpPr>
         <p:spPr>
           <a:xfrm>
-            <a:off x="2199512" y="3610334"/>
-            <a:ext cx="488782" cy="189226"/>
+            <a:off x="2317098" y="5278515"/>
+            <a:ext cx="488782" cy="164598"/>
           </a:xfrm>
           <a:prstGeom prst="ellipse">
             <a:avLst/>
@@ -14715,10 +15895,10 @@
       </p:sp>
       <p:sp>
         <p:nvSpPr>
-          <p:cNvPr id="9" name="Flowchart: Process 8">
+          <p:cNvPr id="14" name="Oval 13">
             <a:extLst>
               <a:ext uri="{FF2B5EF4-FFF2-40B4-BE49-F238E27FC236}">
-                <a16:creationId xmlns:a16="http://schemas.microsoft.com/office/drawing/2014/main" id="{EE54D5B4-F6FD-7625-BA03-18404CE98CE5}"/>
+                <a16:creationId xmlns:a16="http://schemas.microsoft.com/office/drawing/2014/main" id="{3CE42CE2-1BD2-6CFC-E9DE-69A8F53A06B4}"/>
               </a:ext>
             </a:extLst>
           </p:cNvPr>
@@ -14727,10 +15907,10 @@
         </p:nvSpPr>
         <p:spPr>
           <a:xfrm>
-            <a:off x="2286601" y="3848463"/>
-            <a:ext cx="1299701" cy="1447069"/>
-          </a:xfrm>
-          <a:prstGeom prst="flowChartProcess">
+            <a:off x="2348784" y="5576181"/>
+            <a:ext cx="488782" cy="164598"/>
+          </a:xfrm>
+          <a:prstGeom prst="ellipse">
             <a:avLst/>
           </a:prstGeom>
           <a:noFill/>
@@ -14742,15 +15922,15 @@
         </p:spPr>
         <p:style>
           <a:lnRef idx="2">
-            <a:schemeClr val="accent1">
+            <a:schemeClr val="dk1">
               <a:shade val="50000"/>
             </a:schemeClr>
           </a:lnRef>
           <a:fillRef idx="1">
-            <a:schemeClr val="accent1"/>
+            <a:schemeClr val="dk1"/>
           </a:fillRef>
           <a:effectRef idx="0">
-            <a:schemeClr val="accent1"/>
+            <a:schemeClr val="dk1"/>
           </a:effectRef>
           <a:fontRef idx="minor">
             <a:schemeClr val="lt1"/>
@@ -14767,10 +15947,10 @@
       </p:sp>
       <p:sp>
         <p:nvSpPr>
-          <p:cNvPr id="10" name="Speech Bubble: Oval 9">
+          <p:cNvPr id="15" name="Speech Bubble: Oval 14">
             <a:extLst>
               <a:ext uri="{FF2B5EF4-FFF2-40B4-BE49-F238E27FC236}">
-                <a16:creationId xmlns:a16="http://schemas.microsoft.com/office/drawing/2014/main" id="{3E874CAB-476E-F37B-19DF-20D168854E7E}"/>
+                <a16:creationId xmlns:a16="http://schemas.microsoft.com/office/drawing/2014/main" id="{67256085-F80E-193A-2FF3-52444DA7CF32}"/>
               </a:ext>
             </a:extLst>
           </p:cNvPr>
@@ -14778,14 +15958,13 @@
           <p:nvPr/>
         </p:nvSpPr>
         <p:spPr>
-          <a:xfrm rot="1772190">
-            <a:off x="3565139" y="3430707"/>
-            <a:ext cx="914400" cy="548480"/>
+          <a:xfrm>
+            <a:off x="6681298" y="4385647"/>
+            <a:ext cx="914400" cy="408322"/>
           </a:xfrm>
           <a:prstGeom prst="wedgeEllipseCallout">
             <a:avLst/>
           </a:prstGeom>
-          <a:noFill/>
           <a:ln>
             <a:solidFill>
               <a:srgbClr val="FF0000"/>
@@ -14794,18 +15973,16 @@
         </p:spPr>
         <p:style>
           <a:lnRef idx="2">
-            <a:schemeClr val="accent1">
-              <a:shade val="50000"/>
-            </a:schemeClr>
+            <a:schemeClr val="dk1"/>
           </a:lnRef>
           <a:fillRef idx="1">
-            <a:schemeClr val="accent1"/>
+            <a:schemeClr val="lt1"/>
           </a:fillRef>
           <a:effectRef idx="0">
-            <a:schemeClr val="accent1"/>
+            <a:schemeClr val="dk1"/>
           </a:effectRef>
           <a:fontRef idx="minor">
-            <a:schemeClr val="lt1"/>
+            <a:schemeClr val="dk1"/>
           </a:fontRef>
         </p:style>
         <p:txBody>
@@ -14814,12 +15991,8 @@
           <a:p>
             <a:pPr algn="ctr"/>
             <a:r>
-              <a:rPr lang="en-US" sz="800" b="1" dirty="0">
-                <a:solidFill>
-                  <a:schemeClr val="tx1"/>
-                </a:solidFill>
-              </a:rPr>
-              <a:t>This empty room show</a:t>
+              <a:rPr lang="en-US" sz="800" b="1" dirty="0"/>
+              <a:t>This message show</a:t>
             </a:r>
           </a:p>
         </p:txBody>
@@ -14827,7 +16000,7 @@
     </p:spTree>
     <p:extLst>
       <p:ext uri="{BB962C8B-B14F-4D97-AF65-F5344CB8AC3E}">
-        <p14:creationId xmlns:p14="http://schemas.microsoft.com/office/powerpoint/2010/main" val="4276730033"/>
+        <p14:creationId xmlns:p14="http://schemas.microsoft.com/office/powerpoint/2010/main" val="541325572"/>
       </p:ext>
     </p:extLst>
   </p:cSld>
@@ -14868,57 +16041,6 @@
       </p:grpSpPr>
       <p:sp>
         <p:nvSpPr>
-          <p:cNvPr id="2" name="Title 1"/>
-          <p:cNvSpPr>
-            <a:spLocks noGrp="1"/>
-          </p:cNvSpPr>
-          <p:nvPr>
-            <p:ph type="title"/>
-          </p:nvPr>
-        </p:nvSpPr>
-        <p:spPr>
-          <a:xfrm>
-            <a:off x="1589101" y="619909"/>
-            <a:ext cx="9358098" cy="653738"/>
-          </a:xfrm>
-        </p:spPr>
-        <p:txBody>
-          <a:bodyPr>
-            <a:normAutofit fontScale="90000"/>
-          </a:bodyPr>
-          <a:lstStyle/>
-          <a:p>
-            <a:r>
-              <a:rPr lang="en-US" b="1" i="1" dirty="0">
-                <a:solidFill>
-                  <a:schemeClr val="accent2">
-                    <a:lumMod val="50000"/>
-                  </a:schemeClr>
-                </a:solidFill>
-              </a:rPr>
-              <a:t>3) View all Rooms.</a:t>
-            </a:r>
-            <a:br>
-              <a:rPr lang="en-US" b="1" dirty="0">
-                <a:solidFill>
-                  <a:schemeClr val="accent2">
-                    <a:lumMod val="50000"/>
-                  </a:schemeClr>
-                </a:solidFill>
-              </a:rPr>
-            </a:br>
-            <a:endParaRPr lang="en-US" b="1" dirty="0">
-              <a:solidFill>
-                <a:schemeClr val="accent2">
-                  <a:lumMod val="50000"/>
-                </a:schemeClr>
-              </a:solidFill>
-            </a:endParaRPr>
-          </a:p>
-        </p:txBody>
-      </p:sp>
-      <p:sp>
-        <p:nvSpPr>
           <p:cNvPr id="3" name="Content Placeholder 2"/>
           <p:cNvSpPr>
             <a:spLocks noGrp="1"/>
@@ -14929,8 +16051,8 @@
         </p:nvSpPr>
         <p:spPr>
           <a:xfrm>
-            <a:off x="309242" y="1334933"/>
-            <a:ext cx="11179872" cy="4006222"/>
+            <a:off x="1674818" y="754756"/>
+            <a:ext cx="11111505" cy="4330250"/>
           </a:xfrm>
         </p:spPr>
         <p:txBody>
@@ -14940,34 +16062,28 @@
             <a:pPr marL="0" indent="0">
               <a:buNone/>
             </a:pPr>
-            <a:endParaRPr lang="en-US" b="1" dirty="0">
-              <a:solidFill>
-                <a:schemeClr val="accent6">
-                  <a:lumMod val="50000"/>
-                </a:schemeClr>
-              </a:solidFill>
-            </a:endParaRPr>
-          </a:p>
-          <a:p>
-            <a:pPr marL="0" indent="0">
-              <a:buNone/>
-            </a:pPr>
-            <a:endParaRPr lang="en-US" dirty="0"/>
-          </a:p>
-          <a:p>
-            <a:pPr marL="0" indent="0">
-              <a:buNone/>
-            </a:pPr>
+            <a:r>
+              <a:rPr lang="en-US" sz="3200" b="1" dirty="0">
+                <a:solidFill>
+                  <a:schemeClr val="accent2">
+                    <a:lumMod val="50000"/>
+                  </a:schemeClr>
+                </a:solidFill>
+              </a:rPr>
+              <a:t>If we  are continue</a:t>
+            </a:r>
+          </a:p>
+          <a:p>
             <a:endParaRPr lang="en-US" dirty="0"/>
           </a:p>
         </p:txBody>
       </p:sp>
       <p:pic>
         <p:nvPicPr>
-          <p:cNvPr id="6" name="Picture 5">
+          <p:cNvPr id="4" name="Picture 3">
             <a:extLst>
               <a:ext uri="{FF2B5EF4-FFF2-40B4-BE49-F238E27FC236}">
-                <a16:creationId xmlns:a16="http://schemas.microsoft.com/office/drawing/2014/main" id="{604D5438-92A4-91D4-3209-5B3AD223DBFB}"/>
+                <a16:creationId xmlns:a16="http://schemas.microsoft.com/office/drawing/2014/main" id="{6BFCEEB4-CC7C-C9A2-C519-AEB01A73150D}"/>
               </a:ext>
             </a:extLst>
           </p:cNvPr>
@@ -14976,15 +16092,15 @@
           </p:cNvPicPr>
           <p:nvPr/>
         </p:nvPicPr>
-        <p:blipFill>
+        <p:blipFill rotWithShape="1">
           <a:blip r:embed="rId2"/>
-          <a:srcRect/>
+          <a:srcRect l="-294" t="8" r="1" b="9931"/>
           <a:stretch/>
         </p:blipFill>
         <p:spPr>
           <a:xfrm>
-            <a:off x="2403225" y="1366374"/>
-            <a:ext cx="6146132" cy="5144496"/>
+            <a:off x="1018094" y="1480008"/>
+            <a:ext cx="10400813" cy="5154169"/>
           </a:xfrm>
           <a:prstGeom prst="rect">
             <a:avLst/>
@@ -14993,10 +16109,10 @@
       </p:pic>
       <p:sp>
         <p:nvSpPr>
-          <p:cNvPr id="8" name="Oval 7">
+          <p:cNvPr id="9" name="Oval 8">
             <a:extLst>
               <a:ext uri="{FF2B5EF4-FFF2-40B4-BE49-F238E27FC236}">
-                <a16:creationId xmlns:a16="http://schemas.microsoft.com/office/drawing/2014/main" id="{16DE61EE-77DF-8F12-17AD-16374362C6E3}"/>
+                <a16:creationId xmlns:a16="http://schemas.microsoft.com/office/drawing/2014/main" id="{CC72C540-ACBD-0D43-2A83-08A3DA8607EC}"/>
               </a:ext>
             </a:extLst>
           </p:cNvPr>
@@ -15005,8 +16121,8 @@
         </p:nvSpPr>
         <p:spPr>
           <a:xfrm>
-            <a:off x="2403225" y="3655813"/>
-            <a:ext cx="488782" cy="189226"/>
+            <a:off x="1303906" y="2919881"/>
+            <a:ext cx="552153" cy="215208"/>
           </a:xfrm>
           <a:prstGeom prst="ellipse">
             <a:avLst/>
@@ -15039,125 +16155,14 @@
           <a:lstStyle/>
           <a:p>
             <a:pPr algn="ctr"/>
-            <a:endParaRPr lang="en-US"/>
-          </a:p>
-        </p:txBody>
-      </p:sp>
-      <p:sp>
-        <p:nvSpPr>
-          <p:cNvPr id="9" name="Flowchart: Process 8">
-            <a:extLst>
-              <a:ext uri="{FF2B5EF4-FFF2-40B4-BE49-F238E27FC236}">
-                <a16:creationId xmlns:a16="http://schemas.microsoft.com/office/drawing/2014/main" id="{A92673DA-F862-5906-CA43-8C8F3FD8C4E6}"/>
-              </a:ext>
-            </a:extLst>
-          </p:cNvPr>
-          <p:cNvSpPr/>
-          <p:nvPr/>
-        </p:nvSpPr>
-        <p:spPr>
-          <a:xfrm>
-            <a:off x="2547405" y="3876481"/>
-            <a:ext cx="1807779" cy="1615146"/>
-          </a:xfrm>
-          <a:prstGeom prst="flowChartProcess">
-            <a:avLst/>
-          </a:prstGeom>
-          <a:noFill/>
-          <a:ln>
-            <a:solidFill>
-              <a:srgbClr val="FF0000"/>
-            </a:solidFill>
-          </a:ln>
-        </p:spPr>
-        <p:style>
-          <a:lnRef idx="2">
-            <a:schemeClr val="accent1">
-              <a:shade val="50000"/>
-            </a:schemeClr>
-          </a:lnRef>
-          <a:fillRef idx="1">
-            <a:schemeClr val="accent1"/>
-          </a:fillRef>
-          <a:effectRef idx="0">
-            <a:schemeClr val="accent1"/>
-          </a:effectRef>
-          <a:fontRef idx="minor">
-            <a:schemeClr val="lt1"/>
-          </a:fontRef>
-        </p:style>
-        <p:txBody>
-          <a:bodyPr rtlCol="0" anchor="ctr"/>
-          <a:lstStyle/>
-          <a:p>
-            <a:pPr algn="ctr"/>
-            <a:endParaRPr lang="en-US"/>
-          </a:p>
-        </p:txBody>
-      </p:sp>
-      <p:sp>
-        <p:nvSpPr>
-          <p:cNvPr id="10" name="Speech Bubble: Oval 9">
-            <a:extLst>
-              <a:ext uri="{FF2B5EF4-FFF2-40B4-BE49-F238E27FC236}">
-                <a16:creationId xmlns:a16="http://schemas.microsoft.com/office/drawing/2014/main" id="{298FF4CC-947C-0B90-EF03-26DCAF9FB344}"/>
-              </a:ext>
-            </a:extLst>
-          </p:cNvPr>
-          <p:cNvSpPr/>
-          <p:nvPr/>
-        </p:nvSpPr>
-        <p:spPr>
-          <a:xfrm rot="1772190">
-            <a:off x="4288136" y="3381573"/>
-            <a:ext cx="914400" cy="548480"/>
-          </a:xfrm>
-          <a:prstGeom prst="wedgeEllipseCallout">
-            <a:avLst/>
-          </a:prstGeom>
-          <a:noFill/>
-          <a:ln>
-            <a:solidFill>
-              <a:srgbClr val="FF0000"/>
-            </a:solidFill>
-          </a:ln>
-        </p:spPr>
-        <p:style>
-          <a:lnRef idx="2">
-            <a:schemeClr val="accent1">
-              <a:shade val="50000"/>
-            </a:schemeClr>
-          </a:lnRef>
-          <a:fillRef idx="1">
-            <a:schemeClr val="accent1"/>
-          </a:fillRef>
-          <a:effectRef idx="0">
-            <a:schemeClr val="accent1"/>
-          </a:effectRef>
-          <a:fontRef idx="minor">
-            <a:schemeClr val="lt1"/>
-          </a:fontRef>
-        </p:style>
-        <p:txBody>
-          <a:bodyPr rtlCol="0" anchor="ctr"/>
-          <a:lstStyle/>
-          <a:p>
-            <a:pPr algn="ctr"/>
-            <a:r>
-              <a:rPr lang="en-US" sz="800" b="1" dirty="0">
-                <a:solidFill>
-                  <a:schemeClr val="tx1"/>
-                </a:solidFill>
-              </a:rPr>
-              <a:t>This all room show</a:t>
-            </a:r>
+            <a:endParaRPr lang="en-US" dirty="0"/>
           </a:p>
         </p:txBody>
       </p:sp>
     </p:spTree>
     <p:extLst>
       <p:ext uri="{BB962C8B-B14F-4D97-AF65-F5344CB8AC3E}">
-        <p14:creationId xmlns:p14="http://schemas.microsoft.com/office/powerpoint/2010/main" val="2411429098"/>
+        <p14:creationId xmlns:p14="http://schemas.microsoft.com/office/powerpoint/2010/main" val="1581866038"/>
       </p:ext>
     </p:extLst>
   </p:cSld>
